--- a/slides/Step_8_Slide_Deck.pptx
+++ b/slides/Step_8_Slide_Deck.pptx
@@ -30,7 +30,8 @@
     <p:sldId id="275" r:id="rId24"/>
     <p:sldId id="279" r:id="rId25"/>
     <p:sldId id="280" r:id="rId26"/>
-    <p:sldId id="281" r:id="rId27"/>
+    <p:sldId id="282" r:id="rId27"/>
+    <p:sldId id="281" r:id="rId28"/>
   </p:sldIdLst>
   <p:sldSz cx="9144000" cy="6858000" type="screen4x3"/>
   <p:notesSz cx="6858000" cy="9144000"/>
@@ -5447,6 +5448,788 @@
   <dgm:styleLbl name="trBgShp">
     <dgm:fillClrLst meth="repeat">
       <a:schemeClr val="accent1">
+        <a:tint val="50000"/>
+        <a:alpha val="40000"/>
+      </a:schemeClr>
+    </dgm:fillClrLst>
+    <dgm:linClrLst meth="repeat">
+      <a:schemeClr val="accent2"/>
+    </dgm:linClrLst>
+    <dgm:effectClrLst/>
+    <dgm:txLinClrLst/>
+    <dgm:txFillClrLst meth="repeat">
+      <a:schemeClr val="lt1"/>
+    </dgm:txFillClrLst>
+    <dgm:txEffectClrLst/>
+  </dgm:styleLbl>
+  <dgm:styleLbl name="fgShp">
+    <dgm:fillClrLst meth="repeat">
+      <a:schemeClr val="accent2">
+        <a:tint val="40000"/>
+      </a:schemeClr>
+    </dgm:fillClrLst>
+    <dgm:linClrLst meth="repeat">
+      <a:schemeClr val="lt1"/>
+    </dgm:linClrLst>
+    <dgm:effectClrLst/>
+    <dgm:txLinClrLst/>
+    <dgm:txFillClrLst meth="repeat">
+      <a:schemeClr val="dk1"/>
+    </dgm:txFillClrLst>
+    <dgm:txEffectClrLst/>
+  </dgm:styleLbl>
+  <dgm:styleLbl name="revTx">
+    <dgm:fillClrLst meth="repeat">
+      <a:schemeClr val="lt1">
+        <a:alpha val="0"/>
+      </a:schemeClr>
+    </dgm:fillClrLst>
+    <dgm:linClrLst meth="repeat">
+      <a:schemeClr val="dk1">
+        <a:alpha val="0"/>
+      </a:schemeClr>
+    </dgm:linClrLst>
+    <dgm:effectClrLst/>
+    <dgm:txLinClrLst/>
+    <dgm:txFillClrLst meth="repeat">
+      <a:schemeClr val="tx1"/>
+    </dgm:txFillClrLst>
+    <dgm:txEffectClrLst/>
+  </dgm:styleLbl>
+</dgm:colorsDef>
+</file>
+
+<file path=ppt/diagrams/colors7.xml><?xml version="1.0" encoding="utf-8"?>
+<dgm:colorsDef xmlns:dgm="http://schemas.openxmlformats.org/drawingml/2006/diagram" xmlns:a="http://schemas.openxmlformats.org/drawingml/2006/main" uniqueId="urn:microsoft.com/office/officeart/2005/8/colors/colorful2">
+  <dgm:title val=""/>
+  <dgm:desc val=""/>
+  <dgm:catLst>
+    <dgm:cat type="colorful" pri="10200"/>
+  </dgm:catLst>
+  <dgm:styleLbl name="node0">
+    <dgm:fillClrLst meth="repeat">
+      <a:schemeClr val="accent1"/>
+    </dgm:fillClrLst>
+    <dgm:linClrLst meth="repeat">
+      <a:schemeClr val="lt1"/>
+    </dgm:linClrLst>
+    <dgm:effectClrLst/>
+    <dgm:txLinClrLst/>
+    <dgm:txFillClrLst/>
+    <dgm:txEffectClrLst/>
+  </dgm:styleLbl>
+  <dgm:styleLbl name="node1">
+    <dgm:fillClrLst>
+      <a:schemeClr val="accent2"/>
+      <a:schemeClr val="accent3"/>
+    </dgm:fillClrLst>
+    <dgm:linClrLst meth="repeat">
+      <a:schemeClr val="lt1"/>
+    </dgm:linClrLst>
+    <dgm:effectClrLst/>
+    <dgm:txLinClrLst/>
+    <dgm:txFillClrLst/>
+    <dgm:txEffectClrLst/>
+  </dgm:styleLbl>
+  <dgm:styleLbl name="alignNode1">
+    <dgm:fillClrLst>
+      <a:schemeClr val="accent2"/>
+      <a:schemeClr val="accent3"/>
+    </dgm:fillClrLst>
+    <dgm:linClrLst>
+      <a:schemeClr val="accent2"/>
+      <a:schemeClr val="accent3"/>
+    </dgm:linClrLst>
+    <dgm:effectClrLst/>
+    <dgm:txLinClrLst/>
+    <dgm:txFillClrLst/>
+    <dgm:txEffectClrLst/>
+  </dgm:styleLbl>
+  <dgm:styleLbl name="lnNode1">
+    <dgm:fillClrLst>
+      <a:schemeClr val="accent2"/>
+      <a:schemeClr val="accent3"/>
+    </dgm:fillClrLst>
+    <dgm:linClrLst meth="repeat">
+      <a:schemeClr val="lt1"/>
+    </dgm:linClrLst>
+    <dgm:effectClrLst/>
+    <dgm:txLinClrLst/>
+    <dgm:txFillClrLst/>
+    <dgm:txEffectClrLst/>
+  </dgm:styleLbl>
+  <dgm:styleLbl name="vennNode1">
+    <dgm:fillClrLst>
+      <a:schemeClr val="accent2">
+        <a:alpha val="50000"/>
+      </a:schemeClr>
+      <a:schemeClr val="accent3">
+        <a:alpha val="50000"/>
+      </a:schemeClr>
+    </dgm:fillClrLst>
+    <dgm:linClrLst meth="repeat">
+      <a:schemeClr val="lt1"/>
+    </dgm:linClrLst>
+    <dgm:effectClrLst/>
+    <dgm:txLinClrLst/>
+    <dgm:txFillClrLst/>
+    <dgm:txEffectClrLst/>
+  </dgm:styleLbl>
+  <dgm:styleLbl name="node2">
+    <dgm:fillClrLst>
+      <a:schemeClr val="accent3"/>
+    </dgm:fillClrLst>
+    <dgm:linClrLst meth="repeat">
+      <a:schemeClr val="lt1"/>
+    </dgm:linClrLst>
+    <dgm:effectClrLst/>
+    <dgm:txLinClrLst/>
+    <dgm:txFillClrLst/>
+    <dgm:txEffectClrLst/>
+  </dgm:styleLbl>
+  <dgm:styleLbl name="node3">
+    <dgm:fillClrLst>
+      <a:schemeClr val="accent4"/>
+    </dgm:fillClrLst>
+    <dgm:linClrLst meth="repeat">
+      <a:schemeClr val="lt1"/>
+    </dgm:linClrLst>
+    <dgm:effectClrLst/>
+    <dgm:txLinClrLst/>
+    <dgm:txFillClrLst/>
+    <dgm:txEffectClrLst/>
+  </dgm:styleLbl>
+  <dgm:styleLbl name="node4">
+    <dgm:fillClrLst>
+      <a:schemeClr val="accent5"/>
+    </dgm:fillClrLst>
+    <dgm:linClrLst meth="repeat">
+      <a:schemeClr val="lt1"/>
+    </dgm:linClrLst>
+    <dgm:effectClrLst/>
+    <dgm:txLinClrLst/>
+    <dgm:txFillClrLst/>
+    <dgm:txEffectClrLst/>
+  </dgm:styleLbl>
+  <dgm:styleLbl name="fgImgPlace1">
+    <dgm:fillClrLst>
+      <a:schemeClr val="accent2">
+        <a:tint val="50000"/>
+      </a:schemeClr>
+      <a:schemeClr val="accent3">
+        <a:tint val="50000"/>
+      </a:schemeClr>
+    </dgm:fillClrLst>
+    <dgm:linClrLst meth="repeat">
+      <a:schemeClr val="lt1"/>
+    </dgm:linClrLst>
+    <dgm:effectClrLst/>
+    <dgm:txLinClrLst/>
+    <dgm:txFillClrLst meth="repeat">
+      <a:schemeClr val="lt1"/>
+    </dgm:txFillClrLst>
+    <dgm:txEffectClrLst/>
+  </dgm:styleLbl>
+  <dgm:styleLbl name="alignImgPlace1">
+    <dgm:fillClrLst>
+      <a:schemeClr val="accent2">
+        <a:tint val="50000"/>
+      </a:schemeClr>
+      <a:schemeClr val="accent3">
+        <a:tint val="20000"/>
+      </a:schemeClr>
+    </dgm:fillClrLst>
+    <dgm:linClrLst meth="repeat">
+      <a:schemeClr val="lt1"/>
+    </dgm:linClrLst>
+    <dgm:effectClrLst/>
+    <dgm:txLinClrLst/>
+    <dgm:txFillClrLst meth="repeat">
+      <a:schemeClr val="lt1"/>
+    </dgm:txFillClrLst>
+    <dgm:txEffectClrLst/>
+  </dgm:styleLbl>
+  <dgm:styleLbl name="bgImgPlace1">
+    <dgm:fillClrLst>
+      <a:schemeClr val="accent2">
+        <a:tint val="50000"/>
+      </a:schemeClr>
+      <a:schemeClr val="accent3">
+        <a:tint val="20000"/>
+      </a:schemeClr>
+    </dgm:fillClrLst>
+    <dgm:linClrLst meth="repeat">
+      <a:schemeClr val="lt1"/>
+    </dgm:linClrLst>
+    <dgm:effectClrLst/>
+    <dgm:txLinClrLst/>
+    <dgm:txFillClrLst meth="repeat">
+      <a:schemeClr val="lt1"/>
+    </dgm:txFillClrLst>
+    <dgm:txEffectClrLst/>
+  </dgm:styleLbl>
+  <dgm:styleLbl name="sibTrans2D1">
+    <dgm:fillClrLst>
+      <a:schemeClr val="accent2"/>
+      <a:schemeClr val="accent3"/>
+    </dgm:fillClrLst>
+    <dgm:linClrLst meth="repeat">
+      <a:schemeClr val="lt1"/>
+    </dgm:linClrLst>
+    <dgm:effectClrLst/>
+    <dgm:txLinClrLst/>
+    <dgm:txFillClrLst/>
+    <dgm:txEffectClrLst/>
+  </dgm:styleLbl>
+  <dgm:styleLbl name="fgSibTrans2D1">
+    <dgm:fillClrLst>
+      <a:schemeClr val="accent2"/>
+      <a:schemeClr val="accent3"/>
+    </dgm:fillClrLst>
+    <dgm:linClrLst meth="repeat">
+      <a:schemeClr val="lt1"/>
+    </dgm:linClrLst>
+    <dgm:effectClrLst/>
+    <dgm:txLinClrLst/>
+    <dgm:txFillClrLst meth="repeat">
+      <a:schemeClr val="lt1"/>
+    </dgm:txFillClrLst>
+    <dgm:txEffectClrLst/>
+  </dgm:styleLbl>
+  <dgm:styleLbl name="bgSibTrans2D1">
+    <dgm:fillClrLst>
+      <a:schemeClr val="accent2"/>
+      <a:schemeClr val="accent3"/>
+    </dgm:fillClrLst>
+    <dgm:linClrLst meth="repeat">
+      <a:schemeClr val="lt1"/>
+    </dgm:linClrLst>
+    <dgm:effectClrLst/>
+    <dgm:txLinClrLst/>
+    <dgm:txFillClrLst meth="repeat">
+      <a:schemeClr val="lt1"/>
+    </dgm:txFillClrLst>
+    <dgm:txEffectClrLst/>
+  </dgm:styleLbl>
+  <dgm:styleLbl name="sibTrans1D1">
+    <dgm:fillClrLst/>
+    <dgm:linClrLst>
+      <a:schemeClr val="accent2"/>
+      <a:schemeClr val="accent3"/>
+    </dgm:linClrLst>
+    <dgm:effectClrLst/>
+    <dgm:txLinClrLst/>
+    <dgm:txFillClrLst meth="repeat">
+      <a:schemeClr val="tx1"/>
+    </dgm:txFillClrLst>
+    <dgm:txEffectClrLst/>
+  </dgm:styleLbl>
+  <dgm:styleLbl name="callout">
+    <dgm:fillClrLst meth="repeat">
+      <a:schemeClr val="accent2"/>
+    </dgm:fillClrLst>
+    <dgm:linClrLst meth="repeat">
+      <a:schemeClr val="accent2">
+        <a:tint val="50000"/>
+      </a:schemeClr>
+    </dgm:linClrLst>
+    <dgm:effectClrLst/>
+    <dgm:txLinClrLst/>
+    <dgm:txFillClrLst meth="repeat">
+      <a:schemeClr val="tx1"/>
+    </dgm:txFillClrLst>
+    <dgm:txEffectClrLst/>
+  </dgm:styleLbl>
+  <dgm:styleLbl name="asst0">
+    <dgm:fillClrLst meth="repeat">
+      <a:schemeClr val="accent2"/>
+    </dgm:fillClrLst>
+    <dgm:linClrLst meth="repeat">
+      <a:schemeClr val="lt1">
+        <a:shade val="80000"/>
+      </a:schemeClr>
+    </dgm:linClrLst>
+    <dgm:effectClrLst/>
+    <dgm:txLinClrLst/>
+    <dgm:txFillClrLst/>
+    <dgm:txEffectClrLst/>
+  </dgm:styleLbl>
+  <dgm:styleLbl name="asst1">
+    <dgm:fillClrLst meth="repeat">
+      <a:schemeClr val="accent3"/>
+    </dgm:fillClrLst>
+    <dgm:linClrLst meth="repeat">
+      <a:schemeClr val="lt1">
+        <a:shade val="80000"/>
+      </a:schemeClr>
+    </dgm:linClrLst>
+    <dgm:effectClrLst/>
+    <dgm:txLinClrLst/>
+    <dgm:txFillClrLst/>
+    <dgm:txEffectClrLst/>
+  </dgm:styleLbl>
+  <dgm:styleLbl name="asst2">
+    <dgm:fillClrLst>
+      <a:schemeClr val="accent4"/>
+    </dgm:fillClrLst>
+    <dgm:linClrLst meth="repeat">
+      <a:schemeClr val="lt1"/>
+    </dgm:linClrLst>
+    <dgm:effectClrLst/>
+    <dgm:txLinClrLst/>
+    <dgm:txFillClrLst/>
+    <dgm:txEffectClrLst/>
+  </dgm:styleLbl>
+  <dgm:styleLbl name="asst3">
+    <dgm:fillClrLst>
+      <a:schemeClr val="accent5"/>
+    </dgm:fillClrLst>
+    <dgm:linClrLst meth="repeat">
+      <a:schemeClr val="lt1"/>
+    </dgm:linClrLst>
+    <dgm:effectClrLst/>
+    <dgm:txLinClrLst/>
+    <dgm:txFillClrLst/>
+    <dgm:txEffectClrLst/>
+  </dgm:styleLbl>
+  <dgm:styleLbl name="asst4">
+    <dgm:fillClrLst>
+      <a:schemeClr val="accent6"/>
+    </dgm:fillClrLst>
+    <dgm:linClrLst meth="repeat">
+      <a:schemeClr val="lt1"/>
+    </dgm:linClrLst>
+    <dgm:effectClrLst/>
+    <dgm:txLinClrLst/>
+    <dgm:txFillClrLst/>
+    <dgm:txEffectClrLst/>
+  </dgm:styleLbl>
+  <dgm:styleLbl name="parChTrans2D1">
+    <dgm:fillClrLst meth="repeat">
+      <a:schemeClr val="accent2"/>
+    </dgm:fillClrLst>
+    <dgm:linClrLst meth="repeat">
+      <a:schemeClr val="lt1"/>
+    </dgm:linClrLst>
+    <dgm:effectClrLst/>
+    <dgm:txLinClrLst/>
+    <dgm:txFillClrLst meth="repeat">
+      <a:schemeClr val="lt1"/>
+    </dgm:txFillClrLst>
+    <dgm:txEffectClrLst/>
+  </dgm:styleLbl>
+  <dgm:styleLbl name="parChTrans2D2">
+    <dgm:fillClrLst meth="repeat">
+      <a:schemeClr val="accent3"/>
+    </dgm:fillClrLst>
+    <dgm:linClrLst meth="repeat">
+      <a:schemeClr val="lt1"/>
+    </dgm:linClrLst>
+    <dgm:effectClrLst/>
+    <dgm:txLinClrLst/>
+    <dgm:txFillClrLst/>
+    <dgm:txEffectClrLst/>
+  </dgm:styleLbl>
+  <dgm:styleLbl name="parChTrans2D3">
+    <dgm:fillClrLst meth="repeat">
+      <a:schemeClr val="accent4"/>
+    </dgm:fillClrLst>
+    <dgm:linClrLst meth="repeat">
+      <a:schemeClr val="lt1"/>
+    </dgm:linClrLst>
+    <dgm:effectClrLst/>
+    <dgm:txLinClrLst/>
+    <dgm:txFillClrLst/>
+    <dgm:txEffectClrLst/>
+  </dgm:styleLbl>
+  <dgm:styleLbl name="parChTrans2D4">
+    <dgm:fillClrLst meth="repeat">
+      <a:schemeClr val="accent5"/>
+    </dgm:fillClrLst>
+    <dgm:linClrLst meth="repeat">
+      <a:schemeClr val="lt1"/>
+    </dgm:linClrLst>
+    <dgm:effectClrLst/>
+    <dgm:txLinClrLst/>
+    <dgm:txFillClrLst meth="repeat">
+      <a:schemeClr val="lt1"/>
+    </dgm:txFillClrLst>
+    <dgm:txEffectClrLst/>
+  </dgm:styleLbl>
+  <dgm:styleLbl name="parChTrans1D1">
+    <dgm:fillClrLst meth="repeat">
+      <a:schemeClr val="accent2"/>
+    </dgm:fillClrLst>
+    <dgm:linClrLst meth="repeat">
+      <a:schemeClr val="accent2"/>
+    </dgm:linClrLst>
+    <dgm:effectClrLst/>
+    <dgm:txLinClrLst/>
+    <dgm:txFillClrLst meth="repeat">
+      <a:schemeClr val="tx1"/>
+    </dgm:txFillClrLst>
+    <dgm:txEffectClrLst/>
+  </dgm:styleLbl>
+  <dgm:styleLbl name="parChTrans1D2">
+    <dgm:fillClrLst meth="repeat">
+      <a:schemeClr val="accent2">
+        <a:tint val="90000"/>
+      </a:schemeClr>
+    </dgm:fillClrLst>
+    <dgm:linClrLst meth="repeat">
+      <a:schemeClr val="accent3"/>
+    </dgm:linClrLst>
+    <dgm:effectClrLst/>
+    <dgm:txLinClrLst/>
+    <dgm:txFillClrLst meth="repeat">
+      <a:schemeClr val="tx1"/>
+    </dgm:txFillClrLst>
+    <dgm:txEffectClrLst/>
+  </dgm:styleLbl>
+  <dgm:styleLbl name="parChTrans1D3">
+    <dgm:fillClrLst meth="repeat">
+      <a:schemeClr val="accent2">
+        <a:tint val="70000"/>
+      </a:schemeClr>
+    </dgm:fillClrLst>
+    <dgm:linClrLst meth="repeat">
+      <a:schemeClr val="accent4"/>
+    </dgm:linClrLst>
+    <dgm:effectClrLst/>
+    <dgm:txLinClrLst/>
+    <dgm:txFillClrLst meth="repeat">
+      <a:schemeClr val="tx1"/>
+    </dgm:txFillClrLst>
+    <dgm:txEffectClrLst/>
+  </dgm:styleLbl>
+  <dgm:styleLbl name="parChTrans1D4">
+    <dgm:fillClrLst meth="repeat">
+      <a:schemeClr val="accent2">
+        <a:tint val="50000"/>
+      </a:schemeClr>
+    </dgm:fillClrLst>
+    <dgm:linClrLst meth="repeat">
+      <a:schemeClr val="accent5"/>
+    </dgm:linClrLst>
+    <dgm:effectClrLst/>
+    <dgm:txLinClrLst/>
+    <dgm:txFillClrLst meth="repeat">
+      <a:schemeClr val="tx1"/>
+    </dgm:txFillClrLst>
+    <dgm:txEffectClrLst/>
+  </dgm:styleLbl>
+  <dgm:styleLbl name="fgAcc1">
+    <dgm:fillClrLst meth="repeat">
+      <a:schemeClr val="lt1">
+        <a:alpha val="90000"/>
+      </a:schemeClr>
+    </dgm:fillClrLst>
+    <dgm:linClrLst>
+      <a:schemeClr val="accent2"/>
+      <a:schemeClr val="accent3"/>
+    </dgm:linClrLst>
+    <dgm:effectClrLst/>
+    <dgm:txLinClrLst/>
+    <dgm:txFillClrLst meth="repeat">
+      <a:schemeClr val="dk1"/>
+    </dgm:txFillClrLst>
+    <dgm:txEffectClrLst/>
+  </dgm:styleLbl>
+  <dgm:styleLbl name="conFgAcc1">
+    <dgm:fillClrLst meth="repeat">
+      <a:schemeClr val="lt1">
+        <a:alpha val="90000"/>
+      </a:schemeClr>
+    </dgm:fillClrLst>
+    <dgm:linClrLst>
+      <a:schemeClr val="accent2"/>
+      <a:schemeClr val="accent3"/>
+    </dgm:linClrLst>
+    <dgm:effectClrLst/>
+    <dgm:txLinClrLst/>
+    <dgm:txFillClrLst meth="repeat">
+      <a:schemeClr val="dk1"/>
+    </dgm:txFillClrLst>
+    <dgm:txEffectClrLst/>
+  </dgm:styleLbl>
+  <dgm:styleLbl name="alignAcc1">
+    <dgm:fillClrLst meth="repeat">
+      <a:schemeClr val="lt1">
+        <a:alpha val="90000"/>
+      </a:schemeClr>
+    </dgm:fillClrLst>
+    <dgm:linClrLst>
+      <a:schemeClr val="accent2"/>
+      <a:schemeClr val="accent3"/>
+    </dgm:linClrLst>
+    <dgm:effectClrLst/>
+    <dgm:txLinClrLst/>
+    <dgm:txFillClrLst meth="repeat">
+      <a:schemeClr val="dk1"/>
+    </dgm:txFillClrLst>
+    <dgm:txEffectClrLst/>
+  </dgm:styleLbl>
+  <dgm:styleLbl name="trAlignAcc1">
+    <dgm:fillClrLst meth="repeat">
+      <a:schemeClr val="lt1">
+        <a:alpha val="40000"/>
+      </a:schemeClr>
+    </dgm:fillClrLst>
+    <dgm:linClrLst meth="repeat">
+      <a:schemeClr val="accent2"/>
+    </dgm:linClrLst>
+    <dgm:effectClrLst/>
+    <dgm:txLinClrLst/>
+    <dgm:txFillClrLst meth="repeat">
+      <a:schemeClr val="dk1"/>
+    </dgm:txFillClrLst>
+    <dgm:txEffectClrLst/>
+  </dgm:styleLbl>
+  <dgm:styleLbl name="bgAcc1">
+    <dgm:fillClrLst meth="repeat">
+      <a:schemeClr val="lt1">
+        <a:alpha val="90000"/>
+      </a:schemeClr>
+    </dgm:fillClrLst>
+    <dgm:linClrLst>
+      <a:schemeClr val="accent2"/>
+      <a:schemeClr val="accent3"/>
+    </dgm:linClrLst>
+    <dgm:effectClrLst/>
+    <dgm:txLinClrLst/>
+    <dgm:txFillClrLst meth="repeat">
+      <a:schemeClr val="dk1"/>
+    </dgm:txFillClrLst>
+    <dgm:txEffectClrLst/>
+  </dgm:styleLbl>
+  <dgm:styleLbl name="solidFgAcc1">
+    <dgm:fillClrLst meth="repeat">
+      <a:schemeClr val="lt1"/>
+    </dgm:fillClrLst>
+    <dgm:linClrLst>
+      <a:schemeClr val="accent2"/>
+      <a:schemeClr val="accent3"/>
+    </dgm:linClrLst>
+    <dgm:effectClrLst/>
+    <dgm:txLinClrLst/>
+    <dgm:txFillClrLst meth="repeat">
+      <a:schemeClr val="dk1"/>
+    </dgm:txFillClrLst>
+    <dgm:txEffectClrLst/>
+  </dgm:styleLbl>
+  <dgm:styleLbl name="solidAlignAcc1">
+    <dgm:fillClrLst meth="repeat">
+      <a:schemeClr val="lt1"/>
+    </dgm:fillClrLst>
+    <dgm:linClrLst>
+      <a:schemeClr val="accent2"/>
+      <a:schemeClr val="accent3"/>
+    </dgm:linClrLst>
+    <dgm:effectClrLst/>
+    <dgm:txLinClrLst/>
+    <dgm:txFillClrLst meth="repeat">
+      <a:schemeClr val="dk1"/>
+    </dgm:txFillClrLst>
+    <dgm:txEffectClrLst/>
+  </dgm:styleLbl>
+  <dgm:styleLbl name="solidBgAcc1">
+    <dgm:fillClrLst meth="repeat">
+      <a:schemeClr val="lt1"/>
+    </dgm:fillClrLst>
+    <dgm:linClrLst>
+      <a:schemeClr val="accent2"/>
+      <a:schemeClr val="accent3"/>
+    </dgm:linClrLst>
+    <dgm:effectClrLst/>
+    <dgm:txLinClrLst/>
+    <dgm:txFillClrLst meth="repeat">
+      <a:schemeClr val="dk1"/>
+    </dgm:txFillClrLst>
+    <dgm:txEffectClrLst/>
+  </dgm:styleLbl>
+  <dgm:styleLbl name="fgAccFollowNode1">
+    <dgm:fillClrLst>
+      <a:schemeClr val="accent2">
+        <a:tint val="40000"/>
+        <a:alpha val="90000"/>
+      </a:schemeClr>
+      <a:schemeClr val="accent3">
+        <a:tint val="40000"/>
+        <a:alpha val="90000"/>
+      </a:schemeClr>
+    </dgm:fillClrLst>
+    <dgm:linClrLst>
+      <a:schemeClr val="accent2">
+        <a:tint val="40000"/>
+        <a:alpha val="90000"/>
+      </a:schemeClr>
+      <a:schemeClr val="accent3">
+        <a:tint val="40000"/>
+        <a:alpha val="90000"/>
+      </a:schemeClr>
+    </dgm:linClrLst>
+    <dgm:effectClrLst/>
+    <dgm:txLinClrLst/>
+    <dgm:txFillClrLst meth="repeat">
+      <a:schemeClr val="dk1"/>
+    </dgm:txFillClrLst>
+    <dgm:txEffectClrLst/>
+  </dgm:styleLbl>
+  <dgm:styleLbl name="alignAccFollowNode1">
+    <dgm:fillClrLst>
+      <a:schemeClr val="accent2">
+        <a:tint val="40000"/>
+        <a:alpha val="90000"/>
+      </a:schemeClr>
+      <a:schemeClr val="accent3">
+        <a:tint val="40000"/>
+        <a:alpha val="90000"/>
+      </a:schemeClr>
+    </dgm:fillClrLst>
+    <dgm:linClrLst>
+      <a:schemeClr val="accent2">
+        <a:tint val="40000"/>
+        <a:alpha val="90000"/>
+      </a:schemeClr>
+      <a:schemeClr val="accent3">
+        <a:tint val="40000"/>
+        <a:alpha val="90000"/>
+      </a:schemeClr>
+    </dgm:linClrLst>
+    <dgm:effectClrLst/>
+    <dgm:txLinClrLst/>
+    <dgm:txFillClrLst meth="repeat">
+      <a:schemeClr val="dk1"/>
+    </dgm:txFillClrLst>
+    <dgm:txEffectClrLst/>
+  </dgm:styleLbl>
+  <dgm:styleLbl name="bgAccFollowNode1">
+    <dgm:fillClrLst>
+      <a:schemeClr val="accent2">
+        <a:tint val="40000"/>
+        <a:alpha val="90000"/>
+      </a:schemeClr>
+      <a:schemeClr val="accent3">
+        <a:tint val="40000"/>
+        <a:alpha val="90000"/>
+      </a:schemeClr>
+    </dgm:fillClrLst>
+    <dgm:linClrLst>
+      <a:schemeClr val="accent2">
+        <a:tint val="40000"/>
+        <a:alpha val="90000"/>
+      </a:schemeClr>
+      <a:schemeClr val="accent3">
+        <a:tint val="40000"/>
+        <a:alpha val="90000"/>
+      </a:schemeClr>
+    </dgm:linClrLst>
+    <dgm:effectClrLst/>
+    <dgm:txLinClrLst/>
+    <dgm:txFillClrLst meth="repeat">
+      <a:schemeClr val="dk1"/>
+    </dgm:txFillClrLst>
+    <dgm:txEffectClrLst/>
+  </dgm:styleLbl>
+  <dgm:styleLbl name="fgAcc0">
+    <dgm:fillClrLst meth="repeat">
+      <a:schemeClr val="lt1">
+        <a:alpha val="90000"/>
+      </a:schemeClr>
+    </dgm:fillClrLst>
+    <dgm:linClrLst>
+      <a:schemeClr val="accent1"/>
+    </dgm:linClrLst>
+    <dgm:effectClrLst/>
+    <dgm:txLinClrLst/>
+    <dgm:txFillClrLst meth="repeat">
+      <a:schemeClr val="dk1"/>
+    </dgm:txFillClrLst>
+    <dgm:txEffectClrLst/>
+  </dgm:styleLbl>
+  <dgm:styleLbl name="fgAcc2">
+    <dgm:fillClrLst meth="repeat">
+      <a:schemeClr val="lt1">
+        <a:alpha val="90000"/>
+      </a:schemeClr>
+    </dgm:fillClrLst>
+    <dgm:linClrLst>
+      <a:schemeClr val="accent3"/>
+    </dgm:linClrLst>
+    <dgm:effectClrLst/>
+    <dgm:txLinClrLst/>
+    <dgm:txFillClrLst meth="repeat">
+      <a:schemeClr val="dk1"/>
+    </dgm:txFillClrLst>
+    <dgm:txEffectClrLst/>
+  </dgm:styleLbl>
+  <dgm:styleLbl name="fgAcc3">
+    <dgm:fillClrLst meth="repeat">
+      <a:schemeClr val="lt1">
+        <a:alpha val="90000"/>
+      </a:schemeClr>
+    </dgm:fillClrLst>
+    <dgm:linClrLst>
+      <a:schemeClr val="accent4"/>
+    </dgm:linClrLst>
+    <dgm:effectClrLst/>
+    <dgm:txLinClrLst/>
+    <dgm:txFillClrLst meth="repeat">
+      <a:schemeClr val="dk1"/>
+    </dgm:txFillClrLst>
+    <dgm:txEffectClrLst/>
+  </dgm:styleLbl>
+  <dgm:styleLbl name="fgAcc4">
+    <dgm:fillClrLst meth="repeat">
+      <a:schemeClr val="lt1">
+        <a:alpha val="90000"/>
+      </a:schemeClr>
+    </dgm:fillClrLst>
+    <dgm:linClrLst>
+      <a:schemeClr val="accent5"/>
+    </dgm:linClrLst>
+    <dgm:effectClrLst/>
+    <dgm:txLinClrLst/>
+    <dgm:txFillClrLst meth="repeat">
+      <a:schemeClr val="dk1"/>
+    </dgm:txFillClrLst>
+    <dgm:txEffectClrLst/>
+  </dgm:styleLbl>
+  <dgm:styleLbl name="bgShp">
+    <dgm:fillClrLst meth="repeat">
+      <a:schemeClr val="accent2">
+        <a:tint val="40000"/>
+      </a:schemeClr>
+    </dgm:fillClrLst>
+    <dgm:linClrLst meth="repeat">
+      <a:schemeClr val="dk1"/>
+    </dgm:linClrLst>
+    <dgm:effectClrLst/>
+    <dgm:txLinClrLst/>
+    <dgm:txFillClrLst meth="repeat">
+      <a:schemeClr val="dk1"/>
+    </dgm:txFillClrLst>
+    <dgm:txEffectClrLst/>
+  </dgm:styleLbl>
+  <dgm:styleLbl name="dkBgShp">
+    <dgm:fillClrLst meth="repeat">
+      <a:schemeClr val="accent2">
+        <a:shade val="90000"/>
+      </a:schemeClr>
+    </dgm:fillClrLst>
+    <dgm:linClrLst meth="repeat">
+      <a:schemeClr val="dk1"/>
+    </dgm:linClrLst>
+    <dgm:effectClrLst/>
+    <dgm:txLinClrLst/>
+    <dgm:txFillClrLst meth="repeat">
+      <a:schemeClr val="lt1"/>
+    </dgm:txFillClrLst>
+    <dgm:txEffectClrLst/>
+  </dgm:styleLbl>
+  <dgm:styleLbl name="trBgShp">
+    <dgm:fillClrLst meth="repeat">
+      <a:schemeClr val="accent2">
         <a:tint val="50000"/>
         <a:alpha val="40000"/>
       </a:schemeClr>
@@ -7970,6 +8753,305 @@
     <dgm:cxn modelId="{3A808CE7-654B-4374-B35F-E3D4846E9D74}" type="presParOf" srcId="{904C33E5-C76F-4EF3-AA34-8BE221862505}" destId="{AD808B48-C09A-4739-898F-0C70C5AB6217}" srcOrd="1" destOrd="0" presId="urn:microsoft.com/office/officeart/2018/2/layout/IconVerticalSolidList"/>
     <dgm:cxn modelId="{BA43F837-3D0C-47E1-BC30-9371F9450B68}" type="presParOf" srcId="{904C33E5-C76F-4EF3-AA34-8BE221862505}" destId="{E4D1E9F7-B883-4644-836D-3C6D2E6C5F1E}" srcOrd="2" destOrd="0" presId="urn:microsoft.com/office/officeart/2018/2/layout/IconVerticalSolidList"/>
     <dgm:cxn modelId="{C1638E3D-AE2A-4055-9BCC-30017D600CF2}" type="presParOf" srcId="{904C33E5-C76F-4EF3-AA34-8BE221862505}" destId="{D228C23C-FE36-4C8F-B60B-F61633580B8E}" srcOrd="3" destOrd="0" presId="urn:microsoft.com/office/officeart/2018/2/layout/IconVerticalSolidList"/>
+  </dgm:cxnLst>
+  <dgm:bg/>
+  <dgm:whole/>
+  <dgm:extLst>
+    <a:ext uri="http://schemas.microsoft.com/office/drawing/2008/diagram">
+      <dsp:dataModelExt xmlns:dsp="http://schemas.microsoft.com/office/drawing/2008/diagram" relId="rId6" minVer="http://schemas.openxmlformats.org/drawingml/2006/diagram"/>
+    </a:ext>
+  </dgm:extLst>
+</dgm:dataModel>
+</file>
+
+<file path=ppt/diagrams/data7.xml><?xml version="1.0" encoding="utf-8"?>
+<dgm:dataModel xmlns:dgm="http://schemas.openxmlformats.org/drawingml/2006/diagram" xmlns:a="http://schemas.openxmlformats.org/drawingml/2006/main">
+  <dgm:ptLst>
+    <dgm:pt modelId="{2C39F849-A519-43F3-B3DE-8A4183B327E3}" type="doc">
+      <dgm:prSet loTypeId="urn:microsoft.com/office/officeart/2005/8/layout/vList2" loCatId="list" qsTypeId="urn:microsoft.com/office/officeart/2005/8/quickstyle/simple1" qsCatId="simple" csTypeId="urn:microsoft.com/office/officeart/2005/8/colors/colorful2" csCatId="colorful" phldr="1"/>
+      <dgm:spPr/>
+      <dgm:t>
+        <a:bodyPr/>
+        <a:lstStyle/>
+        <a:p>
+          <a:endParaRPr lang="en-US"/>
+        </a:p>
+      </dgm:t>
+    </dgm:pt>
+    <dgm:pt modelId="{B7663C69-E481-4523-89B1-461B2A15F07C}">
+      <dgm:prSet/>
+      <dgm:spPr/>
+      <dgm:t>
+        <a:bodyPr/>
+        <a:lstStyle/>
+        <a:p>
+          <a:pPr algn="ctr"/>
+          <a:r>
+            <a:rPr lang="en-US" b="1"/>
+            <a:t>Artifacts Added:</a:t>
+          </a:r>
+          <a:endParaRPr lang="en-US"/>
+        </a:p>
+      </dgm:t>
+    </dgm:pt>
+    <dgm:pt modelId="{8C96B385-5F34-4C74-A837-975EE09675B0}" type="parTrans" cxnId="{92072AA0-002A-47CF-B1C2-C989485B6910}">
+      <dgm:prSet/>
+      <dgm:spPr/>
+      <dgm:t>
+        <a:bodyPr/>
+        <a:lstStyle/>
+        <a:p>
+          <a:endParaRPr lang="en-US"/>
+        </a:p>
+      </dgm:t>
+    </dgm:pt>
+    <dgm:pt modelId="{44EA2CD3-D70A-4839-9DDE-9F238E88577C}" type="sibTrans" cxnId="{92072AA0-002A-47CF-B1C2-C989485B6910}">
+      <dgm:prSet/>
+      <dgm:spPr/>
+      <dgm:t>
+        <a:bodyPr/>
+        <a:lstStyle/>
+        <a:p>
+          <a:endParaRPr lang="en-US"/>
+        </a:p>
+      </dgm:t>
+    </dgm:pt>
+    <dgm:pt modelId="{88041D8C-22F6-4957-8618-74129C76058B}">
+      <dgm:prSet/>
+      <dgm:spPr/>
+      <dgm:t>
+        <a:bodyPr/>
+        <a:lstStyle/>
+        <a:p>
+          <a:r>
+            <a:rPr lang="en-US"/>
+            <a:t>/tests/conftest.py — Spark/config fixtures</a:t>
+          </a:r>
+        </a:p>
+      </dgm:t>
+    </dgm:pt>
+    <dgm:pt modelId="{9904DE04-8FD1-4B17-A33B-2987A035F6B9}" type="parTrans" cxnId="{E17D9DB1-840A-4400-9B2E-1BAB7F2DD0FB}">
+      <dgm:prSet/>
+      <dgm:spPr/>
+      <dgm:t>
+        <a:bodyPr/>
+        <a:lstStyle/>
+        <a:p>
+          <a:endParaRPr lang="en-US"/>
+        </a:p>
+      </dgm:t>
+    </dgm:pt>
+    <dgm:pt modelId="{1FDAC817-BA7A-4DD7-A1C9-57584CA03E49}" type="sibTrans" cxnId="{E17D9DB1-840A-4400-9B2E-1BAB7F2DD0FB}">
+      <dgm:prSet/>
+      <dgm:spPr/>
+      <dgm:t>
+        <a:bodyPr/>
+        <a:lstStyle/>
+        <a:p>
+          <a:endParaRPr lang="en-US"/>
+        </a:p>
+      </dgm:t>
+    </dgm:pt>
+    <dgm:pt modelId="{78D69B59-9A6E-40C2-8A90-7CEB1896DDF0}">
+      <dgm:prSet/>
+      <dgm:spPr/>
+      <dgm:t>
+        <a:bodyPr/>
+        <a:lstStyle/>
+        <a:p>
+          <a:r>
+            <a:rPr lang="en-US"/>
+            <a:t>/tests/test_spark_session.py — Spark session + edge cases</a:t>
+          </a:r>
+        </a:p>
+      </dgm:t>
+    </dgm:pt>
+    <dgm:pt modelId="{A1FAFFDE-52E7-4429-A009-C1572D81C98E}" type="parTrans" cxnId="{E30DEA20-8AC7-439F-904C-432223CB9DF6}">
+      <dgm:prSet/>
+      <dgm:spPr/>
+      <dgm:t>
+        <a:bodyPr/>
+        <a:lstStyle/>
+        <a:p>
+          <a:endParaRPr lang="en-US"/>
+        </a:p>
+      </dgm:t>
+    </dgm:pt>
+    <dgm:pt modelId="{F71658B9-8F35-46D5-BBB3-A11825F5511A}" type="sibTrans" cxnId="{E30DEA20-8AC7-439F-904C-432223CB9DF6}">
+      <dgm:prSet/>
+      <dgm:spPr/>
+      <dgm:t>
+        <a:bodyPr/>
+        <a:lstStyle/>
+        <a:p>
+          <a:endParaRPr lang="en-US"/>
+        </a:p>
+      </dgm:t>
+    </dgm:pt>
+    <dgm:pt modelId="{E37374CA-6F37-43E3-B60B-0506579B0F98}">
+      <dgm:prSet/>
+      <dgm:spPr/>
+      <dgm:t>
+        <a:bodyPr/>
+        <a:lstStyle/>
+        <a:p>
+          <a:r>
+            <a:rPr lang="en-US"/>
+            <a:t>/tests/test_pipeline_config.py — Config + path verification</a:t>
+          </a:r>
+        </a:p>
+      </dgm:t>
+    </dgm:pt>
+    <dgm:pt modelId="{94F334D1-87EE-4632-BF3E-E13EA237B518}" type="parTrans" cxnId="{56E0646F-077A-4D57-AFBE-26B157069564}">
+      <dgm:prSet/>
+      <dgm:spPr/>
+      <dgm:t>
+        <a:bodyPr/>
+        <a:lstStyle/>
+        <a:p>
+          <a:endParaRPr lang="en-US"/>
+        </a:p>
+      </dgm:t>
+    </dgm:pt>
+    <dgm:pt modelId="{CBA68364-68BF-4391-9A39-E9D5C522BB52}" type="sibTrans" cxnId="{56E0646F-077A-4D57-AFBE-26B157069564}">
+      <dgm:prSet/>
+      <dgm:spPr/>
+      <dgm:t>
+        <a:bodyPr/>
+        <a:lstStyle/>
+        <a:p>
+          <a:endParaRPr lang="en-US"/>
+        </a:p>
+      </dgm:t>
+    </dgm:pt>
+    <dgm:pt modelId="{FDBF78FF-5A69-4C2E-AE08-C8DEBF36BE1A}">
+      <dgm:prSet/>
+      <dgm:spPr/>
+      <dgm:t>
+        <a:bodyPr/>
+        <a:lstStyle/>
+        <a:p>
+          <a:r>
+            <a:rPr lang="en-US"/>
+            <a:t>test_report.txt — Coverage report (90 %)</a:t>
+          </a:r>
+        </a:p>
+      </dgm:t>
+    </dgm:pt>
+    <dgm:pt modelId="{CF2D8DDD-6EA4-437E-B392-26D6AB5A12DF}" type="parTrans" cxnId="{C78CD282-8072-471B-8365-74C4492D1B5C}">
+      <dgm:prSet/>
+      <dgm:spPr/>
+      <dgm:t>
+        <a:bodyPr/>
+        <a:lstStyle/>
+        <a:p>
+          <a:endParaRPr lang="en-US"/>
+        </a:p>
+      </dgm:t>
+    </dgm:pt>
+    <dgm:pt modelId="{13AC1766-4837-45A1-83CC-6D85B891A1C5}" type="sibTrans" cxnId="{C78CD282-8072-471B-8365-74C4492D1B5C}">
+      <dgm:prSet/>
+      <dgm:spPr/>
+      <dgm:t>
+        <a:bodyPr/>
+        <a:lstStyle/>
+        <a:p>
+          <a:endParaRPr lang="en-US"/>
+        </a:p>
+      </dgm:t>
+    </dgm:pt>
+    <dgm:pt modelId="{F5E0D6E7-D0E1-4634-84CA-AB3BA2AE5C99}" type="pres">
+      <dgm:prSet presAssocID="{2C39F849-A519-43F3-B3DE-8A4183B327E3}" presName="linear" presStyleCnt="0">
+        <dgm:presLayoutVars>
+          <dgm:animLvl val="lvl"/>
+          <dgm:resizeHandles val="exact"/>
+        </dgm:presLayoutVars>
+      </dgm:prSet>
+      <dgm:spPr/>
+    </dgm:pt>
+    <dgm:pt modelId="{8C7349E8-614F-4F74-AE9D-DECEBD0EA129}" type="pres">
+      <dgm:prSet presAssocID="{B7663C69-E481-4523-89B1-461B2A15F07C}" presName="parentText" presStyleLbl="node1" presStyleIdx="0" presStyleCnt="5">
+        <dgm:presLayoutVars>
+          <dgm:chMax val="0"/>
+          <dgm:bulletEnabled val="1"/>
+        </dgm:presLayoutVars>
+      </dgm:prSet>
+      <dgm:spPr/>
+    </dgm:pt>
+    <dgm:pt modelId="{67B573DC-4FAF-4B2B-A507-36179A9321B3}" type="pres">
+      <dgm:prSet presAssocID="{44EA2CD3-D70A-4839-9DDE-9F238E88577C}" presName="spacer" presStyleCnt="0"/>
+      <dgm:spPr/>
+    </dgm:pt>
+    <dgm:pt modelId="{79FD4CA5-9D58-4C8B-A738-5F7D5E87E8E6}" type="pres">
+      <dgm:prSet presAssocID="{88041D8C-22F6-4957-8618-74129C76058B}" presName="parentText" presStyleLbl="node1" presStyleIdx="1" presStyleCnt="5">
+        <dgm:presLayoutVars>
+          <dgm:chMax val="0"/>
+          <dgm:bulletEnabled val="1"/>
+        </dgm:presLayoutVars>
+      </dgm:prSet>
+      <dgm:spPr/>
+    </dgm:pt>
+    <dgm:pt modelId="{47151F91-BE6E-42A7-84D3-85C29F6BC228}" type="pres">
+      <dgm:prSet presAssocID="{1FDAC817-BA7A-4DD7-A1C9-57584CA03E49}" presName="spacer" presStyleCnt="0"/>
+      <dgm:spPr/>
+    </dgm:pt>
+    <dgm:pt modelId="{B5FBCC21-9BC8-4C61-B310-BFB3EE3CBDEC}" type="pres">
+      <dgm:prSet presAssocID="{78D69B59-9A6E-40C2-8A90-7CEB1896DDF0}" presName="parentText" presStyleLbl="node1" presStyleIdx="2" presStyleCnt="5">
+        <dgm:presLayoutVars>
+          <dgm:chMax val="0"/>
+          <dgm:bulletEnabled val="1"/>
+        </dgm:presLayoutVars>
+      </dgm:prSet>
+      <dgm:spPr/>
+    </dgm:pt>
+    <dgm:pt modelId="{83BA2903-5857-45A3-B52F-CC0A099B77BC}" type="pres">
+      <dgm:prSet presAssocID="{F71658B9-8F35-46D5-BBB3-A11825F5511A}" presName="spacer" presStyleCnt="0"/>
+      <dgm:spPr/>
+    </dgm:pt>
+    <dgm:pt modelId="{B83D232E-BBB0-452F-80A6-F73599D7D4B2}" type="pres">
+      <dgm:prSet presAssocID="{E37374CA-6F37-43E3-B60B-0506579B0F98}" presName="parentText" presStyleLbl="node1" presStyleIdx="3" presStyleCnt="5">
+        <dgm:presLayoutVars>
+          <dgm:chMax val="0"/>
+          <dgm:bulletEnabled val="1"/>
+        </dgm:presLayoutVars>
+      </dgm:prSet>
+      <dgm:spPr/>
+    </dgm:pt>
+    <dgm:pt modelId="{4E7CD7E6-97E5-46D1-8EF0-672C7248FE66}" type="pres">
+      <dgm:prSet presAssocID="{CBA68364-68BF-4391-9A39-E9D5C522BB52}" presName="spacer" presStyleCnt="0"/>
+      <dgm:spPr/>
+    </dgm:pt>
+    <dgm:pt modelId="{953FEE25-7E07-45DB-B1CD-8A3E93BE6DD6}" type="pres">
+      <dgm:prSet presAssocID="{FDBF78FF-5A69-4C2E-AE08-C8DEBF36BE1A}" presName="parentText" presStyleLbl="node1" presStyleIdx="4" presStyleCnt="5">
+        <dgm:presLayoutVars>
+          <dgm:chMax val="0"/>
+          <dgm:bulletEnabled val="1"/>
+        </dgm:presLayoutVars>
+      </dgm:prSet>
+      <dgm:spPr/>
+    </dgm:pt>
+  </dgm:ptLst>
+  <dgm:cxnLst>
+    <dgm:cxn modelId="{8573C20F-C816-46DF-B44D-2F9D505461C4}" type="presOf" srcId="{B7663C69-E481-4523-89B1-461B2A15F07C}" destId="{8C7349E8-614F-4F74-AE9D-DECEBD0EA129}" srcOrd="0" destOrd="0" presId="urn:microsoft.com/office/officeart/2005/8/layout/vList2"/>
+    <dgm:cxn modelId="{030D961C-BDE4-47E0-AECD-914DA4F6302E}" type="presOf" srcId="{88041D8C-22F6-4957-8618-74129C76058B}" destId="{79FD4CA5-9D58-4C8B-A738-5F7D5E87E8E6}" srcOrd="0" destOrd="0" presId="urn:microsoft.com/office/officeart/2005/8/layout/vList2"/>
+    <dgm:cxn modelId="{E30DEA20-8AC7-439F-904C-432223CB9DF6}" srcId="{2C39F849-A519-43F3-B3DE-8A4183B327E3}" destId="{78D69B59-9A6E-40C2-8A90-7CEB1896DDF0}" srcOrd="2" destOrd="0" parTransId="{A1FAFFDE-52E7-4429-A009-C1572D81C98E}" sibTransId="{F71658B9-8F35-46D5-BBB3-A11825F5511A}"/>
+    <dgm:cxn modelId="{56E0646F-077A-4D57-AFBE-26B157069564}" srcId="{2C39F849-A519-43F3-B3DE-8A4183B327E3}" destId="{E37374CA-6F37-43E3-B60B-0506579B0F98}" srcOrd="3" destOrd="0" parTransId="{94F334D1-87EE-4632-BF3E-E13EA237B518}" sibTransId="{CBA68364-68BF-4391-9A39-E9D5C522BB52}"/>
+    <dgm:cxn modelId="{C78CD282-8072-471B-8365-74C4492D1B5C}" srcId="{2C39F849-A519-43F3-B3DE-8A4183B327E3}" destId="{FDBF78FF-5A69-4C2E-AE08-C8DEBF36BE1A}" srcOrd="4" destOrd="0" parTransId="{CF2D8DDD-6EA4-437E-B392-26D6AB5A12DF}" sibTransId="{13AC1766-4837-45A1-83CC-6D85B891A1C5}"/>
+    <dgm:cxn modelId="{60BF2B86-FF32-42DE-A374-B168C9255E97}" type="presOf" srcId="{E37374CA-6F37-43E3-B60B-0506579B0F98}" destId="{B83D232E-BBB0-452F-80A6-F73599D7D4B2}" srcOrd="0" destOrd="0" presId="urn:microsoft.com/office/officeart/2005/8/layout/vList2"/>
+    <dgm:cxn modelId="{92072AA0-002A-47CF-B1C2-C989485B6910}" srcId="{2C39F849-A519-43F3-B3DE-8A4183B327E3}" destId="{B7663C69-E481-4523-89B1-461B2A15F07C}" srcOrd="0" destOrd="0" parTransId="{8C96B385-5F34-4C74-A837-975EE09675B0}" sibTransId="{44EA2CD3-D70A-4839-9DDE-9F238E88577C}"/>
+    <dgm:cxn modelId="{539A44A8-BE1D-4FD5-8BBA-B2F1972EE251}" type="presOf" srcId="{2C39F849-A519-43F3-B3DE-8A4183B327E3}" destId="{F5E0D6E7-D0E1-4634-84CA-AB3BA2AE5C99}" srcOrd="0" destOrd="0" presId="urn:microsoft.com/office/officeart/2005/8/layout/vList2"/>
+    <dgm:cxn modelId="{1E96C4A8-EAB5-4155-BF0C-2CEAB5672411}" type="presOf" srcId="{FDBF78FF-5A69-4C2E-AE08-C8DEBF36BE1A}" destId="{953FEE25-7E07-45DB-B1CD-8A3E93BE6DD6}" srcOrd="0" destOrd="0" presId="urn:microsoft.com/office/officeart/2005/8/layout/vList2"/>
+    <dgm:cxn modelId="{E17D9DB1-840A-4400-9B2E-1BAB7F2DD0FB}" srcId="{2C39F849-A519-43F3-B3DE-8A4183B327E3}" destId="{88041D8C-22F6-4957-8618-74129C76058B}" srcOrd="1" destOrd="0" parTransId="{9904DE04-8FD1-4B17-A33B-2987A035F6B9}" sibTransId="{1FDAC817-BA7A-4DD7-A1C9-57584CA03E49}"/>
+    <dgm:cxn modelId="{8D494BDE-4C4C-46F5-A1BC-FB7E149F0775}" type="presOf" srcId="{78D69B59-9A6E-40C2-8A90-7CEB1896DDF0}" destId="{B5FBCC21-9BC8-4C61-B310-BFB3EE3CBDEC}" srcOrd="0" destOrd="0" presId="urn:microsoft.com/office/officeart/2005/8/layout/vList2"/>
+    <dgm:cxn modelId="{47554AB3-71FD-4680-A667-8CCF4D708674}" type="presParOf" srcId="{F5E0D6E7-D0E1-4634-84CA-AB3BA2AE5C99}" destId="{8C7349E8-614F-4F74-AE9D-DECEBD0EA129}" srcOrd="0" destOrd="0" presId="urn:microsoft.com/office/officeart/2005/8/layout/vList2"/>
+    <dgm:cxn modelId="{4D392E33-BA71-45C2-B9EE-7E04E9E76F92}" type="presParOf" srcId="{F5E0D6E7-D0E1-4634-84CA-AB3BA2AE5C99}" destId="{67B573DC-4FAF-4B2B-A507-36179A9321B3}" srcOrd="1" destOrd="0" presId="urn:microsoft.com/office/officeart/2005/8/layout/vList2"/>
+    <dgm:cxn modelId="{9AE53FBE-C45D-40C2-B619-1A90E00D5AFD}" type="presParOf" srcId="{F5E0D6E7-D0E1-4634-84CA-AB3BA2AE5C99}" destId="{79FD4CA5-9D58-4C8B-A738-5F7D5E87E8E6}" srcOrd="2" destOrd="0" presId="urn:microsoft.com/office/officeart/2005/8/layout/vList2"/>
+    <dgm:cxn modelId="{E1F2FA22-00A5-4AA2-A53F-784CBDC781C6}" type="presParOf" srcId="{F5E0D6E7-D0E1-4634-84CA-AB3BA2AE5C99}" destId="{47151F91-BE6E-42A7-84D3-85C29F6BC228}" srcOrd="3" destOrd="0" presId="urn:microsoft.com/office/officeart/2005/8/layout/vList2"/>
+    <dgm:cxn modelId="{0649771C-B5D5-44C7-AA49-7951235C6634}" type="presParOf" srcId="{F5E0D6E7-D0E1-4634-84CA-AB3BA2AE5C99}" destId="{B5FBCC21-9BC8-4C61-B310-BFB3EE3CBDEC}" srcOrd="4" destOrd="0" presId="urn:microsoft.com/office/officeart/2005/8/layout/vList2"/>
+    <dgm:cxn modelId="{85A96CD5-9BC1-4249-88B7-06F88DD546EA}" type="presParOf" srcId="{F5E0D6E7-D0E1-4634-84CA-AB3BA2AE5C99}" destId="{83BA2903-5857-45A3-B52F-CC0A099B77BC}" srcOrd="5" destOrd="0" presId="urn:microsoft.com/office/officeart/2005/8/layout/vList2"/>
+    <dgm:cxn modelId="{4D158061-5F59-48D1-B227-BFDF3460FDCA}" type="presParOf" srcId="{F5E0D6E7-D0E1-4634-84CA-AB3BA2AE5C99}" destId="{B83D232E-BBB0-452F-80A6-F73599D7D4B2}" srcOrd="6" destOrd="0" presId="urn:microsoft.com/office/officeart/2005/8/layout/vList2"/>
+    <dgm:cxn modelId="{7B31A032-1C1B-44DE-8E94-27DC69488E2F}" type="presParOf" srcId="{F5E0D6E7-D0E1-4634-84CA-AB3BA2AE5C99}" destId="{4E7CD7E6-97E5-46D1-8EF0-672C7248FE66}" srcOrd="7" destOrd="0" presId="urn:microsoft.com/office/officeart/2005/8/layout/vList2"/>
+    <dgm:cxn modelId="{151EDE31-9533-4D14-8577-DF4DF668EC0F}" type="presParOf" srcId="{F5E0D6E7-D0E1-4634-84CA-AB3BA2AE5C99}" destId="{953FEE25-7E07-45DB-B1CD-8A3E93BE6DD6}" srcOrd="8" destOrd="0" presId="urn:microsoft.com/office/officeart/2005/8/layout/vList2"/>
   </dgm:cxnLst>
   <dgm:bg/>
   <dgm:whole/>
@@ -11572,6 +12654,404 @@
 </dsp:drawing>
 </file>
 
+<file path=ppt/diagrams/drawing7.xml><?xml version="1.0" encoding="utf-8"?>
+<dsp:drawing xmlns:dgm="http://schemas.openxmlformats.org/drawingml/2006/diagram" xmlns:dsp="http://schemas.microsoft.com/office/drawing/2008/diagram" xmlns:a="http://schemas.openxmlformats.org/drawingml/2006/main">
+  <dsp:spTree>
+    <dsp:nvGrpSpPr>
+      <dsp:cNvPr id="0" name=""/>
+      <dsp:cNvGrpSpPr/>
+    </dsp:nvGrpSpPr>
+    <dsp:grpSpPr/>
+    <dsp:sp modelId="{8C7349E8-614F-4F74-AE9D-DECEBD0EA129}">
+      <dsp:nvSpPr>
+        <dsp:cNvPr id="0" name=""/>
+        <dsp:cNvSpPr/>
+      </dsp:nvSpPr>
+      <dsp:spPr>
+        <a:xfrm>
+          <a:off x="0" y="93060"/>
+          <a:ext cx="5098256" cy="1032854"/>
+        </a:xfrm>
+        <a:prstGeom prst="roundRect">
+          <a:avLst/>
+        </a:prstGeom>
+        <a:solidFill>
+          <a:schemeClr val="accent2">
+            <a:hueOff val="0"/>
+            <a:satOff val="0"/>
+            <a:lumOff val="0"/>
+            <a:alphaOff val="0"/>
+          </a:schemeClr>
+        </a:solidFill>
+        <a:ln w="15875" cap="flat" cmpd="sng" algn="ctr">
+          <a:solidFill>
+            <a:schemeClr val="lt1">
+              <a:hueOff val="0"/>
+              <a:satOff val="0"/>
+              <a:lumOff val="0"/>
+              <a:alphaOff val="0"/>
+            </a:schemeClr>
+          </a:solidFill>
+          <a:prstDash val="solid"/>
+        </a:ln>
+        <a:effectLst/>
+      </dsp:spPr>
+      <dsp:style>
+        <a:lnRef idx="2">
+          <a:scrgbClr r="0" g="0" b="0"/>
+        </a:lnRef>
+        <a:fillRef idx="1">
+          <a:scrgbClr r="0" g="0" b="0"/>
+        </a:fillRef>
+        <a:effectRef idx="0">
+          <a:scrgbClr r="0" g="0" b="0"/>
+        </a:effectRef>
+        <a:fontRef idx="minor">
+          <a:schemeClr val="lt1"/>
+        </a:fontRef>
+      </dsp:style>
+      <dsp:txBody>
+        <a:bodyPr spcFirstLastPara="0" vert="horz" wrap="square" lIns="99060" tIns="99060" rIns="99060" bIns="99060" numCol="1" spcCol="1270" anchor="ctr" anchorCtr="0">
+          <a:noAutofit/>
+        </a:bodyPr>
+        <a:lstStyle/>
+        <a:p>
+          <a:pPr marL="0" lvl="0" indent="0" algn="ctr" defTabSz="1155700">
+            <a:lnSpc>
+              <a:spcPct val="90000"/>
+            </a:lnSpc>
+            <a:spcBef>
+              <a:spcPct val="0"/>
+            </a:spcBef>
+            <a:spcAft>
+              <a:spcPct val="35000"/>
+            </a:spcAft>
+            <a:buNone/>
+          </a:pPr>
+          <a:r>
+            <a:rPr lang="en-US" sz="2600" b="1" kern="1200"/>
+            <a:t>Artifacts Added:</a:t>
+          </a:r>
+          <a:endParaRPr lang="en-US" sz="2600" kern="1200"/>
+        </a:p>
+      </dsp:txBody>
+      <dsp:txXfrm>
+        <a:off x="50420" y="143480"/>
+        <a:ext cx="4997416" cy="932014"/>
+      </dsp:txXfrm>
+    </dsp:sp>
+    <dsp:sp modelId="{79FD4CA5-9D58-4C8B-A738-5F7D5E87E8E6}">
+      <dsp:nvSpPr>
+        <dsp:cNvPr id="0" name=""/>
+        <dsp:cNvSpPr/>
+      </dsp:nvSpPr>
+      <dsp:spPr>
+        <a:xfrm>
+          <a:off x="0" y="1200794"/>
+          <a:ext cx="5098256" cy="1032854"/>
+        </a:xfrm>
+        <a:prstGeom prst="roundRect">
+          <a:avLst/>
+        </a:prstGeom>
+        <a:solidFill>
+          <a:schemeClr val="accent2">
+            <a:hueOff val="9759"/>
+            <a:satOff val="-6719"/>
+            <a:lumOff val="-1716"/>
+            <a:alphaOff val="0"/>
+          </a:schemeClr>
+        </a:solidFill>
+        <a:ln w="15875" cap="flat" cmpd="sng" algn="ctr">
+          <a:solidFill>
+            <a:schemeClr val="lt1">
+              <a:hueOff val="0"/>
+              <a:satOff val="0"/>
+              <a:lumOff val="0"/>
+              <a:alphaOff val="0"/>
+            </a:schemeClr>
+          </a:solidFill>
+          <a:prstDash val="solid"/>
+        </a:ln>
+        <a:effectLst/>
+      </dsp:spPr>
+      <dsp:style>
+        <a:lnRef idx="2">
+          <a:scrgbClr r="0" g="0" b="0"/>
+        </a:lnRef>
+        <a:fillRef idx="1">
+          <a:scrgbClr r="0" g="0" b="0"/>
+        </a:fillRef>
+        <a:effectRef idx="0">
+          <a:scrgbClr r="0" g="0" b="0"/>
+        </a:effectRef>
+        <a:fontRef idx="minor">
+          <a:schemeClr val="lt1"/>
+        </a:fontRef>
+      </dsp:style>
+      <dsp:txBody>
+        <a:bodyPr spcFirstLastPara="0" vert="horz" wrap="square" lIns="99060" tIns="99060" rIns="99060" bIns="99060" numCol="1" spcCol="1270" anchor="ctr" anchorCtr="0">
+          <a:noAutofit/>
+        </a:bodyPr>
+        <a:lstStyle/>
+        <a:p>
+          <a:pPr marL="0" lvl="0" indent="0" algn="l" defTabSz="1155700">
+            <a:lnSpc>
+              <a:spcPct val="90000"/>
+            </a:lnSpc>
+            <a:spcBef>
+              <a:spcPct val="0"/>
+            </a:spcBef>
+            <a:spcAft>
+              <a:spcPct val="35000"/>
+            </a:spcAft>
+            <a:buNone/>
+          </a:pPr>
+          <a:r>
+            <a:rPr lang="en-US" sz="2600" kern="1200"/>
+            <a:t>/tests/conftest.py — Spark/config fixtures</a:t>
+          </a:r>
+        </a:p>
+      </dsp:txBody>
+      <dsp:txXfrm>
+        <a:off x="50420" y="1251214"/>
+        <a:ext cx="4997416" cy="932014"/>
+      </dsp:txXfrm>
+    </dsp:sp>
+    <dsp:sp modelId="{B5FBCC21-9BC8-4C61-B310-BFB3EE3CBDEC}">
+      <dsp:nvSpPr>
+        <dsp:cNvPr id="0" name=""/>
+        <dsp:cNvSpPr/>
+      </dsp:nvSpPr>
+      <dsp:spPr>
+        <a:xfrm>
+          <a:off x="0" y="2308528"/>
+          <a:ext cx="5098256" cy="1032854"/>
+        </a:xfrm>
+        <a:prstGeom prst="roundRect">
+          <a:avLst/>
+        </a:prstGeom>
+        <a:solidFill>
+          <a:schemeClr val="accent2">
+            <a:hueOff val="19519"/>
+            <a:satOff val="-13438"/>
+            <a:lumOff val="-3431"/>
+            <a:alphaOff val="0"/>
+          </a:schemeClr>
+        </a:solidFill>
+        <a:ln w="15875" cap="flat" cmpd="sng" algn="ctr">
+          <a:solidFill>
+            <a:schemeClr val="lt1">
+              <a:hueOff val="0"/>
+              <a:satOff val="0"/>
+              <a:lumOff val="0"/>
+              <a:alphaOff val="0"/>
+            </a:schemeClr>
+          </a:solidFill>
+          <a:prstDash val="solid"/>
+        </a:ln>
+        <a:effectLst/>
+      </dsp:spPr>
+      <dsp:style>
+        <a:lnRef idx="2">
+          <a:scrgbClr r="0" g="0" b="0"/>
+        </a:lnRef>
+        <a:fillRef idx="1">
+          <a:scrgbClr r="0" g="0" b="0"/>
+        </a:fillRef>
+        <a:effectRef idx="0">
+          <a:scrgbClr r="0" g="0" b="0"/>
+        </a:effectRef>
+        <a:fontRef idx="minor">
+          <a:schemeClr val="lt1"/>
+        </a:fontRef>
+      </dsp:style>
+      <dsp:txBody>
+        <a:bodyPr spcFirstLastPara="0" vert="horz" wrap="square" lIns="99060" tIns="99060" rIns="99060" bIns="99060" numCol="1" spcCol="1270" anchor="ctr" anchorCtr="0">
+          <a:noAutofit/>
+        </a:bodyPr>
+        <a:lstStyle/>
+        <a:p>
+          <a:pPr marL="0" lvl="0" indent="0" algn="l" defTabSz="1155700">
+            <a:lnSpc>
+              <a:spcPct val="90000"/>
+            </a:lnSpc>
+            <a:spcBef>
+              <a:spcPct val="0"/>
+            </a:spcBef>
+            <a:spcAft>
+              <a:spcPct val="35000"/>
+            </a:spcAft>
+            <a:buNone/>
+          </a:pPr>
+          <a:r>
+            <a:rPr lang="en-US" sz="2600" kern="1200"/>
+            <a:t>/tests/test_spark_session.py — Spark session + edge cases</a:t>
+          </a:r>
+        </a:p>
+      </dsp:txBody>
+      <dsp:txXfrm>
+        <a:off x="50420" y="2358948"/>
+        <a:ext cx="4997416" cy="932014"/>
+      </dsp:txXfrm>
+    </dsp:sp>
+    <dsp:sp modelId="{B83D232E-BBB0-452F-80A6-F73599D7D4B2}">
+      <dsp:nvSpPr>
+        <dsp:cNvPr id="0" name=""/>
+        <dsp:cNvSpPr/>
+      </dsp:nvSpPr>
+      <dsp:spPr>
+        <a:xfrm>
+          <a:off x="0" y="3416263"/>
+          <a:ext cx="5098256" cy="1032854"/>
+        </a:xfrm>
+        <a:prstGeom prst="roundRect">
+          <a:avLst/>
+        </a:prstGeom>
+        <a:solidFill>
+          <a:schemeClr val="accent2">
+            <a:hueOff val="29278"/>
+            <a:satOff val="-20157"/>
+            <a:lumOff val="-5147"/>
+            <a:alphaOff val="0"/>
+          </a:schemeClr>
+        </a:solidFill>
+        <a:ln w="15875" cap="flat" cmpd="sng" algn="ctr">
+          <a:solidFill>
+            <a:schemeClr val="lt1">
+              <a:hueOff val="0"/>
+              <a:satOff val="0"/>
+              <a:lumOff val="0"/>
+              <a:alphaOff val="0"/>
+            </a:schemeClr>
+          </a:solidFill>
+          <a:prstDash val="solid"/>
+        </a:ln>
+        <a:effectLst/>
+      </dsp:spPr>
+      <dsp:style>
+        <a:lnRef idx="2">
+          <a:scrgbClr r="0" g="0" b="0"/>
+        </a:lnRef>
+        <a:fillRef idx="1">
+          <a:scrgbClr r="0" g="0" b="0"/>
+        </a:fillRef>
+        <a:effectRef idx="0">
+          <a:scrgbClr r="0" g="0" b="0"/>
+        </a:effectRef>
+        <a:fontRef idx="minor">
+          <a:schemeClr val="lt1"/>
+        </a:fontRef>
+      </dsp:style>
+      <dsp:txBody>
+        <a:bodyPr spcFirstLastPara="0" vert="horz" wrap="square" lIns="99060" tIns="99060" rIns="99060" bIns="99060" numCol="1" spcCol="1270" anchor="ctr" anchorCtr="0">
+          <a:noAutofit/>
+        </a:bodyPr>
+        <a:lstStyle/>
+        <a:p>
+          <a:pPr marL="0" lvl="0" indent="0" algn="l" defTabSz="1155700">
+            <a:lnSpc>
+              <a:spcPct val="90000"/>
+            </a:lnSpc>
+            <a:spcBef>
+              <a:spcPct val="0"/>
+            </a:spcBef>
+            <a:spcAft>
+              <a:spcPct val="35000"/>
+            </a:spcAft>
+            <a:buNone/>
+          </a:pPr>
+          <a:r>
+            <a:rPr lang="en-US" sz="2600" kern="1200"/>
+            <a:t>/tests/test_pipeline_config.py — Config + path verification</a:t>
+          </a:r>
+        </a:p>
+      </dsp:txBody>
+      <dsp:txXfrm>
+        <a:off x="50420" y="3466683"/>
+        <a:ext cx="4997416" cy="932014"/>
+      </dsp:txXfrm>
+    </dsp:sp>
+    <dsp:sp modelId="{953FEE25-7E07-45DB-B1CD-8A3E93BE6DD6}">
+      <dsp:nvSpPr>
+        <dsp:cNvPr id="0" name=""/>
+        <dsp:cNvSpPr/>
+      </dsp:nvSpPr>
+      <dsp:spPr>
+        <a:xfrm>
+          <a:off x="0" y="4523997"/>
+          <a:ext cx="5098256" cy="1032854"/>
+        </a:xfrm>
+        <a:prstGeom prst="roundRect">
+          <a:avLst/>
+        </a:prstGeom>
+        <a:solidFill>
+          <a:schemeClr val="accent2">
+            <a:hueOff val="39038"/>
+            <a:satOff val="-26876"/>
+            <a:lumOff val="-6863"/>
+            <a:alphaOff val="0"/>
+          </a:schemeClr>
+        </a:solidFill>
+        <a:ln w="15875" cap="flat" cmpd="sng" algn="ctr">
+          <a:solidFill>
+            <a:schemeClr val="lt1">
+              <a:hueOff val="0"/>
+              <a:satOff val="0"/>
+              <a:lumOff val="0"/>
+              <a:alphaOff val="0"/>
+            </a:schemeClr>
+          </a:solidFill>
+          <a:prstDash val="solid"/>
+        </a:ln>
+        <a:effectLst/>
+      </dsp:spPr>
+      <dsp:style>
+        <a:lnRef idx="2">
+          <a:scrgbClr r="0" g="0" b="0"/>
+        </a:lnRef>
+        <a:fillRef idx="1">
+          <a:scrgbClr r="0" g="0" b="0"/>
+        </a:fillRef>
+        <a:effectRef idx="0">
+          <a:scrgbClr r="0" g="0" b="0"/>
+        </a:effectRef>
+        <a:fontRef idx="minor">
+          <a:schemeClr val="lt1"/>
+        </a:fontRef>
+      </dsp:style>
+      <dsp:txBody>
+        <a:bodyPr spcFirstLastPara="0" vert="horz" wrap="square" lIns="99060" tIns="99060" rIns="99060" bIns="99060" numCol="1" spcCol="1270" anchor="ctr" anchorCtr="0">
+          <a:noAutofit/>
+        </a:bodyPr>
+        <a:lstStyle/>
+        <a:p>
+          <a:pPr marL="0" lvl="0" indent="0" algn="l" defTabSz="1155700">
+            <a:lnSpc>
+              <a:spcPct val="90000"/>
+            </a:lnSpc>
+            <a:spcBef>
+              <a:spcPct val="0"/>
+            </a:spcBef>
+            <a:spcAft>
+              <a:spcPct val="35000"/>
+            </a:spcAft>
+            <a:buNone/>
+          </a:pPr>
+          <a:r>
+            <a:rPr lang="en-US" sz="2600" kern="1200"/>
+            <a:t>test_report.txt — Coverage report (90 %)</a:t>
+          </a:r>
+        </a:p>
+      </dsp:txBody>
+      <dsp:txXfrm>
+        <a:off x="50420" y="4574417"/>
+        <a:ext cx="4997416" cy="932014"/>
+      </dsp:txXfrm>
+    </dsp:sp>
+  </dsp:spTree>
+</dsp:drawing>
+</file>
+
 <file path=ppt/diagrams/layout1.xml><?xml version="1.0" encoding="utf-8"?>
 <dgm:layoutDef xmlns:dgm="http://schemas.openxmlformats.org/drawingml/2006/diagram" xmlns:a="http://schemas.openxmlformats.org/drawingml/2006/main" uniqueId="urn:microsoft.com/office/officeart/2018/2/layout/IconLabelList">
   <dgm:title val="Icon Label List"/>
@@ -14037,6 +15517,173 @@
 </dgm:layoutDef>
 </file>
 
+<file path=ppt/diagrams/layout7.xml><?xml version="1.0" encoding="utf-8"?>
+<dgm:layoutDef xmlns:dgm="http://schemas.openxmlformats.org/drawingml/2006/diagram" xmlns:a="http://schemas.openxmlformats.org/drawingml/2006/main" uniqueId="urn:microsoft.com/office/officeart/2005/8/layout/vList2">
+  <dgm:title val=""/>
+  <dgm:desc val=""/>
+  <dgm:catLst>
+    <dgm:cat type="list" pri="3000"/>
+    <dgm:cat type="convert" pri="1000"/>
+  </dgm:catLst>
+  <dgm:sampData>
+    <dgm:dataModel>
+      <dgm:ptLst>
+        <dgm:pt modelId="0" type="doc"/>
+        <dgm:pt modelId="1">
+          <dgm:prSet phldr="1"/>
+        </dgm:pt>
+        <dgm:pt modelId="11">
+          <dgm:prSet phldr="1"/>
+        </dgm:pt>
+        <dgm:pt modelId="2">
+          <dgm:prSet phldr="1"/>
+        </dgm:pt>
+        <dgm:pt modelId="21">
+          <dgm:prSet phldr="1"/>
+        </dgm:pt>
+      </dgm:ptLst>
+      <dgm:cxnLst>
+        <dgm:cxn modelId="4" srcId="0" destId="1" srcOrd="0" destOrd="0"/>
+        <dgm:cxn modelId="5" srcId="0" destId="2" srcOrd="1" destOrd="0"/>
+        <dgm:cxn modelId="12" srcId="1" destId="11" srcOrd="0" destOrd="0"/>
+        <dgm:cxn modelId="23" srcId="2" destId="21" srcOrd="0" destOrd="0"/>
+      </dgm:cxnLst>
+      <dgm:bg/>
+      <dgm:whole/>
+    </dgm:dataModel>
+  </dgm:sampData>
+  <dgm:styleData>
+    <dgm:dataModel>
+      <dgm:ptLst>
+        <dgm:pt modelId="0" type="doc"/>
+        <dgm:pt modelId="1"/>
+        <dgm:pt modelId="2"/>
+      </dgm:ptLst>
+      <dgm:cxnLst>
+        <dgm:cxn modelId="3" srcId="0" destId="1" srcOrd="0" destOrd="0"/>
+        <dgm:cxn modelId="4" srcId="0" destId="2" srcOrd="1" destOrd="0"/>
+      </dgm:cxnLst>
+      <dgm:bg/>
+      <dgm:whole/>
+    </dgm:dataModel>
+  </dgm:styleData>
+  <dgm:clrData>
+    <dgm:dataModel>
+      <dgm:ptLst>
+        <dgm:pt modelId="0" type="doc"/>
+        <dgm:pt modelId="1"/>
+        <dgm:pt modelId="2"/>
+        <dgm:pt modelId="3"/>
+        <dgm:pt modelId="4"/>
+      </dgm:ptLst>
+      <dgm:cxnLst>
+        <dgm:cxn modelId="5" srcId="0" destId="1" srcOrd="0" destOrd="0"/>
+        <dgm:cxn modelId="6" srcId="0" destId="2" srcOrd="1" destOrd="0"/>
+        <dgm:cxn modelId="7" srcId="0" destId="3" srcOrd="2" destOrd="0"/>
+        <dgm:cxn modelId="8" srcId="0" destId="4" srcOrd="3" destOrd="0"/>
+      </dgm:cxnLst>
+      <dgm:bg/>
+      <dgm:whole/>
+    </dgm:dataModel>
+  </dgm:clrData>
+  <dgm:layoutNode name="linear">
+    <dgm:varLst>
+      <dgm:animLvl val="lvl"/>
+      <dgm:resizeHandles val="exact"/>
+    </dgm:varLst>
+    <dgm:alg type="lin">
+      <dgm:param type="linDir" val="fromT"/>
+      <dgm:param type="vertAlign" val="mid"/>
+    </dgm:alg>
+    <dgm:shape xmlns:r="http://schemas.openxmlformats.org/officeDocument/2006/relationships" r:blip="">
+      <dgm:adjLst/>
+    </dgm:shape>
+    <dgm:presOf/>
+    <dgm:constrLst>
+      <dgm:constr type="w" for="ch" forName="parentText" refType="w"/>
+      <dgm:constr type="h" for="ch" forName="parentText" refType="primFontSz" refFor="ch" refForName="parentText" fact="0.52"/>
+      <dgm:constr type="w" for="ch" forName="childText" refType="w"/>
+      <dgm:constr type="h" for="ch" forName="childText" refType="primFontSz" refFor="ch" refForName="parentText" fact="0.46"/>
+      <dgm:constr type="h" for="ch" forName="parentText" op="equ"/>
+      <dgm:constr type="primFontSz" for="ch" forName="parentText" op="equ" val="65"/>
+      <dgm:constr type="primFontSz" for="ch" forName="childText" refType="primFontSz" refFor="ch" refForName="parentText" op="equ"/>
+      <dgm:constr type="h" for="ch" forName="spacer" refType="primFontSz" refFor="ch" refForName="parentText" fact="0.08"/>
+    </dgm:constrLst>
+    <dgm:ruleLst>
+      <dgm:rule type="primFontSz" for="ch" forName="parentText" val="5" fact="NaN" max="NaN"/>
+    </dgm:ruleLst>
+    <dgm:forEach name="Name0" axis="ch" ptType="node">
+      <dgm:layoutNode name="parentText" styleLbl="node1">
+        <dgm:varLst>
+          <dgm:chMax val="0"/>
+          <dgm:bulletEnabled val="1"/>
+        </dgm:varLst>
+        <dgm:alg type="tx">
+          <dgm:param type="parTxLTRAlign" val="l"/>
+          <dgm:param type="parTxRTLAlign" val="r"/>
+        </dgm:alg>
+        <dgm:shape xmlns:r="http://schemas.openxmlformats.org/officeDocument/2006/relationships" type="roundRect" r:blip="">
+          <dgm:adjLst/>
+        </dgm:shape>
+        <dgm:presOf axis="self"/>
+        <dgm:constrLst>
+          <dgm:constr type="tMarg" refType="primFontSz" fact="0.3"/>
+          <dgm:constr type="bMarg" refType="primFontSz" fact="0.3"/>
+          <dgm:constr type="lMarg" refType="primFontSz" fact="0.3"/>
+          <dgm:constr type="rMarg" refType="primFontSz" fact="0.3"/>
+        </dgm:constrLst>
+        <dgm:ruleLst>
+          <dgm:rule type="h" val="INF" fact="NaN" max="NaN"/>
+        </dgm:ruleLst>
+      </dgm:layoutNode>
+      <dgm:choose name="Name1">
+        <dgm:if name="Name2" axis="ch" ptType="node" func="cnt" op="gte" val="1">
+          <dgm:layoutNode name="childText" styleLbl="revTx">
+            <dgm:varLst>
+              <dgm:bulletEnabled val="1"/>
+            </dgm:varLst>
+            <dgm:alg type="tx">
+              <dgm:param type="stBulletLvl" val="1"/>
+              <dgm:param type="lnSpAfChP" val="20"/>
+            </dgm:alg>
+            <dgm:shape xmlns:r="http://schemas.openxmlformats.org/officeDocument/2006/relationships" type="rect" r:blip="">
+              <dgm:adjLst/>
+            </dgm:shape>
+            <dgm:presOf axis="des" ptType="node"/>
+            <dgm:constrLst>
+              <dgm:constr type="tMarg" refType="primFontSz" fact="0.1"/>
+              <dgm:constr type="bMarg" refType="primFontSz" fact="0.1"/>
+              <dgm:constr type="lMarg" refType="w" fact="0.09"/>
+            </dgm:constrLst>
+            <dgm:ruleLst>
+              <dgm:rule type="h" val="INF" fact="NaN" max="NaN"/>
+            </dgm:ruleLst>
+          </dgm:layoutNode>
+        </dgm:if>
+        <dgm:else name="Name3">
+          <dgm:choose name="Name4">
+            <dgm:if name="Name5" axis="par ch" ptType="doc node" func="cnt" op="gte" val="2">
+              <dgm:forEach name="Name6" axis="followSib" ptType="sibTrans" cnt="1">
+                <dgm:layoutNode name="spacer">
+                  <dgm:alg type="sp"/>
+                  <dgm:shape xmlns:r="http://schemas.openxmlformats.org/officeDocument/2006/relationships" r:blip="">
+                    <dgm:adjLst/>
+                  </dgm:shape>
+                  <dgm:presOf/>
+                  <dgm:constrLst/>
+                  <dgm:ruleLst/>
+                </dgm:layoutNode>
+              </dgm:forEach>
+            </dgm:if>
+            <dgm:else name="Name7"/>
+          </dgm:choose>
+        </dgm:else>
+      </dgm:choose>
+    </dgm:forEach>
+  </dgm:layoutNode>
+</dgm:layoutDef>
+</file>
+
 <file path=ppt/diagrams/quickStyle1.xml><?xml version="1.0" encoding="utf-8"?>
 <dgm:styleDef xmlns:dgm="http://schemas.openxmlformats.org/drawingml/2006/diagram" xmlns:a="http://schemas.openxmlformats.org/drawingml/2006/main" uniqueId="urn:microsoft.com/office/officeart/2005/8/quickstyle/simple1">
   <dgm:title val=""/>
@@ -19208,6 +20855,1040 @@
 </file>
 
 <file path=ppt/diagrams/quickStyle6.xml><?xml version="1.0" encoding="utf-8"?>
+<dgm:styleDef xmlns:dgm="http://schemas.openxmlformats.org/drawingml/2006/diagram" xmlns:a="http://schemas.openxmlformats.org/drawingml/2006/main" uniqueId="urn:microsoft.com/office/officeart/2005/8/quickstyle/simple1">
+  <dgm:title val=""/>
+  <dgm:desc val=""/>
+  <dgm:catLst>
+    <dgm:cat type="simple" pri="10100"/>
+  </dgm:catLst>
+  <dgm:scene3d>
+    <a:camera prst="orthographicFront"/>
+    <a:lightRig rig="threePt" dir="t"/>
+  </dgm:scene3d>
+  <dgm:styleLbl name="node0">
+    <dgm:scene3d>
+      <a:camera prst="orthographicFront"/>
+      <a:lightRig rig="threePt" dir="t"/>
+    </dgm:scene3d>
+    <dgm:sp3d/>
+    <dgm:txPr/>
+    <dgm:style>
+      <a:lnRef idx="2">
+        <a:scrgbClr r="0" g="0" b="0"/>
+      </a:lnRef>
+      <a:fillRef idx="1">
+        <a:scrgbClr r="0" g="0" b="0"/>
+      </a:fillRef>
+      <a:effectRef idx="0">
+        <a:scrgbClr r="0" g="0" b="0"/>
+      </a:effectRef>
+      <a:fontRef idx="minor">
+        <a:schemeClr val="lt1"/>
+      </a:fontRef>
+    </dgm:style>
+  </dgm:styleLbl>
+  <dgm:styleLbl name="lnNode1">
+    <dgm:scene3d>
+      <a:camera prst="orthographicFront"/>
+      <a:lightRig rig="threePt" dir="t"/>
+    </dgm:scene3d>
+    <dgm:sp3d/>
+    <dgm:txPr/>
+    <dgm:style>
+      <a:lnRef idx="2">
+        <a:scrgbClr r="0" g="0" b="0"/>
+      </a:lnRef>
+      <a:fillRef idx="1">
+        <a:scrgbClr r="0" g="0" b="0"/>
+      </a:fillRef>
+      <a:effectRef idx="0">
+        <a:scrgbClr r="0" g="0" b="0"/>
+      </a:effectRef>
+      <a:fontRef idx="minor">
+        <a:schemeClr val="lt1"/>
+      </a:fontRef>
+    </dgm:style>
+  </dgm:styleLbl>
+  <dgm:styleLbl name="vennNode1">
+    <dgm:scene3d>
+      <a:camera prst="orthographicFront"/>
+      <a:lightRig rig="threePt" dir="t"/>
+    </dgm:scene3d>
+    <dgm:sp3d/>
+    <dgm:txPr/>
+    <dgm:style>
+      <a:lnRef idx="2">
+        <a:scrgbClr r="0" g="0" b="0"/>
+      </a:lnRef>
+      <a:fillRef idx="1">
+        <a:scrgbClr r="0" g="0" b="0"/>
+      </a:fillRef>
+      <a:effectRef idx="0">
+        <a:scrgbClr r="0" g="0" b="0"/>
+      </a:effectRef>
+      <a:fontRef idx="minor">
+        <a:schemeClr val="tx1"/>
+      </a:fontRef>
+    </dgm:style>
+  </dgm:styleLbl>
+  <dgm:styleLbl name="alignNode1">
+    <dgm:scene3d>
+      <a:camera prst="orthographicFront"/>
+      <a:lightRig rig="threePt" dir="t"/>
+    </dgm:scene3d>
+    <dgm:sp3d/>
+    <dgm:txPr/>
+    <dgm:style>
+      <a:lnRef idx="2">
+        <a:scrgbClr r="0" g="0" b="0"/>
+      </a:lnRef>
+      <a:fillRef idx="1">
+        <a:scrgbClr r="0" g="0" b="0"/>
+      </a:fillRef>
+      <a:effectRef idx="0">
+        <a:scrgbClr r="0" g="0" b="0"/>
+      </a:effectRef>
+      <a:fontRef idx="minor">
+        <a:schemeClr val="lt1"/>
+      </a:fontRef>
+    </dgm:style>
+  </dgm:styleLbl>
+  <dgm:styleLbl name="node1">
+    <dgm:scene3d>
+      <a:camera prst="orthographicFront"/>
+      <a:lightRig rig="threePt" dir="t"/>
+    </dgm:scene3d>
+    <dgm:sp3d/>
+    <dgm:txPr/>
+    <dgm:style>
+      <a:lnRef idx="2">
+        <a:scrgbClr r="0" g="0" b="0"/>
+      </a:lnRef>
+      <a:fillRef idx="1">
+        <a:scrgbClr r="0" g="0" b="0"/>
+      </a:fillRef>
+      <a:effectRef idx="0">
+        <a:scrgbClr r="0" g="0" b="0"/>
+      </a:effectRef>
+      <a:fontRef idx="minor">
+        <a:schemeClr val="lt1"/>
+      </a:fontRef>
+    </dgm:style>
+  </dgm:styleLbl>
+  <dgm:styleLbl name="node2">
+    <dgm:scene3d>
+      <a:camera prst="orthographicFront"/>
+      <a:lightRig rig="threePt" dir="t"/>
+    </dgm:scene3d>
+    <dgm:sp3d/>
+    <dgm:txPr/>
+    <dgm:style>
+      <a:lnRef idx="2">
+        <a:scrgbClr r="0" g="0" b="0"/>
+      </a:lnRef>
+      <a:fillRef idx="1">
+        <a:scrgbClr r="0" g="0" b="0"/>
+      </a:fillRef>
+      <a:effectRef idx="0">
+        <a:scrgbClr r="0" g="0" b="0"/>
+      </a:effectRef>
+      <a:fontRef idx="minor">
+        <a:schemeClr val="lt1"/>
+      </a:fontRef>
+    </dgm:style>
+  </dgm:styleLbl>
+  <dgm:styleLbl name="node3">
+    <dgm:scene3d>
+      <a:camera prst="orthographicFront"/>
+      <a:lightRig rig="threePt" dir="t"/>
+    </dgm:scene3d>
+    <dgm:sp3d/>
+    <dgm:txPr/>
+    <dgm:style>
+      <a:lnRef idx="2">
+        <a:scrgbClr r="0" g="0" b="0"/>
+      </a:lnRef>
+      <a:fillRef idx="1">
+        <a:scrgbClr r="0" g="0" b="0"/>
+      </a:fillRef>
+      <a:effectRef idx="0">
+        <a:scrgbClr r="0" g="0" b="0"/>
+      </a:effectRef>
+      <a:fontRef idx="minor">
+        <a:schemeClr val="lt1"/>
+      </a:fontRef>
+    </dgm:style>
+  </dgm:styleLbl>
+  <dgm:styleLbl name="node4">
+    <dgm:scene3d>
+      <a:camera prst="orthographicFront"/>
+      <a:lightRig rig="threePt" dir="t"/>
+    </dgm:scene3d>
+    <dgm:sp3d/>
+    <dgm:txPr/>
+    <dgm:style>
+      <a:lnRef idx="2">
+        <a:scrgbClr r="0" g="0" b="0"/>
+      </a:lnRef>
+      <a:fillRef idx="1">
+        <a:scrgbClr r="0" g="0" b="0"/>
+      </a:fillRef>
+      <a:effectRef idx="0">
+        <a:scrgbClr r="0" g="0" b="0"/>
+      </a:effectRef>
+      <a:fontRef idx="minor">
+        <a:schemeClr val="lt1"/>
+      </a:fontRef>
+    </dgm:style>
+  </dgm:styleLbl>
+  <dgm:styleLbl name="fgImgPlace1">
+    <dgm:scene3d>
+      <a:camera prst="orthographicFront"/>
+      <a:lightRig rig="threePt" dir="t"/>
+    </dgm:scene3d>
+    <dgm:sp3d/>
+    <dgm:txPr/>
+    <dgm:style>
+      <a:lnRef idx="2">
+        <a:scrgbClr r="0" g="0" b="0"/>
+      </a:lnRef>
+      <a:fillRef idx="1">
+        <a:scrgbClr r="0" g="0" b="0"/>
+      </a:fillRef>
+      <a:effectRef idx="0">
+        <a:scrgbClr r="0" g="0" b="0"/>
+      </a:effectRef>
+      <a:fontRef idx="minor"/>
+    </dgm:style>
+  </dgm:styleLbl>
+  <dgm:styleLbl name="alignImgPlace1">
+    <dgm:scene3d>
+      <a:camera prst="orthographicFront"/>
+      <a:lightRig rig="threePt" dir="t"/>
+    </dgm:scene3d>
+    <dgm:sp3d/>
+    <dgm:txPr/>
+    <dgm:style>
+      <a:lnRef idx="2">
+        <a:scrgbClr r="0" g="0" b="0"/>
+      </a:lnRef>
+      <a:fillRef idx="1">
+        <a:scrgbClr r="0" g="0" b="0"/>
+      </a:fillRef>
+      <a:effectRef idx="0">
+        <a:scrgbClr r="0" g="0" b="0"/>
+      </a:effectRef>
+      <a:fontRef idx="minor"/>
+    </dgm:style>
+  </dgm:styleLbl>
+  <dgm:styleLbl name="bgImgPlace1">
+    <dgm:scene3d>
+      <a:camera prst="orthographicFront"/>
+      <a:lightRig rig="threePt" dir="t"/>
+    </dgm:scene3d>
+    <dgm:sp3d/>
+    <dgm:txPr/>
+    <dgm:style>
+      <a:lnRef idx="2">
+        <a:scrgbClr r="0" g="0" b="0"/>
+      </a:lnRef>
+      <a:fillRef idx="1">
+        <a:scrgbClr r="0" g="0" b="0"/>
+      </a:fillRef>
+      <a:effectRef idx="0">
+        <a:scrgbClr r="0" g="0" b="0"/>
+      </a:effectRef>
+      <a:fontRef idx="minor"/>
+    </dgm:style>
+  </dgm:styleLbl>
+  <dgm:styleLbl name="sibTrans2D1">
+    <dgm:scene3d>
+      <a:camera prst="orthographicFront"/>
+      <a:lightRig rig="threePt" dir="t"/>
+    </dgm:scene3d>
+    <dgm:sp3d/>
+    <dgm:txPr/>
+    <dgm:style>
+      <a:lnRef idx="0">
+        <a:scrgbClr r="0" g="0" b="0"/>
+      </a:lnRef>
+      <a:fillRef idx="1">
+        <a:scrgbClr r="0" g="0" b="0"/>
+      </a:fillRef>
+      <a:effectRef idx="0">
+        <a:scrgbClr r="0" g="0" b="0"/>
+      </a:effectRef>
+      <a:fontRef idx="minor">
+        <a:schemeClr val="lt1"/>
+      </a:fontRef>
+    </dgm:style>
+  </dgm:styleLbl>
+  <dgm:styleLbl name="fgSibTrans2D1">
+    <dgm:scene3d>
+      <a:camera prst="orthographicFront"/>
+      <a:lightRig rig="threePt" dir="t"/>
+    </dgm:scene3d>
+    <dgm:sp3d/>
+    <dgm:txPr/>
+    <dgm:style>
+      <a:lnRef idx="0">
+        <a:scrgbClr r="0" g="0" b="0"/>
+      </a:lnRef>
+      <a:fillRef idx="1">
+        <a:scrgbClr r="0" g="0" b="0"/>
+      </a:fillRef>
+      <a:effectRef idx="0">
+        <a:scrgbClr r="0" g="0" b="0"/>
+      </a:effectRef>
+      <a:fontRef idx="minor">
+        <a:schemeClr val="lt1"/>
+      </a:fontRef>
+    </dgm:style>
+  </dgm:styleLbl>
+  <dgm:styleLbl name="bgSibTrans2D1">
+    <dgm:scene3d>
+      <a:camera prst="orthographicFront"/>
+      <a:lightRig rig="threePt" dir="t"/>
+    </dgm:scene3d>
+    <dgm:sp3d/>
+    <dgm:txPr/>
+    <dgm:style>
+      <a:lnRef idx="0">
+        <a:scrgbClr r="0" g="0" b="0"/>
+      </a:lnRef>
+      <a:fillRef idx="1">
+        <a:scrgbClr r="0" g="0" b="0"/>
+      </a:fillRef>
+      <a:effectRef idx="0">
+        <a:scrgbClr r="0" g="0" b="0"/>
+      </a:effectRef>
+      <a:fontRef idx="minor">
+        <a:schemeClr val="lt1"/>
+      </a:fontRef>
+    </dgm:style>
+  </dgm:styleLbl>
+  <dgm:styleLbl name="sibTrans1D1">
+    <dgm:scene3d>
+      <a:camera prst="orthographicFront"/>
+      <a:lightRig rig="threePt" dir="t"/>
+    </dgm:scene3d>
+    <dgm:sp3d/>
+    <dgm:txPr/>
+    <dgm:style>
+      <a:lnRef idx="1">
+        <a:scrgbClr r="0" g="0" b="0"/>
+      </a:lnRef>
+      <a:fillRef idx="0">
+        <a:scrgbClr r="0" g="0" b="0"/>
+      </a:fillRef>
+      <a:effectRef idx="0">
+        <a:scrgbClr r="0" g="0" b="0"/>
+      </a:effectRef>
+      <a:fontRef idx="minor"/>
+    </dgm:style>
+  </dgm:styleLbl>
+  <dgm:styleLbl name="callout">
+    <dgm:scene3d>
+      <a:camera prst="orthographicFront"/>
+      <a:lightRig rig="threePt" dir="t"/>
+    </dgm:scene3d>
+    <dgm:sp3d/>
+    <dgm:txPr/>
+    <dgm:style>
+      <a:lnRef idx="2">
+        <a:scrgbClr r="0" g="0" b="0"/>
+      </a:lnRef>
+      <a:fillRef idx="1">
+        <a:scrgbClr r="0" g="0" b="0"/>
+      </a:fillRef>
+      <a:effectRef idx="0">
+        <a:scrgbClr r="0" g="0" b="0"/>
+      </a:effectRef>
+      <a:fontRef idx="minor"/>
+    </dgm:style>
+  </dgm:styleLbl>
+  <dgm:styleLbl name="asst0">
+    <dgm:scene3d>
+      <a:camera prst="orthographicFront"/>
+      <a:lightRig rig="threePt" dir="t"/>
+    </dgm:scene3d>
+    <dgm:sp3d/>
+    <dgm:txPr/>
+    <dgm:style>
+      <a:lnRef idx="2">
+        <a:scrgbClr r="0" g="0" b="0"/>
+      </a:lnRef>
+      <a:fillRef idx="1">
+        <a:scrgbClr r="0" g="0" b="0"/>
+      </a:fillRef>
+      <a:effectRef idx="0">
+        <a:scrgbClr r="0" g="0" b="0"/>
+      </a:effectRef>
+      <a:fontRef idx="minor">
+        <a:schemeClr val="lt1"/>
+      </a:fontRef>
+    </dgm:style>
+  </dgm:styleLbl>
+  <dgm:styleLbl name="asst1">
+    <dgm:scene3d>
+      <a:camera prst="orthographicFront"/>
+      <a:lightRig rig="threePt" dir="t"/>
+    </dgm:scene3d>
+    <dgm:sp3d/>
+    <dgm:txPr/>
+    <dgm:style>
+      <a:lnRef idx="2">
+        <a:scrgbClr r="0" g="0" b="0"/>
+      </a:lnRef>
+      <a:fillRef idx="1">
+        <a:scrgbClr r="0" g="0" b="0"/>
+      </a:fillRef>
+      <a:effectRef idx="0">
+        <a:scrgbClr r="0" g="0" b="0"/>
+      </a:effectRef>
+      <a:fontRef idx="minor">
+        <a:schemeClr val="lt1"/>
+      </a:fontRef>
+    </dgm:style>
+  </dgm:styleLbl>
+  <dgm:styleLbl name="asst2">
+    <dgm:scene3d>
+      <a:camera prst="orthographicFront"/>
+      <a:lightRig rig="threePt" dir="t"/>
+    </dgm:scene3d>
+    <dgm:sp3d/>
+    <dgm:txPr/>
+    <dgm:style>
+      <a:lnRef idx="2">
+        <a:scrgbClr r="0" g="0" b="0"/>
+      </a:lnRef>
+      <a:fillRef idx="1">
+        <a:scrgbClr r="0" g="0" b="0"/>
+      </a:fillRef>
+      <a:effectRef idx="0">
+        <a:scrgbClr r="0" g="0" b="0"/>
+      </a:effectRef>
+      <a:fontRef idx="minor">
+        <a:schemeClr val="lt1"/>
+      </a:fontRef>
+    </dgm:style>
+  </dgm:styleLbl>
+  <dgm:styleLbl name="asst3">
+    <dgm:scene3d>
+      <a:camera prst="orthographicFront"/>
+      <a:lightRig rig="threePt" dir="t"/>
+    </dgm:scene3d>
+    <dgm:sp3d/>
+    <dgm:txPr/>
+    <dgm:style>
+      <a:lnRef idx="2">
+        <a:scrgbClr r="0" g="0" b="0"/>
+      </a:lnRef>
+      <a:fillRef idx="1">
+        <a:scrgbClr r="0" g="0" b="0"/>
+      </a:fillRef>
+      <a:effectRef idx="0">
+        <a:scrgbClr r="0" g="0" b="0"/>
+      </a:effectRef>
+      <a:fontRef idx="minor">
+        <a:schemeClr val="lt1"/>
+      </a:fontRef>
+    </dgm:style>
+  </dgm:styleLbl>
+  <dgm:styleLbl name="asst4">
+    <dgm:scene3d>
+      <a:camera prst="orthographicFront"/>
+      <a:lightRig rig="threePt" dir="t"/>
+    </dgm:scene3d>
+    <dgm:sp3d/>
+    <dgm:txPr/>
+    <dgm:style>
+      <a:lnRef idx="2">
+        <a:scrgbClr r="0" g="0" b="0"/>
+      </a:lnRef>
+      <a:fillRef idx="1">
+        <a:scrgbClr r="0" g="0" b="0"/>
+      </a:fillRef>
+      <a:effectRef idx="0">
+        <a:scrgbClr r="0" g="0" b="0"/>
+      </a:effectRef>
+      <a:fontRef idx="minor">
+        <a:schemeClr val="lt1"/>
+      </a:fontRef>
+    </dgm:style>
+  </dgm:styleLbl>
+  <dgm:styleLbl name="parChTrans2D1">
+    <dgm:scene3d>
+      <a:camera prst="orthographicFront"/>
+      <a:lightRig rig="threePt" dir="t"/>
+    </dgm:scene3d>
+    <dgm:sp3d/>
+    <dgm:txPr/>
+    <dgm:style>
+      <a:lnRef idx="2">
+        <a:scrgbClr r="0" g="0" b="0"/>
+      </a:lnRef>
+      <a:fillRef idx="1">
+        <a:scrgbClr r="0" g="0" b="0"/>
+      </a:fillRef>
+      <a:effectRef idx="0">
+        <a:scrgbClr r="0" g="0" b="0"/>
+      </a:effectRef>
+      <a:fontRef idx="minor">
+        <a:schemeClr val="lt1"/>
+      </a:fontRef>
+    </dgm:style>
+  </dgm:styleLbl>
+  <dgm:styleLbl name="parChTrans2D2">
+    <dgm:scene3d>
+      <a:camera prst="orthographicFront"/>
+      <a:lightRig rig="threePt" dir="t"/>
+    </dgm:scene3d>
+    <dgm:sp3d/>
+    <dgm:txPr/>
+    <dgm:style>
+      <a:lnRef idx="2">
+        <a:scrgbClr r="0" g="0" b="0"/>
+      </a:lnRef>
+      <a:fillRef idx="1">
+        <a:scrgbClr r="0" g="0" b="0"/>
+      </a:fillRef>
+      <a:effectRef idx="0">
+        <a:scrgbClr r="0" g="0" b="0"/>
+      </a:effectRef>
+      <a:fontRef idx="minor">
+        <a:schemeClr val="lt1"/>
+      </a:fontRef>
+    </dgm:style>
+  </dgm:styleLbl>
+  <dgm:styleLbl name="parChTrans2D3">
+    <dgm:scene3d>
+      <a:camera prst="orthographicFront"/>
+      <a:lightRig rig="threePt" dir="t"/>
+    </dgm:scene3d>
+    <dgm:sp3d/>
+    <dgm:txPr/>
+    <dgm:style>
+      <a:lnRef idx="2">
+        <a:scrgbClr r="0" g="0" b="0"/>
+      </a:lnRef>
+      <a:fillRef idx="1">
+        <a:scrgbClr r="0" g="0" b="0"/>
+      </a:fillRef>
+      <a:effectRef idx="0">
+        <a:scrgbClr r="0" g="0" b="0"/>
+      </a:effectRef>
+      <a:fontRef idx="minor">
+        <a:schemeClr val="lt1"/>
+      </a:fontRef>
+    </dgm:style>
+  </dgm:styleLbl>
+  <dgm:styleLbl name="parChTrans2D4">
+    <dgm:scene3d>
+      <a:camera prst="orthographicFront"/>
+      <a:lightRig rig="threePt" dir="t"/>
+    </dgm:scene3d>
+    <dgm:sp3d/>
+    <dgm:txPr/>
+    <dgm:style>
+      <a:lnRef idx="2">
+        <a:scrgbClr r="0" g="0" b="0"/>
+      </a:lnRef>
+      <a:fillRef idx="1">
+        <a:scrgbClr r="0" g="0" b="0"/>
+      </a:fillRef>
+      <a:effectRef idx="0">
+        <a:scrgbClr r="0" g="0" b="0"/>
+      </a:effectRef>
+      <a:fontRef idx="minor">
+        <a:schemeClr val="lt1"/>
+      </a:fontRef>
+    </dgm:style>
+  </dgm:styleLbl>
+  <dgm:styleLbl name="parChTrans1D1">
+    <dgm:scene3d>
+      <a:camera prst="orthographicFront"/>
+      <a:lightRig rig="threePt" dir="t"/>
+    </dgm:scene3d>
+    <dgm:sp3d/>
+    <dgm:txPr/>
+    <dgm:style>
+      <a:lnRef idx="2">
+        <a:scrgbClr r="0" g="0" b="0"/>
+      </a:lnRef>
+      <a:fillRef idx="0">
+        <a:scrgbClr r="0" g="0" b="0"/>
+      </a:fillRef>
+      <a:effectRef idx="0">
+        <a:scrgbClr r="0" g="0" b="0"/>
+      </a:effectRef>
+      <a:fontRef idx="minor"/>
+    </dgm:style>
+  </dgm:styleLbl>
+  <dgm:styleLbl name="parChTrans1D2">
+    <dgm:scene3d>
+      <a:camera prst="orthographicFront"/>
+      <a:lightRig rig="threePt" dir="t"/>
+    </dgm:scene3d>
+    <dgm:sp3d/>
+    <dgm:txPr/>
+    <dgm:style>
+      <a:lnRef idx="2">
+        <a:scrgbClr r="0" g="0" b="0"/>
+      </a:lnRef>
+      <a:fillRef idx="0">
+        <a:scrgbClr r="0" g="0" b="0"/>
+      </a:fillRef>
+      <a:effectRef idx="0">
+        <a:scrgbClr r="0" g="0" b="0"/>
+      </a:effectRef>
+      <a:fontRef idx="minor"/>
+    </dgm:style>
+  </dgm:styleLbl>
+  <dgm:styleLbl name="parChTrans1D3">
+    <dgm:scene3d>
+      <a:camera prst="orthographicFront"/>
+      <a:lightRig rig="threePt" dir="t"/>
+    </dgm:scene3d>
+    <dgm:sp3d/>
+    <dgm:txPr/>
+    <dgm:style>
+      <a:lnRef idx="2">
+        <a:scrgbClr r="0" g="0" b="0"/>
+      </a:lnRef>
+      <a:fillRef idx="0">
+        <a:scrgbClr r="0" g="0" b="0"/>
+      </a:fillRef>
+      <a:effectRef idx="0">
+        <a:scrgbClr r="0" g="0" b="0"/>
+      </a:effectRef>
+      <a:fontRef idx="minor"/>
+    </dgm:style>
+  </dgm:styleLbl>
+  <dgm:styleLbl name="parChTrans1D4">
+    <dgm:scene3d>
+      <a:camera prst="orthographicFront"/>
+      <a:lightRig rig="threePt" dir="t"/>
+    </dgm:scene3d>
+    <dgm:sp3d/>
+    <dgm:txPr/>
+    <dgm:style>
+      <a:lnRef idx="2">
+        <a:scrgbClr r="0" g="0" b="0"/>
+      </a:lnRef>
+      <a:fillRef idx="0">
+        <a:scrgbClr r="0" g="0" b="0"/>
+      </a:fillRef>
+      <a:effectRef idx="0">
+        <a:scrgbClr r="0" g="0" b="0"/>
+      </a:effectRef>
+      <a:fontRef idx="minor"/>
+    </dgm:style>
+  </dgm:styleLbl>
+  <dgm:styleLbl name="fgAcc1">
+    <dgm:scene3d>
+      <a:camera prst="orthographicFront"/>
+      <a:lightRig rig="threePt" dir="t"/>
+    </dgm:scene3d>
+    <dgm:sp3d/>
+    <dgm:txPr/>
+    <dgm:style>
+      <a:lnRef idx="2">
+        <a:scrgbClr r="0" g="0" b="0"/>
+      </a:lnRef>
+      <a:fillRef idx="1">
+        <a:scrgbClr r="0" g="0" b="0"/>
+      </a:fillRef>
+      <a:effectRef idx="0">
+        <a:scrgbClr r="0" g="0" b="0"/>
+      </a:effectRef>
+      <a:fontRef idx="minor"/>
+    </dgm:style>
+  </dgm:styleLbl>
+  <dgm:styleLbl name="conFgAcc1">
+    <dgm:scene3d>
+      <a:camera prst="orthographicFront"/>
+      <a:lightRig rig="threePt" dir="t"/>
+    </dgm:scene3d>
+    <dgm:sp3d/>
+    <dgm:txPr/>
+    <dgm:style>
+      <a:lnRef idx="2">
+        <a:scrgbClr r="0" g="0" b="0"/>
+      </a:lnRef>
+      <a:fillRef idx="1">
+        <a:scrgbClr r="0" g="0" b="0"/>
+      </a:fillRef>
+      <a:effectRef idx="0">
+        <a:scrgbClr r="0" g="0" b="0"/>
+      </a:effectRef>
+      <a:fontRef idx="minor"/>
+    </dgm:style>
+  </dgm:styleLbl>
+  <dgm:styleLbl name="alignAcc1">
+    <dgm:scene3d>
+      <a:camera prst="orthographicFront"/>
+      <a:lightRig rig="threePt" dir="t"/>
+    </dgm:scene3d>
+    <dgm:sp3d/>
+    <dgm:txPr/>
+    <dgm:style>
+      <a:lnRef idx="2">
+        <a:scrgbClr r="0" g="0" b="0"/>
+      </a:lnRef>
+      <a:fillRef idx="1">
+        <a:scrgbClr r="0" g="0" b="0"/>
+      </a:fillRef>
+      <a:effectRef idx="0">
+        <a:scrgbClr r="0" g="0" b="0"/>
+      </a:effectRef>
+      <a:fontRef idx="minor"/>
+    </dgm:style>
+  </dgm:styleLbl>
+  <dgm:styleLbl name="trAlignAcc1">
+    <dgm:scene3d>
+      <a:camera prst="orthographicFront"/>
+      <a:lightRig rig="threePt" dir="t"/>
+    </dgm:scene3d>
+    <dgm:sp3d/>
+    <dgm:txPr/>
+    <dgm:style>
+      <a:lnRef idx="1">
+        <a:scrgbClr r="0" g="0" b="0"/>
+      </a:lnRef>
+      <a:fillRef idx="1">
+        <a:scrgbClr r="0" g="0" b="0"/>
+      </a:fillRef>
+      <a:effectRef idx="0">
+        <a:scrgbClr r="0" g="0" b="0"/>
+      </a:effectRef>
+      <a:fontRef idx="minor"/>
+    </dgm:style>
+  </dgm:styleLbl>
+  <dgm:styleLbl name="bgAcc1">
+    <dgm:scene3d>
+      <a:camera prst="orthographicFront"/>
+      <a:lightRig rig="threePt" dir="t"/>
+    </dgm:scene3d>
+    <dgm:sp3d/>
+    <dgm:txPr/>
+    <dgm:style>
+      <a:lnRef idx="2">
+        <a:scrgbClr r="0" g="0" b="0"/>
+      </a:lnRef>
+      <a:fillRef idx="1">
+        <a:scrgbClr r="0" g="0" b="0"/>
+      </a:fillRef>
+      <a:effectRef idx="0">
+        <a:scrgbClr r="0" g="0" b="0"/>
+      </a:effectRef>
+      <a:fontRef idx="minor"/>
+    </dgm:style>
+  </dgm:styleLbl>
+  <dgm:styleLbl name="solidFgAcc1">
+    <dgm:scene3d>
+      <a:camera prst="orthographicFront"/>
+      <a:lightRig rig="threePt" dir="t"/>
+    </dgm:scene3d>
+    <dgm:sp3d/>
+    <dgm:txPr/>
+    <dgm:style>
+      <a:lnRef idx="2">
+        <a:scrgbClr r="0" g="0" b="0"/>
+      </a:lnRef>
+      <a:fillRef idx="1">
+        <a:scrgbClr r="0" g="0" b="0"/>
+      </a:fillRef>
+      <a:effectRef idx="0">
+        <a:scrgbClr r="0" g="0" b="0"/>
+      </a:effectRef>
+      <a:fontRef idx="minor"/>
+    </dgm:style>
+  </dgm:styleLbl>
+  <dgm:styleLbl name="solidAlignAcc1">
+    <dgm:scene3d>
+      <a:camera prst="orthographicFront"/>
+      <a:lightRig rig="threePt" dir="t"/>
+    </dgm:scene3d>
+    <dgm:sp3d/>
+    <dgm:txPr/>
+    <dgm:style>
+      <a:lnRef idx="2">
+        <a:scrgbClr r="0" g="0" b="0"/>
+      </a:lnRef>
+      <a:fillRef idx="1">
+        <a:scrgbClr r="0" g="0" b="0"/>
+      </a:fillRef>
+      <a:effectRef idx="0">
+        <a:scrgbClr r="0" g="0" b="0"/>
+      </a:effectRef>
+      <a:fontRef idx="minor"/>
+    </dgm:style>
+  </dgm:styleLbl>
+  <dgm:styleLbl name="solidBgAcc1">
+    <dgm:scene3d>
+      <a:camera prst="orthographicFront"/>
+      <a:lightRig rig="threePt" dir="t"/>
+    </dgm:scene3d>
+    <dgm:sp3d/>
+    <dgm:txPr/>
+    <dgm:style>
+      <a:lnRef idx="2">
+        <a:scrgbClr r="0" g="0" b="0"/>
+      </a:lnRef>
+      <a:fillRef idx="1">
+        <a:scrgbClr r="0" g="0" b="0"/>
+      </a:fillRef>
+      <a:effectRef idx="0">
+        <a:scrgbClr r="0" g="0" b="0"/>
+      </a:effectRef>
+      <a:fontRef idx="minor"/>
+    </dgm:style>
+  </dgm:styleLbl>
+  <dgm:styleLbl name="fgAccFollowNode1">
+    <dgm:scene3d>
+      <a:camera prst="orthographicFront"/>
+      <a:lightRig rig="threePt" dir="t"/>
+    </dgm:scene3d>
+    <dgm:sp3d/>
+    <dgm:txPr/>
+    <dgm:style>
+      <a:lnRef idx="2">
+        <a:scrgbClr r="0" g="0" b="0"/>
+      </a:lnRef>
+      <a:fillRef idx="1">
+        <a:scrgbClr r="0" g="0" b="0"/>
+      </a:fillRef>
+      <a:effectRef idx="0">
+        <a:scrgbClr r="0" g="0" b="0"/>
+      </a:effectRef>
+      <a:fontRef idx="minor"/>
+    </dgm:style>
+  </dgm:styleLbl>
+  <dgm:styleLbl name="alignAccFollowNode1">
+    <dgm:scene3d>
+      <a:camera prst="orthographicFront"/>
+      <a:lightRig rig="threePt" dir="t"/>
+    </dgm:scene3d>
+    <dgm:sp3d/>
+    <dgm:txPr/>
+    <dgm:style>
+      <a:lnRef idx="2">
+        <a:scrgbClr r="0" g="0" b="0"/>
+      </a:lnRef>
+      <a:fillRef idx="1">
+        <a:scrgbClr r="0" g="0" b="0"/>
+      </a:fillRef>
+      <a:effectRef idx="0">
+        <a:scrgbClr r="0" g="0" b="0"/>
+      </a:effectRef>
+      <a:fontRef idx="minor"/>
+    </dgm:style>
+  </dgm:styleLbl>
+  <dgm:styleLbl name="bgAccFollowNode1">
+    <dgm:scene3d>
+      <a:camera prst="orthographicFront"/>
+      <a:lightRig rig="threePt" dir="t"/>
+    </dgm:scene3d>
+    <dgm:sp3d/>
+    <dgm:txPr/>
+    <dgm:style>
+      <a:lnRef idx="2">
+        <a:scrgbClr r="0" g="0" b="0"/>
+      </a:lnRef>
+      <a:fillRef idx="1">
+        <a:scrgbClr r="0" g="0" b="0"/>
+      </a:fillRef>
+      <a:effectRef idx="0">
+        <a:scrgbClr r="0" g="0" b="0"/>
+      </a:effectRef>
+      <a:fontRef idx="minor"/>
+    </dgm:style>
+  </dgm:styleLbl>
+  <dgm:styleLbl name="fgAcc0">
+    <dgm:scene3d>
+      <a:camera prst="orthographicFront"/>
+      <a:lightRig rig="threePt" dir="t"/>
+    </dgm:scene3d>
+    <dgm:sp3d/>
+    <dgm:txPr/>
+    <dgm:style>
+      <a:lnRef idx="2">
+        <a:scrgbClr r="0" g="0" b="0"/>
+      </a:lnRef>
+      <a:fillRef idx="1">
+        <a:scrgbClr r="0" g="0" b="0"/>
+      </a:fillRef>
+      <a:effectRef idx="0">
+        <a:scrgbClr r="0" g="0" b="0"/>
+      </a:effectRef>
+      <a:fontRef idx="minor"/>
+    </dgm:style>
+  </dgm:styleLbl>
+  <dgm:styleLbl name="fgAcc2">
+    <dgm:scene3d>
+      <a:camera prst="orthographicFront"/>
+      <a:lightRig rig="threePt" dir="t"/>
+    </dgm:scene3d>
+    <dgm:sp3d/>
+    <dgm:txPr/>
+    <dgm:style>
+      <a:lnRef idx="2">
+        <a:scrgbClr r="0" g="0" b="0"/>
+      </a:lnRef>
+      <a:fillRef idx="1">
+        <a:scrgbClr r="0" g="0" b="0"/>
+      </a:fillRef>
+      <a:effectRef idx="0">
+        <a:scrgbClr r="0" g="0" b="0"/>
+      </a:effectRef>
+      <a:fontRef idx="minor"/>
+    </dgm:style>
+  </dgm:styleLbl>
+  <dgm:styleLbl name="fgAcc3">
+    <dgm:scene3d>
+      <a:camera prst="orthographicFront"/>
+      <a:lightRig rig="threePt" dir="t"/>
+    </dgm:scene3d>
+    <dgm:sp3d/>
+    <dgm:txPr/>
+    <dgm:style>
+      <a:lnRef idx="2">
+        <a:scrgbClr r="0" g="0" b="0"/>
+      </a:lnRef>
+      <a:fillRef idx="1">
+        <a:scrgbClr r="0" g="0" b="0"/>
+      </a:fillRef>
+      <a:effectRef idx="0">
+        <a:scrgbClr r="0" g="0" b="0"/>
+      </a:effectRef>
+      <a:fontRef idx="minor"/>
+    </dgm:style>
+  </dgm:styleLbl>
+  <dgm:styleLbl name="fgAcc4">
+    <dgm:scene3d>
+      <a:camera prst="orthographicFront"/>
+      <a:lightRig rig="threePt" dir="t"/>
+    </dgm:scene3d>
+    <dgm:sp3d/>
+    <dgm:txPr/>
+    <dgm:style>
+      <a:lnRef idx="2">
+        <a:scrgbClr r="0" g="0" b="0"/>
+      </a:lnRef>
+      <a:fillRef idx="1">
+        <a:scrgbClr r="0" g="0" b="0"/>
+      </a:fillRef>
+      <a:effectRef idx="0">
+        <a:scrgbClr r="0" g="0" b="0"/>
+      </a:effectRef>
+      <a:fontRef idx="minor"/>
+    </dgm:style>
+  </dgm:styleLbl>
+  <dgm:styleLbl name="bgShp">
+    <dgm:scene3d>
+      <a:camera prst="orthographicFront"/>
+      <a:lightRig rig="threePt" dir="t"/>
+    </dgm:scene3d>
+    <dgm:sp3d/>
+    <dgm:txPr/>
+    <dgm:style>
+      <a:lnRef idx="0">
+        <a:scrgbClr r="0" g="0" b="0"/>
+      </a:lnRef>
+      <a:fillRef idx="1">
+        <a:scrgbClr r="0" g="0" b="0"/>
+      </a:fillRef>
+      <a:effectRef idx="0">
+        <a:scrgbClr r="0" g="0" b="0"/>
+      </a:effectRef>
+      <a:fontRef idx="minor"/>
+    </dgm:style>
+  </dgm:styleLbl>
+  <dgm:styleLbl name="dkBgShp">
+    <dgm:scene3d>
+      <a:camera prst="orthographicFront"/>
+      <a:lightRig rig="threePt" dir="t"/>
+    </dgm:scene3d>
+    <dgm:sp3d/>
+    <dgm:txPr/>
+    <dgm:style>
+      <a:lnRef idx="0">
+        <a:scrgbClr r="0" g="0" b="0"/>
+      </a:lnRef>
+      <a:fillRef idx="1">
+        <a:scrgbClr r="0" g="0" b="0"/>
+      </a:fillRef>
+      <a:effectRef idx="0">
+        <a:scrgbClr r="0" g="0" b="0"/>
+      </a:effectRef>
+      <a:fontRef idx="minor"/>
+    </dgm:style>
+  </dgm:styleLbl>
+  <dgm:styleLbl name="trBgShp">
+    <dgm:scene3d>
+      <a:camera prst="orthographicFront"/>
+      <a:lightRig rig="threePt" dir="t"/>
+    </dgm:scene3d>
+    <dgm:sp3d/>
+    <dgm:txPr/>
+    <dgm:style>
+      <a:lnRef idx="0">
+        <a:scrgbClr r="0" g="0" b="0"/>
+      </a:lnRef>
+      <a:fillRef idx="1">
+        <a:scrgbClr r="0" g="0" b="0"/>
+      </a:fillRef>
+      <a:effectRef idx="0">
+        <a:scrgbClr r="0" g="0" b="0"/>
+      </a:effectRef>
+      <a:fontRef idx="minor"/>
+    </dgm:style>
+  </dgm:styleLbl>
+  <dgm:styleLbl name="fgShp">
+    <dgm:scene3d>
+      <a:camera prst="orthographicFront"/>
+      <a:lightRig rig="threePt" dir="t"/>
+    </dgm:scene3d>
+    <dgm:sp3d/>
+    <dgm:txPr/>
+    <dgm:style>
+      <a:lnRef idx="2">
+        <a:scrgbClr r="0" g="0" b="0"/>
+      </a:lnRef>
+      <a:fillRef idx="1">
+        <a:scrgbClr r="0" g="0" b="0"/>
+      </a:fillRef>
+      <a:effectRef idx="0">
+        <a:scrgbClr r="0" g="0" b="0"/>
+      </a:effectRef>
+      <a:fontRef idx="minor"/>
+    </dgm:style>
+  </dgm:styleLbl>
+  <dgm:styleLbl name="revTx">
+    <dgm:scene3d>
+      <a:camera prst="orthographicFront"/>
+      <a:lightRig rig="threePt" dir="t"/>
+    </dgm:scene3d>
+    <dgm:sp3d/>
+    <dgm:txPr/>
+    <dgm:style>
+      <a:lnRef idx="0">
+        <a:scrgbClr r="0" g="0" b="0"/>
+      </a:lnRef>
+      <a:fillRef idx="0">
+        <a:scrgbClr r="0" g="0" b="0"/>
+      </a:fillRef>
+      <a:effectRef idx="0">
+        <a:scrgbClr r="0" g="0" b="0"/>
+      </a:effectRef>
+      <a:fontRef idx="minor"/>
+    </dgm:style>
+  </dgm:styleLbl>
+</dgm:styleDef>
+</file>
+
+<file path=ppt/diagrams/quickStyle7.xml><?xml version="1.0" encoding="utf-8"?>
 <dgm:styleDef xmlns:dgm="http://schemas.openxmlformats.org/drawingml/2006/diagram" xmlns:a="http://schemas.openxmlformats.org/drawingml/2006/main" uniqueId="urn:microsoft.com/office/officeart/2005/8/quickstyle/simple1">
   <dgm:title val=""/>
   <dgm:desc val=""/>
@@ -28690,6 +31371,18 @@
 <file path=ppt/slides/slide24.xml><?xml version="1.0" encoding="utf-8"?>
 <p:sld xmlns:a="http://schemas.openxmlformats.org/drawingml/2006/main" xmlns:r="http://schemas.openxmlformats.org/officeDocument/2006/relationships" xmlns:p="http://schemas.openxmlformats.org/presentationml/2006/main">
   <p:cSld>
+    <p:bg>
+      <p:bgPr>
+        <a:solidFill>
+          <a:schemeClr val="bg1">
+            <a:tint val="90000"/>
+            <a:shade val="97000"/>
+            <a:satMod val="130000"/>
+          </a:schemeClr>
+        </a:solidFill>
+        <a:effectLst/>
+      </p:bgPr>
+    </p:bg>
     <p:spTree>
       <p:nvGrpSpPr>
         <p:cNvPr id="1" name="">
@@ -28712,6 +31405,69 @@
       </p:grpSpPr>
       <p:sp>
         <p:nvSpPr>
+          <p:cNvPr id="17" name="Rectangle 16">
+            <a:extLst>
+              <a:ext uri="{FF2B5EF4-FFF2-40B4-BE49-F238E27FC236}">
+                <a16:creationId xmlns:a16="http://schemas.microsoft.com/office/drawing/2014/main" id="{E54CE3AD-C754-4F1E-A76F-1EDDF71796A0}"/>
+              </a:ext>
+              <a:ext uri="{C183D7F6-B498-43B3-948B-1728B52AA6E4}">
+                <adec:decorative xmlns:adec="http://schemas.microsoft.com/office/drawing/2017/decorative" val="1"/>
+              </a:ext>
+            </a:extLst>
+          </p:cNvPr>
+          <p:cNvSpPr>
+            <a:spLocks noGrp="1" noRot="1" noChangeAspect="1" noMove="1" noResize="1" noEditPoints="1" noAdjustHandles="1" noChangeArrowheads="1" noChangeShapeType="1" noTextEdit="1"/>
+          </p:cNvSpPr>
+          <p:nvPr>
+            <p:extLst>
+              <p:ext uri="{386F3935-93C4-4BCD-93E2-E3B085C9AB24}">
+                <p16:designElem xmlns:p16="http://schemas.microsoft.com/office/powerpoint/2015/main" val="1"/>
+              </p:ext>
+            </p:extLst>
+          </p:nvPr>
+        </p:nvSpPr>
+        <p:spPr>
+          <a:xfrm>
+            <a:off x="0" y="0"/>
+            <a:ext cx="3434229" cy="6858000"/>
+          </a:xfrm>
+          <a:prstGeom prst="rect">
+            <a:avLst/>
+          </a:prstGeom>
+          <a:solidFill>
+            <a:schemeClr val="accent1"/>
+          </a:solidFill>
+          <a:ln>
+            <a:noFill/>
+          </a:ln>
+        </p:spPr>
+        <p:style>
+          <a:lnRef idx="2">
+            <a:schemeClr val="accent1">
+              <a:shade val="50000"/>
+            </a:schemeClr>
+          </a:lnRef>
+          <a:fillRef idx="1">
+            <a:schemeClr val="accent1"/>
+          </a:fillRef>
+          <a:effectRef idx="0">
+            <a:schemeClr val="accent1"/>
+          </a:effectRef>
+          <a:fontRef idx="minor">
+            <a:schemeClr val="lt1"/>
+          </a:fontRef>
+        </p:style>
+        <p:txBody>
+          <a:bodyPr rtlCol="0" anchor="ctr"/>
+          <a:lstStyle/>
+          <a:p>
+            <a:pPr algn="ctr"/>
+            <a:endParaRPr lang="en-US"/>
+          </a:p>
+        </p:txBody>
+      </p:sp>
+      <p:sp>
+        <p:nvSpPr>
           <p:cNvPr id="2" name="Title 1">
             <a:extLst>
               <a:ext uri="{FF2B5EF4-FFF2-40B4-BE49-F238E27FC236}">
@@ -28728,29 +31484,86 @@
         </p:nvSpPr>
         <p:spPr>
           <a:xfrm>
-            <a:off x="822960" y="286605"/>
-            <a:ext cx="7543800" cy="1137934"/>
+            <a:off x="586407" y="643467"/>
+            <a:ext cx="2600677" cy="5571066"/>
           </a:xfrm>
         </p:spPr>
         <p:txBody>
-          <a:bodyPr>
+          <a:bodyPr anchor="ctr">
             <a:normAutofit/>
           </a:bodyPr>
           <a:lstStyle/>
           <a:p>
             <a:r>
-              <a:rPr lang="en-US" sz="3600" dirty="0">
+              <a:rPr lang="en-US" sz="3500" dirty="0">
                 <a:solidFill>
-                  <a:schemeClr val="accent2"/>
+                  <a:srgbClr val="FFFFFF"/>
                 </a:solidFill>
               </a:rPr>
               <a:t>Step 8 — Testing &amp; Validation Strategy</a:t>
             </a:r>
-            <a:endParaRPr sz="3600" dirty="0">
-              <a:solidFill>
-                <a:schemeClr val="accent2"/>
-              </a:solidFill>
-            </a:endParaRPr>
+          </a:p>
+        </p:txBody>
+      </p:sp>
+      <p:sp>
+        <p:nvSpPr>
+          <p:cNvPr id="19" name="Rectangle 18">
+            <a:extLst>
+              <a:ext uri="{FF2B5EF4-FFF2-40B4-BE49-F238E27FC236}">
+                <a16:creationId xmlns:a16="http://schemas.microsoft.com/office/drawing/2014/main" id="{D238B743-4443-4735-BFC2-B514F64099E8}"/>
+              </a:ext>
+              <a:ext uri="{C183D7F6-B498-43B3-948B-1728B52AA6E4}">
+                <adec:decorative xmlns:adec="http://schemas.microsoft.com/office/drawing/2017/decorative" val="1"/>
+              </a:ext>
+            </a:extLst>
+          </p:cNvPr>
+          <p:cNvSpPr>
+            <a:spLocks noGrp="1" noRot="1" noChangeAspect="1" noMove="1" noResize="1" noEditPoints="1" noAdjustHandles="1" noChangeArrowheads="1" noChangeShapeType="1" noTextEdit="1"/>
+          </p:cNvSpPr>
+          <p:nvPr>
+            <p:extLst>
+              <p:ext uri="{386F3935-93C4-4BCD-93E2-E3B085C9AB24}">
+                <p16:designElem xmlns:p16="http://schemas.microsoft.com/office/powerpoint/2015/main" val="1"/>
+              </p:ext>
+            </p:extLst>
+          </p:nvPr>
+        </p:nvSpPr>
+        <p:spPr bwMode="white">
+          <a:xfrm>
+            <a:off x="3434229" y="0"/>
+            <a:ext cx="5709771" cy="6858000"/>
+          </a:xfrm>
+          <a:prstGeom prst="rect">
+            <a:avLst/>
+          </a:prstGeom>
+          <a:solidFill>
+            <a:schemeClr val="accent2"/>
+          </a:solidFill>
+          <a:ln>
+            <a:noFill/>
+          </a:ln>
+        </p:spPr>
+        <p:style>
+          <a:lnRef idx="2">
+            <a:schemeClr val="accent1">
+              <a:shade val="50000"/>
+            </a:schemeClr>
+          </a:lnRef>
+          <a:fillRef idx="1">
+            <a:schemeClr val="accent1"/>
+          </a:fillRef>
+          <a:effectRef idx="0">
+            <a:schemeClr val="accent1"/>
+          </a:effectRef>
+          <a:fontRef idx="minor">
+            <a:schemeClr val="lt1"/>
+          </a:fontRef>
+        </p:style>
+        <p:txBody>
+          <a:bodyPr/>
+          <a:lstStyle/>
+          <a:p>
+            <a:endParaRPr lang="en-US"/>
           </a:p>
         </p:txBody>
       </p:sp>
@@ -28772,59 +31585,322 @@
         </p:nvSpPr>
         <p:spPr>
           <a:xfrm>
-            <a:off x="558265" y="2028615"/>
-            <a:ext cx="8104472" cy="3563664"/>
+            <a:off x="3513221" y="288759"/>
+            <a:ext cx="5351646" cy="6121666"/>
           </a:xfrm>
         </p:spPr>
         <p:txBody>
-          <a:bodyPr>
+          <a:bodyPr anchor="ctr">
             <a:normAutofit/>
           </a:bodyPr>
           <a:lstStyle/>
           <a:p>
             <a:r>
-              <a:rPr lang="en-US" dirty="0"/>
-              <a:t>• Purpose: Verify runtime stability and configuration integrity within Databricks.  </a:t>
+              <a:rPr lang="en-US" sz="1200" b="1" dirty="0">
+                <a:solidFill>
+                  <a:srgbClr val="FFFFFF"/>
+                </a:solidFill>
+              </a:rPr>
+              <a:t>Purpose:</a:t>
+            </a:r>
+            <a:br>
+              <a:rPr lang="en-US" sz="1200" dirty="0">
+                <a:solidFill>
+                  <a:srgbClr val="FFFFFF"/>
+                </a:solidFill>
+              </a:rPr>
+            </a:br>
+            <a:r>
+              <a:rPr lang="en-US" sz="1200" dirty="0">
+                <a:solidFill>
+                  <a:srgbClr val="FFFFFF"/>
+                </a:solidFill>
+              </a:rPr>
+              <a:t>Validate runtime stability, configuration integrity, and Spark environment readiness through a formal, rubric-compliant testing framework.</a:t>
             </a:r>
           </a:p>
           <a:p>
             <a:r>
-              <a:rPr lang="en-US" dirty="0"/>
-              <a:t>• Scope: Configuration load, Spark session startup, and data-path validation.  </a:t>
+              <a:rPr lang="en-US" sz="1200" b="1" dirty="0">
+                <a:solidFill>
+                  <a:srgbClr val="FFFFFF"/>
+                </a:solidFill>
+              </a:rPr>
+              <a:t>Scope:</a:t>
+            </a:r>
+            <a:endParaRPr lang="en-US" sz="1200" dirty="0">
+              <a:solidFill>
+                <a:srgbClr val="FFFFFF"/>
+              </a:solidFill>
+            </a:endParaRPr>
+          </a:p>
+          <a:p>
+            <a:r>
+              <a:rPr lang="en-US" sz="1200" dirty="0">
+                <a:solidFill>
+                  <a:srgbClr val="FFFFFF"/>
+                </a:solidFill>
+              </a:rPr>
+              <a:t>Configuration load and path validation</a:t>
             </a:r>
           </a:p>
           <a:p>
             <a:r>
-              <a:rPr lang="en-US" dirty="0"/>
-              <a:t>• Tooling: Inline validation notebook (</a:t>
-            </a:r>
-            <a:r>
-              <a:rPr lang="en-US" dirty="0" err="1"/>
-              <a:t>Testing.ipynb</a:t>
-            </a:r>
-            <a:r>
-              <a:rPr lang="en-US" dirty="0"/>
-              <a:t>) executed directly in Databricks.  </a:t>
+              <a:rPr lang="en-US" sz="1200" dirty="0">
+                <a:solidFill>
+                  <a:srgbClr val="FFFFFF"/>
+                </a:solidFill>
+              </a:rPr>
+              <a:t>Spark session initialization</a:t>
             </a:r>
           </a:p>
           <a:p>
             <a:r>
-              <a:rPr lang="en-US" dirty="0"/>
-              <a:t>• Approach: Replaced </a:t>
+              <a:rPr lang="en-US" sz="1200" dirty="0">
+                <a:solidFill>
+                  <a:srgbClr val="FFFFFF"/>
+                </a:solidFill>
+              </a:rPr>
+              <a:t>Environment edge cases (empty </a:t>
             </a:r>
             <a:r>
-              <a:rPr lang="en-US" dirty="0" err="1"/>
-              <a:t>PyTest</a:t>
+              <a:rPr lang="en-US" sz="1200" dirty="0" err="1">
+                <a:solidFill>
+                  <a:srgbClr val="FFFFFF"/>
+                </a:solidFill>
+              </a:rPr>
+              <a:t>DataFrame</a:t>
             </a:r>
             <a:r>
-              <a:rPr lang="en-US" dirty="0"/>
-              <a:t> with in-notebook runtime checks due to Databricks subprocess isolation.  </a:t>
+              <a:rPr lang="en-US" sz="1200" dirty="0">
+                <a:solidFill>
+                  <a:srgbClr val="FFFFFF"/>
+                </a:solidFill>
+              </a:rPr>
+              <a:t>, invalid key access)</a:t>
             </a:r>
           </a:p>
           <a:p>
             <a:r>
-              <a:rPr lang="en-US" dirty="0"/>
-              <a:t>• Outcome: Streamlined, reliable validation of active Spark environment prior to deployment.</a:t>
+              <a:rPr lang="en-US" sz="1200" b="1" dirty="0">
+                <a:solidFill>
+                  <a:srgbClr val="FFFFFF"/>
+                </a:solidFill>
+              </a:rPr>
+              <a:t>Tooling:</a:t>
+            </a:r>
+            <a:endParaRPr lang="en-US" sz="1200" dirty="0">
+              <a:solidFill>
+                <a:srgbClr val="FFFFFF"/>
+              </a:solidFill>
+            </a:endParaRPr>
+          </a:p>
+          <a:p>
+            <a:r>
+              <a:rPr lang="en-US" sz="1200" b="1" dirty="0" err="1">
+                <a:solidFill>
+                  <a:srgbClr val="FFFFFF"/>
+                </a:solidFill>
+              </a:rPr>
+              <a:t>PyTest</a:t>
+            </a:r>
+            <a:r>
+              <a:rPr lang="en-US" sz="1200" b="1" dirty="0">
+                <a:solidFill>
+                  <a:srgbClr val="FFFFFF"/>
+                </a:solidFill>
+              </a:rPr>
+              <a:t> + </a:t>
+            </a:r>
+            <a:r>
+              <a:rPr lang="en-US" sz="1200" b="1" dirty="0" err="1">
+                <a:solidFill>
+                  <a:srgbClr val="FFFFFF"/>
+                </a:solidFill>
+              </a:rPr>
+              <a:t>PyTest</a:t>
+            </a:r>
+            <a:r>
+              <a:rPr lang="en-US" sz="1200" b="1" dirty="0">
+                <a:solidFill>
+                  <a:srgbClr val="FFFFFF"/>
+                </a:solidFill>
+              </a:rPr>
+              <a:t>-Cov</a:t>
+            </a:r>
+            <a:r>
+              <a:rPr lang="en-US" sz="1200" dirty="0">
+                <a:solidFill>
+                  <a:srgbClr val="FFFFFF"/>
+                </a:solidFill>
+              </a:rPr>
+              <a:t> for reproducible, unit-level testing</a:t>
+            </a:r>
+          </a:p>
+          <a:p>
+            <a:r>
+              <a:rPr lang="en-US" sz="1200" dirty="0">
+                <a:solidFill>
+                  <a:srgbClr val="FFFFFF"/>
+                </a:solidFill>
+              </a:rPr>
+              <a:t>Local + Databricks Repos execution compatibility</a:t>
+            </a:r>
+          </a:p>
+          <a:p>
+            <a:r>
+              <a:rPr lang="en-US" sz="1200" b="1" dirty="0">
+                <a:solidFill>
+                  <a:srgbClr val="FFFFFF"/>
+                </a:solidFill>
+              </a:rPr>
+              <a:t>Approach:</a:t>
+            </a:r>
+            <a:endParaRPr lang="en-US" sz="1200" dirty="0">
+              <a:solidFill>
+                <a:srgbClr val="FFFFFF"/>
+              </a:solidFill>
+            </a:endParaRPr>
+          </a:p>
+          <a:p>
+            <a:r>
+              <a:rPr lang="en-US" sz="1200" dirty="0">
+                <a:solidFill>
+                  <a:srgbClr val="FFFFFF"/>
+                </a:solidFill>
+              </a:rPr>
+              <a:t>Replaced notebook-only harness with modular </a:t>
+            </a:r>
+            <a:r>
+              <a:rPr lang="en-US" sz="1200" b="1" dirty="0" err="1">
+                <a:solidFill>
+                  <a:srgbClr val="FFFFFF"/>
+                </a:solidFill>
+              </a:rPr>
+              <a:t>PyTest</a:t>
+            </a:r>
+            <a:r>
+              <a:rPr lang="en-US" sz="1200" b="1" dirty="0">
+                <a:solidFill>
+                  <a:srgbClr val="FFFFFF"/>
+                </a:solidFill>
+              </a:rPr>
+              <a:t> suite</a:t>
+            </a:r>
+            <a:endParaRPr lang="en-US" sz="1200" dirty="0">
+              <a:solidFill>
+                <a:srgbClr val="FFFFFF"/>
+              </a:solidFill>
+            </a:endParaRPr>
+          </a:p>
+          <a:p>
+            <a:r>
+              <a:rPr lang="en-US" sz="1200" dirty="0">
+                <a:solidFill>
+                  <a:srgbClr val="FFFFFF"/>
+                </a:solidFill>
+              </a:rPr>
+              <a:t>Introduced fixtures for </a:t>
+            </a:r>
+            <a:r>
+              <a:rPr lang="en-US" sz="1200" dirty="0" err="1">
+                <a:solidFill>
+                  <a:srgbClr val="FFFFFF"/>
+                </a:solidFill>
+              </a:rPr>
+              <a:t>SparkSession</a:t>
+            </a:r>
+            <a:r>
+              <a:rPr lang="en-US" sz="1200" dirty="0">
+                <a:solidFill>
+                  <a:srgbClr val="FFFFFF"/>
+                </a:solidFill>
+              </a:rPr>
+              <a:t> and config.py imports</a:t>
+            </a:r>
+          </a:p>
+          <a:p>
+            <a:r>
+              <a:rPr lang="en-US" sz="1200" dirty="0">
+                <a:solidFill>
+                  <a:srgbClr val="FFFFFF"/>
+                </a:solidFill>
+              </a:rPr>
+              <a:t>Automated coverage reporting via </a:t>
+            </a:r>
+            <a:r>
+              <a:rPr lang="en-US" sz="1200" dirty="0" err="1">
+                <a:solidFill>
+                  <a:srgbClr val="FFFFFF"/>
+                </a:solidFill>
+              </a:rPr>
+              <a:t>pytest</a:t>
+            </a:r>
+            <a:r>
+              <a:rPr lang="en-US" sz="1200" dirty="0">
+                <a:solidFill>
+                  <a:srgbClr val="FFFFFF"/>
+                </a:solidFill>
+              </a:rPr>
+              <a:t> --</a:t>
+            </a:r>
+            <a:r>
+              <a:rPr lang="en-US" sz="1200" dirty="0" err="1">
+                <a:solidFill>
+                  <a:srgbClr val="FFFFFF"/>
+                </a:solidFill>
+              </a:rPr>
+              <a:t>cov</a:t>
+            </a:r>
+            <a:endParaRPr lang="en-US" sz="1200" dirty="0">
+              <a:solidFill>
+                <a:srgbClr val="FFFFFF"/>
+              </a:solidFill>
+            </a:endParaRPr>
+          </a:p>
+          <a:p>
+            <a:r>
+              <a:rPr lang="en-US" sz="1200" b="1" dirty="0">
+                <a:solidFill>
+                  <a:srgbClr val="FFFFFF"/>
+                </a:solidFill>
+              </a:rPr>
+              <a:t>Outcome:</a:t>
+            </a:r>
+            <a:endParaRPr lang="en-US" sz="1200" dirty="0">
+              <a:solidFill>
+                <a:srgbClr val="FFFFFF"/>
+              </a:solidFill>
+            </a:endParaRPr>
+          </a:p>
+          <a:p>
+            <a:r>
+              <a:rPr lang="en-US" sz="1200" dirty="0">
+                <a:solidFill>
+                  <a:srgbClr val="FFFFFF"/>
+                </a:solidFill>
+              </a:rPr>
+              <a:t>6 total tests executed, 0 failures</a:t>
+            </a:r>
+          </a:p>
+          <a:p>
+            <a:r>
+              <a:rPr lang="en-US" sz="1200" dirty="0">
+                <a:solidFill>
+                  <a:srgbClr val="FFFFFF"/>
+                </a:solidFill>
+              </a:rPr>
+              <a:t>~90% coverage across test suite</a:t>
+            </a:r>
+          </a:p>
+          <a:p>
+            <a:r>
+              <a:rPr lang="en-US" sz="1200" dirty="0">
+                <a:solidFill>
+                  <a:srgbClr val="FFFFFF"/>
+                </a:solidFill>
+              </a:rPr>
+              <a:t>Cross-environment validation achieved (Databricks + local)</a:t>
             </a:r>
           </a:p>
         </p:txBody>
@@ -28837,7 +31913,7 @@
     </p:extLst>
   </p:cSld>
   <p:clrMapOvr>
-    <a:masterClrMapping/>
+    <a:overrideClrMapping bg1="dk1" tx1="lt1" bg2="dk2" tx2="lt2" accent1="accent1" accent2="accent2" accent3="accent3" accent4="accent4" accent5="accent5" accent6="accent6" hlink="hlink" folHlink="folHlink"/>
   </p:clrMapOvr>
 </p:sld>
 </file>
@@ -28875,10 +31951,10 @@
       </p:grpSpPr>
       <p:sp useBgFill="1">
         <p:nvSpPr>
-          <p:cNvPr id="8" name="Rectangle 7">
+          <p:cNvPr id="17" name="Rectangle 16">
             <a:extLst>
               <a:ext uri="{FF2B5EF4-FFF2-40B4-BE49-F238E27FC236}">
-                <a16:creationId xmlns:a16="http://schemas.microsoft.com/office/drawing/2014/main" id="{CECF0FC6-D57B-48B6-9036-F4FFD91A4B34}"/>
+                <a16:creationId xmlns:a16="http://schemas.microsoft.com/office/drawing/2014/main" id="{FB5993E2-C02B-4335-ABA5-D8EC465551E3}"/>
               </a:ext>
               <a:ext uri="{C183D7F6-B498-43B3-948B-1728B52AA6E4}">
                 <adec:decorative xmlns:adec="http://schemas.microsoft.com/office/drawing/2017/decorative" val="1"/>
@@ -28935,157 +32011,10 @@
       </p:sp>
       <p:sp>
         <p:nvSpPr>
-          <p:cNvPr id="2" name="Title 1">
+          <p:cNvPr id="19" name="Rectangle 18">
             <a:extLst>
               <a:ext uri="{FF2B5EF4-FFF2-40B4-BE49-F238E27FC236}">
-                <a16:creationId xmlns:a16="http://schemas.microsoft.com/office/drawing/2014/main" id="{6FBBCAD1-A3A1-E0AF-0941-B5CAD5F9D649}"/>
-              </a:ext>
-            </a:extLst>
-          </p:cNvPr>
-          <p:cNvSpPr>
-            <a:spLocks noGrp="1"/>
-          </p:cNvSpPr>
-          <p:nvPr>
-            <p:ph type="title"/>
-          </p:nvPr>
-        </p:nvSpPr>
-        <p:spPr>
-          <a:xfrm>
-            <a:off x="743199" y="286603"/>
-            <a:ext cx="5063240" cy="1450757"/>
-          </a:xfrm>
-        </p:spPr>
-        <p:txBody>
-          <a:bodyPr>
-            <a:normAutofit/>
-          </a:bodyPr>
-          <a:lstStyle/>
-          <a:p>
-            <a:r>
-              <a:rPr lang="en-US" sz="4400">
-                <a:solidFill>
-                  <a:schemeClr val="accent2"/>
-                </a:solidFill>
-              </a:rPr>
-              <a:t>Step 8 — Runtime Validation Outcomes</a:t>
-            </a:r>
-          </a:p>
-        </p:txBody>
-      </p:sp>
-      <p:sp>
-        <p:nvSpPr>
-          <p:cNvPr id="3" name="Content Placeholder 2">
-            <a:extLst>
-              <a:ext uri="{FF2B5EF4-FFF2-40B4-BE49-F238E27FC236}">
-                <a16:creationId xmlns:a16="http://schemas.microsoft.com/office/drawing/2014/main" id="{320DEC39-9C41-D499-F1B7-2F7772F1F036}"/>
-              </a:ext>
-            </a:extLst>
-          </p:cNvPr>
-          <p:cNvSpPr>
-            <a:spLocks noGrp="1"/>
-          </p:cNvSpPr>
-          <p:nvPr>
-            <p:ph idx="1"/>
-          </p:nvPr>
-        </p:nvSpPr>
-        <p:spPr>
-          <a:xfrm>
-            <a:off x="783153" y="2023962"/>
-            <a:ext cx="5023286" cy="3845131"/>
-          </a:xfrm>
-        </p:spPr>
-        <p:txBody>
-          <a:bodyPr>
-            <a:normAutofit/>
-          </a:bodyPr>
-          <a:lstStyle/>
-          <a:p>
-            <a:r>
-              <a:rPr lang="en-US" sz="1100" b="1"/>
-              <a:t>Validation categories and outcomes:</a:t>
-            </a:r>
-          </a:p>
-          <a:p>
-            <a:r>
-              <a:rPr lang="en-US" sz="1100"/>
-              <a:t>✅ Config Import — config.py loaded successfully  </a:t>
-            </a:r>
-          </a:p>
-          <a:p>
-            <a:r>
-              <a:rPr lang="en-US" sz="1100"/>
-              <a:t>✅ Spark Session — Spark 3.5.0 initialized on Databricks Runtime 16 LTS  </a:t>
-            </a:r>
-          </a:p>
-          <a:p>
-            <a:r>
-              <a:rPr lang="en-US" sz="1100"/>
-              <a:t>✅ </a:t>
-            </a:r>
-            <a:r>
-              <a:rPr lang="en-US" sz="1100" err="1"/>
-              <a:t>DataFrame</a:t>
-            </a:r>
-            <a:r>
-              <a:rPr lang="en-US" sz="1100"/>
-              <a:t> Ops — sample transformation executed without error  </a:t>
-            </a:r>
-          </a:p>
-          <a:p>
-            <a:r>
-              <a:rPr lang="en-US" sz="1100"/>
-              <a:t>✅ Path Verification — all expected data directories resolved  </a:t>
-            </a:r>
-          </a:p>
-          <a:p>
-            <a:r>
-              <a:rPr lang="en-US" sz="1100"/>
-              <a:t>⚠️ Optional Checks — API keys for TMDB and </a:t>
-            </a:r>
-            <a:r>
-              <a:rPr lang="en-US" sz="1100" err="1"/>
-              <a:t>Discogs</a:t>
-            </a:r>
-            <a:r>
-              <a:rPr lang="en-US" sz="1100"/>
-              <a:t> detected when provided  </a:t>
-            </a:r>
-          </a:p>
-          <a:p>
-            <a:endParaRPr lang="en-US" sz="1100"/>
-          </a:p>
-          <a:p>
-            <a:r>
-              <a:rPr lang="en-US" sz="1100" b="1"/>
-              <a:t>Result Summary:  </a:t>
-            </a:r>
-          </a:p>
-          <a:p>
-            <a:r>
-              <a:rPr lang="en-US" sz="1100"/>
-              <a:t>• All critical runtime validations passed.  </a:t>
-            </a:r>
-          </a:p>
-          <a:p>
-            <a:r>
-              <a:rPr lang="en-US" sz="1100"/>
-              <a:t>• No dependency or configuration errors observed.  </a:t>
-            </a:r>
-          </a:p>
-          <a:p>
-            <a:r>
-              <a:rPr lang="en-US" sz="1100"/>
-              <a:t>• Environment confirmed stable for full dataset execution.</a:t>
-            </a:r>
-          </a:p>
-        </p:txBody>
-      </p:sp>
-      <p:sp>
-        <p:nvSpPr>
-          <p:cNvPr id="10" name="Rectangle 9">
-            <a:extLst>
-              <a:ext uri="{FF2B5EF4-FFF2-40B4-BE49-F238E27FC236}">
-                <a16:creationId xmlns:a16="http://schemas.microsoft.com/office/drawing/2014/main" id="{717A211C-5863-4303-AC3D-AEBFDF6D6A4C}"/>
+                <a16:creationId xmlns:a16="http://schemas.microsoft.com/office/drawing/2014/main" id="{C0B801A2-5622-4BE8-9AD2-C337A2CD0022}"/>
               </a:ext>
               <a:ext uri="{C183D7F6-B498-43B3-948B-1728B52AA6E4}">
                 <adec:decorative xmlns:adec="http://schemas.microsoft.com/office/drawing/2017/decorative" val="1"/>
@@ -29105,7 +32034,7 @@
         </p:nvSpPr>
         <p:spPr>
           <a:xfrm>
-            <a:off x="6108112" y="0"/>
+            <a:off x="12" y="0"/>
             <a:ext cx="3038093" cy="6858000"/>
           </a:xfrm>
           <a:prstGeom prst="rect">
@@ -29144,10 +32073,49 @@
       </p:sp>
       <p:sp>
         <p:nvSpPr>
-          <p:cNvPr id="12" name="Rectangle 11">
+          <p:cNvPr id="2" name="Title 1">
             <a:extLst>
               <a:ext uri="{FF2B5EF4-FFF2-40B4-BE49-F238E27FC236}">
-                <a16:creationId xmlns:a16="http://schemas.microsoft.com/office/drawing/2014/main" id="{087519CD-2FFF-42E3-BB0C-FEAA828BA5DB}"/>
+                <a16:creationId xmlns:a16="http://schemas.microsoft.com/office/drawing/2014/main" id="{6FBBCAD1-A3A1-E0AF-0941-B5CAD5F9D649}"/>
+              </a:ext>
+            </a:extLst>
+          </p:cNvPr>
+          <p:cNvSpPr>
+            <a:spLocks noGrp="1"/>
+          </p:cNvSpPr>
+          <p:nvPr>
+            <p:ph type="title"/>
+          </p:nvPr>
+        </p:nvSpPr>
+        <p:spPr>
+          <a:xfrm>
+            <a:off x="369277" y="516835"/>
+            <a:ext cx="2313633" cy="5772840"/>
+          </a:xfrm>
+        </p:spPr>
+        <p:txBody>
+          <a:bodyPr anchor="ctr">
+            <a:normAutofit/>
+          </a:bodyPr>
+          <a:lstStyle/>
+          <a:p>
+            <a:r>
+              <a:rPr lang="en-US" sz="3100" dirty="0">
+                <a:solidFill>
+                  <a:srgbClr val="FFFFFF"/>
+                </a:solidFill>
+              </a:rPr>
+              <a:t>Step 8 — Runtime Validation Outcomes</a:t>
+            </a:r>
+          </a:p>
+        </p:txBody>
+      </p:sp>
+      <p:sp>
+        <p:nvSpPr>
+          <p:cNvPr id="21" name="Rectangle 20">
+            <a:extLst>
+              <a:ext uri="{FF2B5EF4-FFF2-40B4-BE49-F238E27FC236}">
+                <a16:creationId xmlns:a16="http://schemas.microsoft.com/office/drawing/2014/main" id="{B7AF614F-5BC3-4086-99F5-B87C5847A071}"/>
               </a:ext>
               <a:ext uri="{C183D7F6-B498-43B3-948B-1728B52AA6E4}">
                 <adec:decorative xmlns:adec="http://schemas.microsoft.com/office/drawing/2017/decorative" val="1"/>
@@ -29167,7 +32135,7 @@
         </p:nvSpPr>
         <p:spPr>
           <a:xfrm>
-            <a:off x="6099617" y="0"/>
+            <a:off x="3030053" y="0"/>
             <a:ext cx="48006" cy="6858000"/>
           </a:xfrm>
           <a:prstGeom prst="rect">
@@ -29204,6 +32172,1187 @@
           </a:p>
         </p:txBody>
       </p:sp>
+      <p:sp>
+        <p:nvSpPr>
+          <p:cNvPr id="7" name="Content Placeholder 6">
+            <a:extLst>
+              <a:ext uri="{FF2B5EF4-FFF2-40B4-BE49-F238E27FC236}">
+                <a16:creationId xmlns:a16="http://schemas.microsoft.com/office/drawing/2014/main" id="{B0BD04C5-75D8-C1A3-8645-36C6D00B301B}"/>
+              </a:ext>
+            </a:extLst>
+          </p:cNvPr>
+          <p:cNvSpPr>
+            <a:spLocks noGrp="1"/>
+          </p:cNvSpPr>
+          <p:nvPr>
+            <p:ph idx="1"/>
+          </p:nvPr>
+        </p:nvSpPr>
+        <p:spPr>
+          <a:xfrm>
+            <a:off x="3407369" y="1845733"/>
+            <a:ext cx="5573002" cy="4443941"/>
+          </a:xfrm>
+        </p:spPr>
+        <p:txBody>
+          <a:bodyPr>
+            <a:normAutofit fontScale="85000" lnSpcReduction="20000"/>
+          </a:bodyPr>
+          <a:lstStyle/>
+          <a:p>
+            <a:endParaRPr lang="en-US" dirty="0"/>
+          </a:p>
+          <a:p>
+            <a:endParaRPr lang="en-US" dirty="0"/>
+          </a:p>
+          <a:p>
+            <a:endParaRPr lang="en-US" dirty="0"/>
+          </a:p>
+          <a:p>
+            <a:endParaRPr lang="en-US" dirty="0"/>
+          </a:p>
+          <a:p>
+            <a:endParaRPr lang="en-US" dirty="0"/>
+          </a:p>
+          <a:p>
+            <a:endParaRPr lang="en-US" dirty="0"/>
+          </a:p>
+          <a:p>
+            <a:endParaRPr lang="en-US" dirty="0"/>
+          </a:p>
+          <a:p>
+            <a:endParaRPr lang="en-US" dirty="0"/>
+          </a:p>
+          <a:p>
+            <a:endParaRPr lang="en-US" b="1" dirty="0"/>
+          </a:p>
+          <a:p>
+            <a:r>
+              <a:rPr lang="en-US" sz="2200" b="1" dirty="0"/>
+              <a:t>Results Summary:</a:t>
+            </a:r>
+          </a:p>
+          <a:p>
+            <a:r>
+              <a:rPr lang="en-US" sz="2400" dirty="0"/>
+              <a:t>✔ </a:t>
+            </a:r>
+            <a:r>
+              <a:rPr lang="en-US" sz="2200" dirty="0"/>
+              <a:t>All six tests passed in 7.29 s</a:t>
+            </a:r>
+            <a:br>
+              <a:rPr lang="en-US" sz="2200" dirty="0"/>
+            </a:br>
+            <a:r>
+              <a:rPr lang="en-US" sz="2400" dirty="0"/>
+              <a:t>✔ </a:t>
+            </a:r>
+            <a:r>
+              <a:rPr lang="en-US" sz="2200" dirty="0"/>
+              <a:t>Coverage: 90 % overall (100 % core fixtures/config)</a:t>
+            </a:r>
+            <a:br>
+              <a:rPr lang="en-US" sz="2200" dirty="0"/>
+            </a:br>
+            <a:r>
+              <a:rPr lang="en-US" sz="2400" dirty="0"/>
+              <a:t>✔ </a:t>
+            </a:r>
+            <a:r>
+              <a:rPr lang="en-US" sz="2200" dirty="0"/>
+              <a:t>Environment stable, regression-ready for scaling</a:t>
+            </a:r>
+          </a:p>
+          <a:p>
+            <a:endParaRPr lang="en-US" dirty="0"/>
+          </a:p>
+        </p:txBody>
+      </p:sp>
+      <p:graphicFrame>
+        <p:nvGraphicFramePr>
+          <p:cNvPr id="9" name="Content Placeholder 4">
+            <a:extLst>
+              <a:ext uri="{FF2B5EF4-FFF2-40B4-BE49-F238E27FC236}">
+                <a16:creationId xmlns:a16="http://schemas.microsoft.com/office/drawing/2014/main" id="{10E53931-ED93-8703-F1EA-27F68E9E35C5}"/>
+              </a:ext>
+            </a:extLst>
+          </p:cNvPr>
+          <p:cNvGraphicFramePr>
+            <a:graphicFrameLocks/>
+          </p:cNvGraphicFramePr>
+          <p:nvPr>
+            <p:extLst>
+              <p:ext uri="{D42A27DB-BD31-4B8C-83A1-F6EECF244321}">
+                <p14:modId xmlns:p14="http://schemas.microsoft.com/office/powerpoint/2010/main" val="3043245531"/>
+              </p:ext>
+            </p:extLst>
+          </p:nvPr>
+        </p:nvGraphicFramePr>
+        <p:xfrm>
+          <a:off x="3456779" y="410801"/>
+          <a:ext cx="5218327" cy="4584712"/>
+        </p:xfrm>
+        <a:graphic>
+          <a:graphicData uri="http://schemas.openxmlformats.org/drawingml/2006/table">
+            <a:tbl>
+              <a:tblPr/>
+              <a:tblGrid>
+                <a:gridCol w="1874168">
+                  <a:extLst>
+                    <a:ext uri="{9D8B030D-6E8A-4147-A177-3AD203B41FA5}">
+                      <a16:colId xmlns:a16="http://schemas.microsoft.com/office/drawing/2014/main" val="2549302269"/>
+                    </a:ext>
+                  </a:extLst>
+                </a:gridCol>
+                <a:gridCol w="1956338">
+                  <a:extLst>
+                    <a:ext uri="{9D8B030D-6E8A-4147-A177-3AD203B41FA5}">
+                      <a16:colId xmlns:a16="http://schemas.microsoft.com/office/drawing/2014/main" val="1492783015"/>
+                    </a:ext>
+                  </a:extLst>
+                </a:gridCol>
+                <a:gridCol w="1387821">
+                  <a:extLst>
+                    <a:ext uri="{9D8B030D-6E8A-4147-A177-3AD203B41FA5}">
+                      <a16:colId xmlns:a16="http://schemas.microsoft.com/office/drawing/2014/main" val="3312280169"/>
+                    </a:ext>
+                  </a:extLst>
+                </a:gridCol>
+              </a:tblGrid>
+              <a:tr h="386219">
+                <a:tc>
+                  <a:txBody>
+                    <a:bodyPr/>
+                    <a:lstStyle/>
+                    <a:p>
+                      <a:pPr algn="ctr">
+                        <a:buNone/>
+                      </a:pPr>
+                      <a:r>
+                        <a:rPr lang="en-US" sz="1600" b="1"/>
+                        <a:t>Category</a:t>
+                      </a:r>
+                      <a:endParaRPr lang="en-US" sz="1600" b="1" dirty="0"/>
+                    </a:p>
+                  </a:txBody>
+                  <a:tcPr marL="83236" marR="83236" marT="41618" marB="41618" anchor="ctr">
+                    <a:lnL w="12700" cap="flat" cmpd="sng" algn="ctr">
+                      <a:solidFill>
+                        <a:schemeClr val="tx1"/>
+                      </a:solidFill>
+                      <a:prstDash val="solid"/>
+                      <a:round/>
+                      <a:headEnd type="none" w="med" len="med"/>
+                      <a:tailEnd type="none" w="med" len="med"/>
+                    </a:lnL>
+                    <a:lnR w="12700" cap="flat" cmpd="sng" algn="ctr">
+                      <a:solidFill>
+                        <a:schemeClr val="tx1"/>
+                      </a:solidFill>
+                      <a:prstDash val="solid"/>
+                      <a:round/>
+                      <a:headEnd type="none" w="med" len="med"/>
+                      <a:tailEnd type="none" w="med" len="med"/>
+                    </a:lnR>
+                    <a:lnT w="12700" cap="flat" cmpd="sng" algn="ctr">
+                      <a:solidFill>
+                        <a:schemeClr val="tx1"/>
+                      </a:solidFill>
+                      <a:prstDash val="solid"/>
+                      <a:round/>
+                      <a:headEnd type="none" w="med" len="med"/>
+                      <a:tailEnd type="none" w="med" len="med"/>
+                    </a:lnT>
+                    <a:lnB w="12700" cap="flat" cmpd="sng" algn="ctr">
+                      <a:solidFill>
+                        <a:schemeClr val="tx1"/>
+                      </a:solidFill>
+                      <a:prstDash val="solid"/>
+                      <a:round/>
+                      <a:headEnd type="none" w="med" len="med"/>
+                      <a:tailEnd type="none" w="med" len="med"/>
+                    </a:lnB>
+                    <a:noFill/>
+                  </a:tcPr>
+                </a:tc>
+                <a:tc>
+                  <a:txBody>
+                    <a:bodyPr/>
+                    <a:lstStyle/>
+                    <a:p>
+                      <a:pPr algn="ctr">
+                        <a:buNone/>
+                      </a:pPr>
+                      <a:r>
+                        <a:rPr lang="en-US" sz="1600" b="1"/>
+                        <a:t>Validation Target</a:t>
+                      </a:r>
+                    </a:p>
+                  </a:txBody>
+                  <a:tcPr marL="83236" marR="83236" marT="41618" marB="41618" anchor="ctr">
+                    <a:lnL w="12700" cap="flat" cmpd="sng" algn="ctr">
+                      <a:solidFill>
+                        <a:schemeClr val="tx1"/>
+                      </a:solidFill>
+                      <a:prstDash val="solid"/>
+                      <a:round/>
+                      <a:headEnd type="none" w="med" len="med"/>
+                      <a:tailEnd type="none" w="med" len="med"/>
+                    </a:lnL>
+                    <a:lnR w="12700" cap="flat" cmpd="sng" algn="ctr">
+                      <a:solidFill>
+                        <a:schemeClr val="tx1"/>
+                      </a:solidFill>
+                      <a:prstDash val="solid"/>
+                      <a:round/>
+                      <a:headEnd type="none" w="med" len="med"/>
+                      <a:tailEnd type="none" w="med" len="med"/>
+                    </a:lnR>
+                    <a:lnT w="12700" cap="flat" cmpd="sng" algn="ctr">
+                      <a:solidFill>
+                        <a:schemeClr val="tx1"/>
+                      </a:solidFill>
+                      <a:prstDash val="solid"/>
+                      <a:round/>
+                      <a:headEnd type="none" w="med" len="med"/>
+                      <a:tailEnd type="none" w="med" len="med"/>
+                    </a:lnT>
+                    <a:lnB w="12700" cap="flat" cmpd="sng" algn="ctr">
+                      <a:solidFill>
+                        <a:schemeClr val="tx1"/>
+                      </a:solidFill>
+                      <a:prstDash val="solid"/>
+                      <a:round/>
+                      <a:headEnd type="none" w="med" len="med"/>
+                      <a:tailEnd type="none" w="med" len="med"/>
+                    </a:lnB>
+                    <a:noFill/>
+                  </a:tcPr>
+                </a:tc>
+                <a:tc>
+                  <a:txBody>
+                    <a:bodyPr/>
+                    <a:lstStyle/>
+                    <a:p>
+                      <a:pPr algn="ctr">
+                        <a:buNone/>
+                      </a:pPr>
+                      <a:r>
+                        <a:rPr lang="en-US" sz="1600" b="1" dirty="0"/>
+                        <a:t>Result</a:t>
+                      </a:r>
+                    </a:p>
+                  </a:txBody>
+                  <a:tcPr marL="83236" marR="83236" marT="41618" marB="41618" anchor="ctr">
+                    <a:lnL w="12700" cap="flat" cmpd="sng" algn="ctr">
+                      <a:solidFill>
+                        <a:schemeClr val="tx1"/>
+                      </a:solidFill>
+                      <a:prstDash val="solid"/>
+                      <a:round/>
+                      <a:headEnd type="none" w="med" len="med"/>
+                      <a:tailEnd type="none" w="med" len="med"/>
+                    </a:lnL>
+                    <a:lnR w="12700" cap="flat" cmpd="sng" algn="ctr">
+                      <a:solidFill>
+                        <a:schemeClr val="tx1"/>
+                      </a:solidFill>
+                      <a:prstDash val="solid"/>
+                      <a:round/>
+                      <a:headEnd type="none" w="med" len="med"/>
+                      <a:tailEnd type="none" w="med" len="med"/>
+                    </a:lnR>
+                    <a:lnT w="12700" cap="flat" cmpd="sng" algn="ctr">
+                      <a:solidFill>
+                        <a:schemeClr val="tx1"/>
+                      </a:solidFill>
+                      <a:prstDash val="solid"/>
+                      <a:round/>
+                      <a:headEnd type="none" w="med" len="med"/>
+                      <a:tailEnd type="none" w="med" len="med"/>
+                    </a:lnT>
+                    <a:lnB w="12700" cap="flat" cmpd="sng" algn="ctr">
+                      <a:solidFill>
+                        <a:schemeClr val="tx1"/>
+                      </a:solidFill>
+                      <a:prstDash val="solid"/>
+                      <a:round/>
+                      <a:headEnd type="none" w="med" len="med"/>
+                      <a:tailEnd type="none" w="med" len="med"/>
+                    </a:lnB>
+                    <a:noFill/>
+                  </a:tcPr>
+                </a:tc>
+                <a:extLst>
+                  <a:ext uri="{0D108BD9-81ED-4DB2-BD59-A6C34878D82A}">
+                    <a16:rowId xmlns:a16="http://schemas.microsoft.com/office/drawing/2014/main" val="1997496124"/>
+                  </a:ext>
+                </a:extLst>
+              </a:tr>
+              <a:tr h="1142019">
+                <a:tc>
+                  <a:txBody>
+                    <a:bodyPr/>
+                    <a:lstStyle/>
+                    <a:p>
+                      <a:pPr>
+                        <a:buNone/>
+                      </a:pPr>
+                      <a:r>
+                        <a:rPr lang="en-US" sz="1600"/>
+                        <a:t>Config Import</a:t>
+                      </a:r>
+                    </a:p>
+                  </a:txBody>
+                  <a:tcPr marL="83236" marR="83236" marT="41618" marB="41618" anchor="ctr">
+                    <a:lnL w="12700" cap="flat" cmpd="sng" algn="ctr">
+                      <a:solidFill>
+                        <a:schemeClr val="tx1"/>
+                      </a:solidFill>
+                      <a:prstDash val="solid"/>
+                      <a:round/>
+                      <a:headEnd type="none" w="med" len="med"/>
+                      <a:tailEnd type="none" w="med" len="med"/>
+                    </a:lnL>
+                    <a:lnR w="12700" cap="flat" cmpd="sng" algn="ctr">
+                      <a:solidFill>
+                        <a:schemeClr val="tx1"/>
+                      </a:solidFill>
+                      <a:prstDash val="solid"/>
+                      <a:round/>
+                      <a:headEnd type="none" w="med" len="med"/>
+                      <a:tailEnd type="none" w="med" len="med"/>
+                    </a:lnR>
+                    <a:lnT w="12700" cap="flat" cmpd="sng" algn="ctr">
+                      <a:solidFill>
+                        <a:schemeClr val="tx1"/>
+                      </a:solidFill>
+                      <a:prstDash val="solid"/>
+                      <a:round/>
+                      <a:headEnd type="none" w="med" len="med"/>
+                      <a:tailEnd type="none" w="med" len="med"/>
+                    </a:lnT>
+                    <a:lnB w="12700" cap="flat" cmpd="sng" algn="ctr">
+                      <a:solidFill>
+                        <a:schemeClr val="tx1"/>
+                      </a:solidFill>
+                      <a:prstDash val="solid"/>
+                      <a:round/>
+                      <a:headEnd type="none" w="med" len="med"/>
+                      <a:tailEnd type="none" w="med" len="med"/>
+                    </a:lnB>
+                    <a:noFill/>
+                  </a:tcPr>
+                </a:tc>
+                <a:tc>
+                  <a:txBody>
+                    <a:bodyPr/>
+                    <a:lstStyle/>
+                    <a:p>
+                      <a:pPr>
+                        <a:buNone/>
+                      </a:pPr>
+                      <a:r>
+                        <a:rPr lang="en-US" sz="1600">
+                          <a:latin typeface="Courier New" panose="02070309020205020404" pitchFamily="49" charset="0"/>
+                        </a:rPr>
+                        <a:t>config.py</a:t>
+                      </a:r>
+                      <a:r>
+                        <a:rPr lang="en-US" sz="1600"/>
+                        <a:t> constants, local &amp; ADLS path integrity</a:t>
+                      </a:r>
+                    </a:p>
+                  </a:txBody>
+                  <a:tcPr marL="83236" marR="83236" marT="41618" marB="41618" anchor="ctr">
+                    <a:lnL w="12700" cap="flat" cmpd="sng" algn="ctr">
+                      <a:solidFill>
+                        <a:schemeClr val="tx1"/>
+                      </a:solidFill>
+                      <a:prstDash val="solid"/>
+                      <a:round/>
+                      <a:headEnd type="none" w="med" len="med"/>
+                      <a:tailEnd type="none" w="med" len="med"/>
+                    </a:lnL>
+                    <a:lnR w="12700" cap="flat" cmpd="sng" algn="ctr">
+                      <a:solidFill>
+                        <a:schemeClr val="tx1"/>
+                      </a:solidFill>
+                      <a:prstDash val="solid"/>
+                      <a:round/>
+                      <a:headEnd type="none" w="med" len="med"/>
+                      <a:tailEnd type="none" w="med" len="med"/>
+                    </a:lnR>
+                    <a:lnT w="12700" cap="flat" cmpd="sng" algn="ctr">
+                      <a:solidFill>
+                        <a:schemeClr val="tx1"/>
+                      </a:solidFill>
+                      <a:prstDash val="solid"/>
+                      <a:round/>
+                      <a:headEnd type="none" w="med" len="med"/>
+                      <a:tailEnd type="none" w="med" len="med"/>
+                    </a:lnT>
+                    <a:lnB w="12700" cap="flat" cmpd="sng" algn="ctr">
+                      <a:solidFill>
+                        <a:schemeClr val="tx1"/>
+                      </a:solidFill>
+                      <a:prstDash val="solid"/>
+                      <a:round/>
+                      <a:headEnd type="none" w="med" len="med"/>
+                      <a:tailEnd type="none" w="med" len="med"/>
+                    </a:lnB>
+                    <a:noFill/>
+                  </a:tcPr>
+                </a:tc>
+                <a:tc>
+                  <a:txBody>
+                    <a:bodyPr/>
+                    <a:lstStyle/>
+                    <a:p>
+                      <a:pPr>
+                        <a:buNone/>
+                      </a:pPr>
+                      <a:r>
+                        <a:rPr lang="en-US" sz="1600"/>
+                        <a:t>✅ Passed</a:t>
+                      </a:r>
+                    </a:p>
+                  </a:txBody>
+                  <a:tcPr marL="83236" marR="83236" marT="41618" marB="41618" anchor="ctr">
+                    <a:lnL w="12700" cap="flat" cmpd="sng" algn="ctr">
+                      <a:solidFill>
+                        <a:schemeClr val="tx1"/>
+                      </a:solidFill>
+                      <a:prstDash val="solid"/>
+                      <a:round/>
+                      <a:headEnd type="none" w="med" len="med"/>
+                      <a:tailEnd type="none" w="med" len="med"/>
+                    </a:lnL>
+                    <a:lnR w="12700" cap="flat" cmpd="sng" algn="ctr">
+                      <a:solidFill>
+                        <a:schemeClr val="tx1"/>
+                      </a:solidFill>
+                      <a:prstDash val="solid"/>
+                      <a:round/>
+                      <a:headEnd type="none" w="med" len="med"/>
+                      <a:tailEnd type="none" w="med" len="med"/>
+                    </a:lnR>
+                    <a:lnT w="12700" cap="flat" cmpd="sng" algn="ctr">
+                      <a:solidFill>
+                        <a:schemeClr val="tx1"/>
+                      </a:solidFill>
+                      <a:prstDash val="solid"/>
+                      <a:round/>
+                      <a:headEnd type="none" w="med" len="med"/>
+                      <a:tailEnd type="none" w="med" len="med"/>
+                    </a:lnT>
+                    <a:lnB w="12700" cap="flat" cmpd="sng" algn="ctr">
+                      <a:solidFill>
+                        <a:schemeClr val="tx1"/>
+                      </a:solidFill>
+                      <a:prstDash val="solid"/>
+                      <a:round/>
+                      <a:headEnd type="none" w="med" len="med"/>
+                      <a:tailEnd type="none" w="med" len="med"/>
+                    </a:lnB>
+                    <a:noFill/>
+                  </a:tcPr>
+                </a:tc>
+                <a:extLst>
+                  <a:ext uri="{0D108BD9-81ED-4DB2-BD59-A6C34878D82A}">
+                    <a16:rowId xmlns:a16="http://schemas.microsoft.com/office/drawing/2014/main" val="190115446"/>
+                  </a:ext>
+                </a:extLst>
+              </a:tr>
+              <a:tr h="890086">
+                <a:tc>
+                  <a:txBody>
+                    <a:bodyPr/>
+                    <a:lstStyle/>
+                    <a:p>
+                      <a:pPr>
+                        <a:buNone/>
+                      </a:pPr>
+                      <a:r>
+                        <a:rPr lang="en-US" sz="1600" dirty="0"/>
+                        <a:t>Spark Session</a:t>
+                      </a:r>
+                    </a:p>
+                  </a:txBody>
+                  <a:tcPr marL="83236" marR="83236" marT="41618" marB="41618" anchor="ctr">
+                    <a:lnL w="12700" cap="flat" cmpd="sng" algn="ctr">
+                      <a:solidFill>
+                        <a:schemeClr val="tx1"/>
+                      </a:solidFill>
+                      <a:prstDash val="solid"/>
+                      <a:round/>
+                      <a:headEnd type="none" w="med" len="med"/>
+                      <a:tailEnd type="none" w="med" len="med"/>
+                    </a:lnL>
+                    <a:lnR w="12700" cap="flat" cmpd="sng" algn="ctr">
+                      <a:solidFill>
+                        <a:schemeClr val="tx1"/>
+                      </a:solidFill>
+                      <a:prstDash val="solid"/>
+                      <a:round/>
+                      <a:headEnd type="none" w="med" len="med"/>
+                      <a:tailEnd type="none" w="med" len="med"/>
+                    </a:lnR>
+                    <a:lnT w="12700" cap="flat" cmpd="sng" algn="ctr">
+                      <a:solidFill>
+                        <a:schemeClr val="tx1"/>
+                      </a:solidFill>
+                      <a:prstDash val="solid"/>
+                      <a:round/>
+                      <a:headEnd type="none" w="med" len="med"/>
+                      <a:tailEnd type="none" w="med" len="med"/>
+                    </a:lnT>
+                    <a:lnB w="12700" cap="flat" cmpd="sng" algn="ctr">
+                      <a:solidFill>
+                        <a:schemeClr val="tx1"/>
+                      </a:solidFill>
+                      <a:prstDash val="solid"/>
+                      <a:round/>
+                      <a:headEnd type="none" w="med" len="med"/>
+                      <a:tailEnd type="none" w="med" len="med"/>
+                    </a:lnB>
+                    <a:noFill/>
+                  </a:tcPr>
+                </a:tc>
+                <a:tc>
+                  <a:txBody>
+                    <a:bodyPr/>
+                    <a:lstStyle/>
+                    <a:p>
+                      <a:pPr>
+                        <a:buNone/>
+                      </a:pPr>
+                      <a:r>
+                        <a:rPr lang="en-US" sz="1600" dirty="0"/>
+                        <a:t>Fixture-based session startup and teardown</a:t>
+                      </a:r>
+                    </a:p>
+                  </a:txBody>
+                  <a:tcPr marL="83236" marR="83236" marT="41618" marB="41618" anchor="ctr">
+                    <a:lnL w="12700" cap="flat" cmpd="sng" algn="ctr">
+                      <a:solidFill>
+                        <a:schemeClr val="tx1"/>
+                      </a:solidFill>
+                      <a:prstDash val="solid"/>
+                      <a:round/>
+                      <a:headEnd type="none" w="med" len="med"/>
+                      <a:tailEnd type="none" w="med" len="med"/>
+                    </a:lnL>
+                    <a:lnR w="12700" cap="flat" cmpd="sng" algn="ctr">
+                      <a:solidFill>
+                        <a:schemeClr val="tx1"/>
+                      </a:solidFill>
+                      <a:prstDash val="solid"/>
+                      <a:round/>
+                      <a:headEnd type="none" w="med" len="med"/>
+                      <a:tailEnd type="none" w="med" len="med"/>
+                    </a:lnR>
+                    <a:lnT w="12700" cap="flat" cmpd="sng" algn="ctr">
+                      <a:solidFill>
+                        <a:schemeClr val="tx1"/>
+                      </a:solidFill>
+                      <a:prstDash val="solid"/>
+                      <a:round/>
+                      <a:headEnd type="none" w="med" len="med"/>
+                      <a:tailEnd type="none" w="med" len="med"/>
+                    </a:lnT>
+                    <a:lnB w="12700" cap="flat" cmpd="sng" algn="ctr">
+                      <a:solidFill>
+                        <a:schemeClr val="tx1"/>
+                      </a:solidFill>
+                      <a:prstDash val="solid"/>
+                      <a:round/>
+                      <a:headEnd type="none" w="med" len="med"/>
+                      <a:tailEnd type="none" w="med" len="med"/>
+                    </a:lnB>
+                    <a:noFill/>
+                  </a:tcPr>
+                </a:tc>
+                <a:tc>
+                  <a:txBody>
+                    <a:bodyPr/>
+                    <a:lstStyle/>
+                    <a:p>
+                      <a:pPr>
+                        <a:buNone/>
+                      </a:pPr>
+                      <a:r>
+                        <a:rPr lang="en-US" sz="1600"/>
+                        <a:t>✅ Passed</a:t>
+                      </a:r>
+                    </a:p>
+                  </a:txBody>
+                  <a:tcPr marL="83236" marR="83236" marT="41618" marB="41618" anchor="ctr">
+                    <a:lnL w="12700" cap="flat" cmpd="sng" algn="ctr">
+                      <a:solidFill>
+                        <a:schemeClr val="tx1"/>
+                      </a:solidFill>
+                      <a:prstDash val="solid"/>
+                      <a:round/>
+                      <a:headEnd type="none" w="med" len="med"/>
+                      <a:tailEnd type="none" w="med" len="med"/>
+                    </a:lnL>
+                    <a:lnR w="12700" cap="flat" cmpd="sng" algn="ctr">
+                      <a:solidFill>
+                        <a:schemeClr val="tx1"/>
+                      </a:solidFill>
+                      <a:prstDash val="solid"/>
+                      <a:round/>
+                      <a:headEnd type="none" w="med" len="med"/>
+                      <a:tailEnd type="none" w="med" len="med"/>
+                    </a:lnR>
+                    <a:lnT w="12700" cap="flat" cmpd="sng" algn="ctr">
+                      <a:solidFill>
+                        <a:schemeClr val="tx1"/>
+                      </a:solidFill>
+                      <a:prstDash val="solid"/>
+                      <a:round/>
+                      <a:headEnd type="none" w="med" len="med"/>
+                      <a:tailEnd type="none" w="med" len="med"/>
+                    </a:lnT>
+                    <a:lnB w="12700" cap="flat" cmpd="sng" algn="ctr">
+                      <a:solidFill>
+                        <a:schemeClr val="tx1"/>
+                      </a:solidFill>
+                      <a:prstDash val="solid"/>
+                      <a:round/>
+                      <a:headEnd type="none" w="med" len="med"/>
+                      <a:tailEnd type="none" w="med" len="med"/>
+                    </a:lnB>
+                    <a:noFill/>
+                  </a:tcPr>
+                </a:tc>
+                <a:extLst>
+                  <a:ext uri="{0D108BD9-81ED-4DB2-BD59-A6C34878D82A}">
+                    <a16:rowId xmlns:a16="http://schemas.microsoft.com/office/drawing/2014/main" val="1879953655"/>
+                  </a:ext>
+                </a:extLst>
+              </a:tr>
+              <a:tr h="638151">
+                <a:tc>
+                  <a:txBody>
+                    <a:bodyPr/>
+                    <a:lstStyle/>
+                    <a:p>
+                      <a:pPr>
+                        <a:buNone/>
+                      </a:pPr>
+                      <a:r>
+                        <a:rPr lang="en-US" sz="1600"/>
+                        <a:t>Path Verification</a:t>
+                      </a:r>
+                    </a:p>
+                  </a:txBody>
+                  <a:tcPr marL="83236" marR="83236" marT="41618" marB="41618" anchor="ctr">
+                    <a:lnL w="12700" cap="flat" cmpd="sng" algn="ctr">
+                      <a:solidFill>
+                        <a:schemeClr val="tx1"/>
+                      </a:solidFill>
+                      <a:prstDash val="solid"/>
+                      <a:round/>
+                      <a:headEnd type="none" w="med" len="med"/>
+                      <a:tailEnd type="none" w="med" len="med"/>
+                    </a:lnL>
+                    <a:lnR w="12700" cap="flat" cmpd="sng" algn="ctr">
+                      <a:solidFill>
+                        <a:schemeClr val="tx1"/>
+                      </a:solidFill>
+                      <a:prstDash val="solid"/>
+                      <a:round/>
+                      <a:headEnd type="none" w="med" len="med"/>
+                      <a:tailEnd type="none" w="med" len="med"/>
+                    </a:lnR>
+                    <a:lnT w="12700" cap="flat" cmpd="sng" algn="ctr">
+                      <a:solidFill>
+                        <a:schemeClr val="tx1"/>
+                      </a:solidFill>
+                      <a:prstDash val="solid"/>
+                      <a:round/>
+                      <a:headEnd type="none" w="med" len="med"/>
+                      <a:tailEnd type="none" w="med" len="med"/>
+                    </a:lnT>
+                    <a:lnB w="12700" cap="flat" cmpd="sng" algn="ctr">
+                      <a:solidFill>
+                        <a:schemeClr val="tx1"/>
+                      </a:solidFill>
+                      <a:prstDash val="solid"/>
+                      <a:round/>
+                      <a:headEnd type="none" w="med" len="med"/>
+                      <a:tailEnd type="none" w="med" len="med"/>
+                    </a:lnB>
+                    <a:noFill/>
+                  </a:tcPr>
+                </a:tc>
+                <a:tc>
+                  <a:txBody>
+                    <a:bodyPr/>
+                    <a:lstStyle/>
+                    <a:p>
+                      <a:pPr>
+                        <a:buNone/>
+                      </a:pPr>
+                      <a:r>
+                        <a:rPr lang="en-US" sz="1600"/>
+                        <a:t>Directory creation and I/O checks</a:t>
+                      </a:r>
+                    </a:p>
+                  </a:txBody>
+                  <a:tcPr marL="83236" marR="83236" marT="41618" marB="41618" anchor="ctr">
+                    <a:lnL w="12700" cap="flat" cmpd="sng" algn="ctr">
+                      <a:solidFill>
+                        <a:schemeClr val="tx1"/>
+                      </a:solidFill>
+                      <a:prstDash val="solid"/>
+                      <a:round/>
+                      <a:headEnd type="none" w="med" len="med"/>
+                      <a:tailEnd type="none" w="med" len="med"/>
+                    </a:lnL>
+                    <a:lnR w="12700" cap="flat" cmpd="sng" algn="ctr">
+                      <a:solidFill>
+                        <a:schemeClr val="tx1"/>
+                      </a:solidFill>
+                      <a:prstDash val="solid"/>
+                      <a:round/>
+                      <a:headEnd type="none" w="med" len="med"/>
+                      <a:tailEnd type="none" w="med" len="med"/>
+                    </a:lnR>
+                    <a:lnT w="12700" cap="flat" cmpd="sng" algn="ctr">
+                      <a:solidFill>
+                        <a:schemeClr val="tx1"/>
+                      </a:solidFill>
+                      <a:prstDash val="solid"/>
+                      <a:round/>
+                      <a:headEnd type="none" w="med" len="med"/>
+                      <a:tailEnd type="none" w="med" len="med"/>
+                    </a:lnT>
+                    <a:lnB w="12700" cap="flat" cmpd="sng" algn="ctr">
+                      <a:solidFill>
+                        <a:schemeClr val="tx1"/>
+                      </a:solidFill>
+                      <a:prstDash val="solid"/>
+                      <a:round/>
+                      <a:headEnd type="none" w="med" len="med"/>
+                      <a:tailEnd type="none" w="med" len="med"/>
+                    </a:lnB>
+                    <a:noFill/>
+                  </a:tcPr>
+                </a:tc>
+                <a:tc>
+                  <a:txBody>
+                    <a:bodyPr/>
+                    <a:lstStyle/>
+                    <a:p>
+                      <a:pPr>
+                        <a:buNone/>
+                      </a:pPr>
+                      <a:r>
+                        <a:rPr lang="en-US" sz="1600"/>
+                        <a:t>✅ Passed</a:t>
+                      </a:r>
+                    </a:p>
+                  </a:txBody>
+                  <a:tcPr marL="83236" marR="83236" marT="41618" marB="41618" anchor="ctr">
+                    <a:lnL w="12700" cap="flat" cmpd="sng" algn="ctr">
+                      <a:solidFill>
+                        <a:schemeClr val="tx1"/>
+                      </a:solidFill>
+                      <a:prstDash val="solid"/>
+                      <a:round/>
+                      <a:headEnd type="none" w="med" len="med"/>
+                      <a:tailEnd type="none" w="med" len="med"/>
+                    </a:lnL>
+                    <a:lnR w="12700" cap="flat" cmpd="sng" algn="ctr">
+                      <a:solidFill>
+                        <a:schemeClr val="tx1"/>
+                      </a:solidFill>
+                      <a:prstDash val="solid"/>
+                      <a:round/>
+                      <a:headEnd type="none" w="med" len="med"/>
+                      <a:tailEnd type="none" w="med" len="med"/>
+                    </a:lnR>
+                    <a:lnT w="12700" cap="flat" cmpd="sng" algn="ctr">
+                      <a:solidFill>
+                        <a:schemeClr val="tx1"/>
+                      </a:solidFill>
+                      <a:prstDash val="solid"/>
+                      <a:round/>
+                      <a:headEnd type="none" w="med" len="med"/>
+                      <a:tailEnd type="none" w="med" len="med"/>
+                    </a:lnT>
+                    <a:lnB w="12700" cap="flat" cmpd="sng" algn="ctr">
+                      <a:solidFill>
+                        <a:schemeClr val="tx1"/>
+                      </a:solidFill>
+                      <a:prstDash val="solid"/>
+                      <a:round/>
+                      <a:headEnd type="none" w="med" len="med"/>
+                      <a:tailEnd type="none" w="med" len="med"/>
+                    </a:lnB>
+                    <a:noFill/>
+                  </a:tcPr>
+                </a:tc>
+                <a:extLst>
+                  <a:ext uri="{0D108BD9-81ED-4DB2-BD59-A6C34878D82A}">
+                    <a16:rowId xmlns:a16="http://schemas.microsoft.com/office/drawing/2014/main" val="1538563853"/>
+                  </a:ext>
+                </a:extLst>
+              </a:tr>
+              <a:tr h="638151">
+                <a:tc>
+                  <a:txBody>
+                    <a:bodyPr/>
+                    <a:lstStyle/>
+                    <a:p>
+                      <a:pPr>
+                        <a:buNone/>
+                      </a:pPr>
+                      <a:r>
+                        <a:rPr lang="en-US" sz="1600"/>
+                        <a:t>Edge Case – Empty DF</a:t>
+                      </a:r>
+                    </a:p>
+                  </a:txBody>
+                  <a:tcPr marL="83236" marR="83236" marT="41618" marB="41618" anchor="ctr">
+                    <a:lnL w="12700" cap="flat" cmpd="sng" algn="ctr">
+                      <a:solidFill>
+                        <a:schemeClr val="tx1"/>
+                      </a:solidFill>
+                      <a:prstDash val="solid"/>
+                      <a:round/>
+                      <a:headEnd type="none" w="med" len="med"/>
+                      <a:tailEnd type="none" w="med" len="med"/>
+                    </a:lnL>
+                    <a:lnR w="12700" cap="flat" cmpd="sng" algn="ctr">
+                      <a:solidFill>
+                        <a:schemeClr val="tx1"/>
+                      </a:solidFill>
+                      <a:prstDash val="solid"/>
+                      <a:round/>
+                      <a:headEnd type="none" w="med" len="med"/>
+                      <a:tailEnd type="none" w="med" len="med"/>
+                    </a:lnR>
+                    <a:lnT w="12700" cap="flat" cmpd="sng" algn="ctr">
+                      <a:solidFill>
+                        <a:schemeClr val="tx1"/>
+                      </a:solidFill>
+                      <a:prstDash val="solid"/>
+                      <a:round/>
+                      <a:headEnd type="none" w="med" len="med"/>
+                      <a:tailEnd type="none" w="med" len="med"/>
+                    </a:lnT>
+                    <a:lnB w="12700" cap="flat" cmpd="sng" algn="ctr">
+                      <a:solidFill>
+                        <a:schemeClr val="tx1"/>
+                      </a:solidFill>
+                      <a:prstDash val="solid"/>
+                      <a:round/>
+                      <a:headEnd type="none" w="med" len="med"/>
+                      <a:tailEnd type="none" w="med" len="med"/>
+                    </a:lnB>
+                    <a:noFill/>
+                  </a:tcPr>
+                </a:tc>
+                <a:tc>
+                  <a:txBody>
+                    <a:bodyPr/>
+                    <a:lstStyle/>
+                    <a:p>
+                      <a:pPr>
+                        <a:buNone/>
+                      </a:pPr>
+                      <a:r>
+                        <a:rPr lang="en-US" sz="1600"/>
+                        <a:t>Empty DataFrame returns zero rows</a:t>
+                      </a:r>
+                    </a:p>
+                  </a:txBody>
+                  <a:tcPr marL="83236" marR="83236" marT="41618" marB="41618" anchor="ctr">
+                    <a:lnL w="12700" cap="flat" cmpd="sng" algn="ctr">
+                      <a:solidFill>
+                        <a:schemeClr val="tx1"/>
+                      </a:solidFill>
+                      <a:prstDash val="solid"/>
+                      <a:round/>
+                      <a:headEnd type="none" w="med" len="med"/>
+                      <a:tailEnd type="none" w="med" len="med"/>
+                    </a:lnL>
+                    <a:lnR w="12700" cap="flat" cmpd="sng" algn="ctr">
+                      <a:solidFill>
+                        <a:schemeClr val="tx1"/>
+                      </a:solidFill>
+                      <a:prstDash val="solid"/>
+                      <a:round/>
+                      <a:headEnd type="none" w="med" len="med"/>
+                      <a:tailEnd type="none" w="med" len="med"/>
+                    </a:lnR>
+                    <a:lnT w="12700" cap="flat" cmpd="sng" algn="ctr">
+                      <a:solidFill>
+                        <a:schemeClr val="tx1"/>
+                      </a:solidFill>
+                      <a:prstDash val="solid"/>
+                      <a:round/>
+                      <a:headEnd type="none" w="med" len="med"/>
+                      <a:tailEnd type="none" w="med" len="med"/>
+                    </a:lnT>
+                    <a:lnB w="12700" cap="flat" cmpd="sng" algn="ctr">
+                      <a:solidFill>
+                        <a:schemeClr val="tx1"/>
+                      </a:solidFill>
+                      <a:prstDash val="solid"/>
+                      <a:round/>
+                      <a:headEnd type="none" w="med" len="med"/>
+                      <a:tailEnd type="none" w="med" len="med"/>
+                    </a:lnB>
+                    <a:noFill/>
+                  </a:tcPr>
+                </a:tc>
+                <a:tc>
+                  <a:txBody>
+                    <a:bodyPr/>
+                    <a:lstStyle/>
+                    <a:p>
+                      <a:pPr>
+                        <a:buNone/>
+                      </a:pPr>
+                      <a:r>
+                        <a:rPr lang="en-US" sz="1600"/>
+                        <a:t>✅ Passed</a:t>
+                      </a:r>
+                      <a:endParaRPr lang="en-US" sz="1600" dirty="0"/>
+                    </a:p>
+                  </a:txBody>
+                  <a:tcPr marL="83236" marR="83236" marT="41618" marB="41618" anchor="ctr">
+                    <a:lnL w="12700" cap="flat" cmpd="sng" algn="ctr">
+                      <a:solidFill>
+                        <a:schemeClr val="tx1"/>
+                      </a:solidFill>
+                      <a:prstDash val="solid"/>
+                      <a:round/>
+                      <a:headEnd type="none" w="med" len="med"/>
+                      <a:tailEnd type="none" w="med" len="med"/>
+                    </a:lnL>
+                    <a:lnR w="12700" cap="flat" cmpd="sng" algn="ctr">
+                      <a:solidFill>
+                        <a:schemeClr val="tx1"/>
+                      </a:solidFill>
+                      <a:prstDash val="solid"/>
+                      <a:round/>
+                      <a:headEnd type="none" w="med" len="med"/>
+                      <a:tailEnd type="none" w="med" len="med"/>
+                    </a:lnR>
+                    <a:lnT w="12700" cap="flat" cmpd="sng" algn="ctr">
+                      <a:solidFill>
+                        <a:schemeClr val="tx1"/>
+                      </a:solidFill>
+                      <a:prstDash val="solid"/>
+                      <a:round/>
+                      <a:headEnd type="none" w="med" len="med"/>
+                      <a:tailEnd type="none" w="med" len="med"/>
+                    </a:lnT>
+                    <a:lnB w="12700" cap="flat" cmpd="sng" algn="ctr">
+                      <a:solidFill>
+                        <a:schemeClr val="tx1"/>
+                      </a:solidFill>
+                      <a:prstDash val="solid"/>
+                      <a:round/>
+                      <a:headEnd type="none" w="med" len="med"/>
+                      <a:tailEnd type="none" w="med" len="med"/>
+                    </a:lnB>
+                    <a:noFill/>
+                  </a:tcPr>
+                </a:tc>
+                <a:extLst>
+                  <a:ext uri="{0D108BD9-81ED-4DB2-BD59-A6C34878D82A}">
+                    <a16:rowId xmlns:a16="http://schemas.microsoft.com/office/drawing/2014/main" val="737598098"/>
+                  </a:ext>
+                </a:extLst>
+              </a:tr>
+              <a:tr h="890086">
+                <a:tc>
+                  <a:txBody>
+                    <a:bodyPr/>
+                    <a:lstStyle/>
+                    <a:p>
+                      <a:pPr>
+                        <a:buNone/>
+                      </a:pPr>
+                      <a:r>
+                        <a:rPr lang="en-US" sz="1600" dirty="0"/>
+                        <a:t>Edge Case – Config Key</a:t>
+                      </a:r>
+                    </a:p>
+                  </a:txBody>
+                  <a:tcPr marL="83236" marR="83236" marT="41618" marB="41618" anchor="ctr">
+                    <a:lnL w="12700" cap="flat" cmpd="sng" algn="ctr">
+                      <a:solidFill>
+                        <a:schemeClr val="tx1"/>
+                      </a:solidFill>
+                      <a:prstDash val="solid"/>
+                      <a:round/>
+                      <a:headEnd type="none" w="med" len="med"/>
+                      <a:tailEnd type="none" w="med" len="med"/>
+                    </a:lnL>
+                    <a:lnR w="12700" cap="flat" cmpd="sng" algn="ctr">
+                      <a:solidFill>
+                        <a:schemeClr val="tx1"/>
+                      </a:solidFill>
+                      <a:prstDash val="solid"/>
+                      <a:round/>
+                      <a:headEnd type="none" w="med" len="med"/>
+                      <a:tailEnd type="none" w="med" len="med"/>
+                    </a:lnR>
+                    <a:lnT w="12700" cap="flat" cmpd="sng" algn="ctr">
+                      <a:solidFill>
+                        <a:schemeClr val="tx1"/>
+                      </a:solidFill>
+                      <a:prstDash val="solid"/>
+                      <a:round/>
+                      <a:headEnd type="none" w="med" len="med"/>
+                      <a:tailEnd type="none" w="med" len="med"/>
+                    </a:lnT>
+                    <a:lnB w="12700" cap="flat" cmpd="sng" algn="ctr">
+                      <a:solidFill>
+                        <a:schemeClr val="tx1"/>
+                      </a:solidFill>
+                      <a:prstDash val="solid"/>
+                      <a:round/>
+                      <a:headEnd type="none" w="med" len="med"/>
+                      <a:tailEnd type="none" w="med" len="med"/>
+                    </a:lnB>
+                    <a:noFill/>
+                  </a:tcPr>
+                </a:tc>
+                <a:tc>
+                  <a:txBody>
+                    <a:bodyPr/>
+                    <a:lstStyle/>
+                    <a:p>
+                      <a:pPr>
+                        <a:buNone/>
+                      </a:pPr>
+                      <a:r>
+                        <a:rPr lang="en-US" sz="1600" dirty="0"/>
+                        <a:t>Invalid key raises expected </a:t>
+                      </a:r>
+                      <a:r>
+                        <a:rPr lang="en-US" sz="1600" dirty="0" err="1">
+                          <a:latin typeface="Courier New" panose="02070309020205020404" pitchFamily="49" charset="0"/>
+                        </a:rPr>
+                        <a:t>KeyError</a:t>
+                      </a:r>
+                      <a:endParaRPr lang="en-US" sz="1600" dirty="0"/>
+                    </a:p>
+                  </a:txBody>
+                  <a:tcPr marL="83236" marR="83236" marT="41618" marB="41618" anchor="ctr">
+                    <a:lnL w="12700" cap="flat" cmpd="sng" algn="ctr">
+                      <a:solidFill>
+                        <a:schemeClr val="tx1"/>
+                      </a:solidFill>
+                      <a:prstDash val="solid"/>
+                      <a:round/>
+                      <a:headEnd type="none" w="med" len="med"/>
+                      <a:tailEnd type="none" w="med" len="med"/>
+                    </a:lnL>
+                    <a:lnR w="12700" cap="flat" cmpd="sng" algn="ctr">
+                      <a:solidFill>
+                        <a:schemeClr val="tx1"/>
+                      </a:solidFill>
+                      <a:prstDash val="solid"/>
+                      <a:round/>
+                      <a:headEnd type="none" w="med" len="med"/>
+                      <a:tailEnd type="none" w="med" len="med"/>
+                    </a:lnR>
+                    <a:lnT w="12700" cap="flat" cmpd="sng" algn="ctr">
+                      <a:solidFill>
+                        <a:schemeClr val="tx1"/>
+                      </a:solidFill>
+                      <a:prstDash val="solid"/>
+                      <a:round/>
+                      <a:headEnd type="none" w="med" len="med"/>
+                      <a:tailEnd type="none" w="med" len="med"/>
+                    </a:lnT>
+                    <a:lnB w="12700" cap="flat" cmpd="sng" algn="ctr">
+                      <a:solidFill>
+                        <a:schemeClr val="tx1"/>
+                      </a:solidFill>
+                      <a:prstDash val="solid"/>
+                      <a:round/>
+                      <a:headEnd type="none" w="med" len="med"/>
+                      <a:tailEnd type="none" w="med" len="med"/>
+                    </a:lnB>
+                    <a:noFill/>
+                  </a:tcPr>
+                </a:tc>
+                <a:tc>
+                  <a:txBody>
+                    <a:bodyPr/>
+                    <a:lstStyle/>
+                    <a:p>
+                      <a:pPr>
+                        <a:buNone/>
+                      </a:pPr>
+                      <a:r>
+                        <a:rPr lang="en-US" sz="1600" dirty="0"/>
+                        <a:t>✅ Passed</a:t>
+                      </a:r>
+                    </a:p>
+                  </a:txBody>
+                  <a:tcPr marL="83236" marR="83236" marT="41618" marB="41618" anchor="ctr">
+                    <a:lnL w="12700" cap="flat" cmpd="sng" algn="ctr">
+                      <a:solidFill>
+                        <a:schemeClr val="tx1"/>
+                      </a:solidFill>
+                      <a:prstDash val="solid"/>
+                      <a:round/>
+                      <a:headEnd type="none" w="med" len="med"/>
+                      <a:tailEnd type="none" w="med" len="med"/>
+                    </a:lnL>
+                    <a:lnR w="12700" cap="flat" cmpd="sng" algn="ctr">
+                      <a:solidFill>
+                        <a:schemeClr val="tx1"/>
+                      </a:solidFill>
+                      <a:prstDash val="solid"/>
+                      <a:round/>
+                      <a:headEnd type="none" w="med" len="med"/>
+                      <a:tailEnd type="none" w="med" len="med"/>
+                    </a:lnR>
+                    <a:lnT w="12700" cap="flat" cmpd="sng" algn="ctr">
+                      <a:solidFill>
+                        <a:schemeClr val="tx1"/>
+                      </a:solidFill>
+                      <a:prstDash val="solid"/>
+                      <a:round/>
+                      <a:headEnd type="none" w="med" len="med"/>
+                      <a:tailEnd type="none" w="med" len="med"/>
+                    </a:lnT>
+                    <a:lnB w="12700" cap="flat" cmpd="sng" algn="ctr">
+                      <a:solidFill>
+                        <a:schemeClr val="tx1"/>
+                      </a:solidFill>
+                      <a:prstDash val="solid"/>
+                      <a:round/>
+                      <a:headEnd type="none" w="med" len="med"/>
+                      <a:tailEnd type="none" w="med" len="med"/>
+                    </a:lnB>
+                    <a:noFill/>
+                  </a:tcPr>
+                </a:tc>
+                <a:extLst>
+                  <a:ext uri="{0D108BD9-81ED-4DB2-BD59-A6C34878D82A}">
+                    <a16:rowId xmlns:a16="http://schemas.microsoft.com/office/drawing/2014/main" val="2044260070"/>
+                  </a:ext>
+                </a:extLst>
+              </a:tr>
+            </a:tbl>
+          </a:graphicData>
+        </a:graphic>
+      </p:graphicFrame>
     </p:spTree>
     <p:extLst>
       <p:ext uri="{BB962C8B-B14F-4D97-AF65-F5344CB8AC3E}">
@@ -29218,6 +33367,304 @@
 </file>
 
 <file path=ppt/slides/slide26.xml><?xml version="1.0" encoding="utf-8"?>
+<p:sld xmlns:a="http://schemas.openxmlformats.org/drawingml/2006/main" xmlns:r="http://schemas.openxmlformats.org/officeDocument/2006/relationships" xmlns:p="http://schemas.openxmlformats.org/presentationml/2006/main">
+  <p:cSld>
+    <p:bg>
+      <p:bgPr>
+        <a:solidFill>
+          <a:schemeClr val="bg1"/>
+        </a:solidFill>
+        <a:effectLst/>
+      </p:bgPr>
+    </p:bg>
+    <p:spTree>
+      <p:nvGrpSpPr>
+        <p:cNvPr id="1" name="">
+          <a:extLst>
+            <a:ext uri="{FF2B5EF4-FFF2-40B4-BE49-F238E27FC236}">
+              <a16:creationId xmlns:a16="http://schemas.microsoft.com/office/drawing/2014/main" id="{4F451477-BF2C-5917-9171-3D6FDF5AD216}"/>
+            </a:ext>
+          </a:extLst>
+        </p:cNvPr>
+        <p:cNvGrpSpPr/>
+        <p:nvPr/>
+      </p:nvGrpSpPr>
+      <p:grpSpPr>
+        <a:xfrm>
+          <a:off x="0" y="0"/>
+          <a:ext cx="0" cy="0"/>
+          <a:chOff x="0" y="0"/>
+          <a:chExt cx="0" cy="0"/>
+        </a:xfrm>
+      </p:grpSpPr>
+      <p:sp useBgFill="1">
+        <p:nvSpPr>
+          <p:cNvPr id="18" name="Rectangle 17">
+            <a:extLst>
+              <a:ext uri="{FF2B5EF4-FFF2-40B4-BE49-F238E27FC236}">
+                <a16:creationId xmlns:a16="http://schemas.microsoft.com/office/drawing/2014/main" id="{FB5993E2-C02B-4335-ABA5-D8EC465551E3}"/>
+              </a:ext>
+              <a:ext uri="{C183D7F6-B498-43B3-948B-1728B52AA6E4}">
+                <adec:decorative xmlns:adec="http://schemas.microsoft.com/office/drawing/2017/decorative" val="1"/>
+              </a:ext>
+            </a:extLst>
+          </p:cNvPr>
+          <p:cNvSpPr>
+            <a:spLocks noGrp="1" noRot="1" noChangeAspect="1" noMove="1" noResize="1" noEditPoints="1" noAdjustHandles="1" noChangeArrowheads="1" noChangeShapeType="1" noTextEdit="1"/>
+          </p:cNvSpPr>
+          <p:nvPr>
+            <p:extLst>
+              <p:ext uri="{386F3935-93C4-4BCD-93E2-E3B085C9AB24}">
+                <p16:designElem xmlns:p16="http://schemas.microsoft.com/office/powerpoint/2015/main" val="1"/>
+              </p:ext>
+            </p:extLst>
+          </p:nvPr>
+        </p:nvSpPr>
+        <p:spPr>
+          <a:xfrm>
+            <a:off x="0" y="0"/>
+            <a:ext cx="9139736" cy="6858000"/>
+          </a:xfrm>
+          <a:prstGeom prst="rect">
+            <a:avLst/>
+          </a:prstGeom>
+          <a:ln>
+            <a:noFill/>
+          </a:ln>
+        </p:spPr>
+        <p:style>
+          <a:lnRef idx="2">
+            <a:schemeClr val="accent6">
+              <a:shade val="50000"/>
+            </a:schemeClr>
+          </a:lnRef>
+          <a:fillRef idx="1001">
+            <a:schemeClr val="lt1"/>
+          </a:fillRef>
+          <a:effectRef idx="0">
+            <a:schemeClr val="accent6"/>
+          </a:effectRef>
+          <a:fontRef idx="minor">
+            <a:schemeClr val="lt1"/>
+          </a:fontRef>
+        </p:style>
+        <p:txBody>
+          <a:bodyPr rtlCol="0" anchor="ctr"/>
+          <a:lstStyle/>
+          <a:p>
+            <a:pPr algn="ctr"/>
+            <a:endParaRPr lang="en-US"/>
+          </a:p>
+        </p:txBody>
+      </p:sp>
+      <p:sp>
+        <p:nvSpPr>
+          <p:cNvPr id="20" name="Rectangle 19">
+            <a:extLst>
+              <a:ext uri="{FF2B5EF4-FFF2-40B4-BE49-F238E27FC236}">
+                <a16:creationId xmlns:a16="http://schemas.microsoft.com/office/drawing/2014/main" id="{C0B801A2-5622-4BE8-9AD2-C337A2CD0022}"/>
+              </a:ext>
+              <a:ext uri="{C183D7F6-B498-43B3-948B-1728B52AA6E4}">
+                <adec:decorative xmlns:adec="http://schemas.microsoft.com/office/drawing/2017/decorative" val="1"/>
+              </a:ext>
+            </a:extLst>
+          </p:cNvPr>
+          <p:cNvSpPr>
+            <a:spLocks noGrp="1" noRot="1" noChangeAspect="1" noMove="1" noResize="1" noEditPoints="1" noAdjustHandles="1" noChangeArrowheads="1" noChangeShapeType="1" noTextEdit="1"/>
+          </p:cNvSpPr>
+          <p:nvPr>
+            <p:extLst>
+              <p:ext uri="{386F3935-93C4-4BCD-93E2-E3B085C9AB24}">
+                <p16:designElem xmlns:p16="http://schemas.microsoft.com/office/powerpoint/2015/main" val="1"/>
+              </p:ext>
+            </p:extLst>
+          </p:nvPr>
+        </p:nvSpPr>
+        <p:spPr>
+          <a:xfrm>
+            <a:off x="12" y="0"/>
+            <a:ext cx="3038093" cy="6858000"/>
+          </a:xfrm>
+          <a:prstGeom prst="rect">
+            <a:avLst/>
+          </a:prstGeom>
+          <a:solidFill>
+            <a:schemeClr val="accent2"/>
+          </a:solidFill>
+          <a:ln>
+            <a:noFill/>
+          </a:ln>
+        </p:spPr>
+        <p:style>
+          <a:lnRef idx="2">
+            <a:schemeClr val="accent1">
+              <a:shade val="50000"/>
+            </a:schemeClr>
+          </a:lnRef>
+          <a:fillRef idx="1">
+            <a:schemeClr val="accent1"/>
+          </a:fillRef>
+          <a:effectRef idx="0">
+            <a:schemeClr val="accent1"/>
+          </a:effectRef>
+          <a:fontRef idx="minor">
+            <a:schemeClr val="lt1"/>
+          </a:fontRef>
+        </p:style>
+        <p:txBody>
+          <a:bodyPr/>
+          <a:lstStyle/>
+          <a:p>
+            <a:endParaRPr lang="en-US"/>
+          </a:p>
+        </p:txBody>
+      </p:sp>
+      <p:sp>
+        <p:nvSpPr>
+          <p:cNvPr id="2" name="Title 1">
+            <a:extLst>
+              <a:ext uri="{FF2B5EF4-FFF2-40B4-BE49-F238E27FC236}">
+                <a16:creationId xmlns:a16="http://schemas.microsoft.com/office/drawing/2014/main" id="{B9EF7D90-8F4B-CDAE-4616-ECD92D0C1861}"/>
+              </a:ext>
+            </a:extLst>
+          </p:cNvPr>
+          <p:cNvSpPr>
+            <a:spLocks noGrp="1"/>
+          </p:cNvSpPr>
+          <p:nvPr>
+            <p:ph type="title"/>
+          </p:nvPr>
+        </p:nvSpPr>
+        <p:spPr>
+          <a:xfrm>
+            <a:off x="369277" y="516835"/>
+            <a:ext cx="2313633" cy="5772840"/>
+          </a:xfrm>
+        </p:spPr>
+        <p:txBody>
+          <a:bodyPr anchor="ctr">
+            <a:normAutofit/>
+          </a:bodyPr>
+          <a:lstStyle/>
+          <a:p>
+            <a:r>
+              <a:rPr lang="en-US" sz="3100">
+                <a:solidFill>
+                  <a:srgbClr val="FFFFFF"/>
+                </a:solidFill>
+              </a:rPr>
+              <a:t>Step 8 — Evidence &amp; Artifacts </a:t>
+            </a:r>
+          </a:p>
+        </p:txBody>
+      </p:sp>
+      <p:sp>
+        <p:nvSpPr>
+          <p:cNvPr id="22" name="Rectangle 21">
+            <a:extLst>
+              <a:ext uri="{FF2B5EF4-FFF2-40B4-BE49-F238E27FC236}">
+                <a16:creationId xmlns:a16="http://schemas.microsoft.com/office/drawing/2014/main" id="{B7AF614F-5BC3-4086-99F5-B87C5847A071}"/>
+              </a:ext>
+              <a:ext uri="{C183D7F6-B498-43B3-948B-1728B52AA6E4}">
+                <adec:decorative xmlns:adec="http://schemas.microsoft.com/office/drawing/2017/decorative" val="1"/>
+              </a:ext>
+            </a:extLst>
+          </p:cNvPr>
+          <p:cNvSpPr>
+            <a:spLocks noGrp="1" noRot="1" noChangeAspect="1" noMove="1" noResize="1" noEditPoints="1" noAdjustHandles="1" noChangeArrowheads="1" noChangeShapeType="1" noTextEdit="1"/>
+          </p:cNvSpPr>
+          <p:nvPr>
+            <p:extLst>
+              <p:ext uri="{386F3935-93C4-4BCD-93E2-E3B085C9AB24}">
+                <p16:designElem xmlns:p16="http://schemas.microsoft.com/office/powerpoint/2015/main" val="1"/>
+              </p:ext>
+            </p:extLst>
+          </p:nvPr>
+        </p:nvSpPr>
+        <p:spPr>
+          <a:xfrm>
+            <a:off x="3030053" y="0"/>
+            <a:ext cx="48006" cy="6858000"/>
+          </a:xfrm>
+          <a:prstGeom prst="rect">
+            <a:avLst/>
+          </a:prstGeom>
+          <a:solidFill>
+            <a:schemeClr val="accent1"/>
+          </a:solidFill>
+          <a:ln>
+            <a:noFill/>
+          </a:ln>
+        </p:spPr>
+        <p:style>
+          <a:lnRef idx="2">
+            <a:schemeClr val="accent1">
+              <a:shade val="50000"/>
+            </a:schemeClr>
+          </a:lnRef>
+          <a:fillRef idx="1">
+            <a:schemeClr val="accent1"/>
+          </a:fillRef>
+          <a:effectRef idx="0">
+            <a:schemeClr val="accent1"/>
+          </a:effectRef>
+          <a:fontRef idx="minor">
+            <a:schemeClr val="lt1"/>
+          </a:fontRef>
+        </p:style>
+        <p:txBody>
+          <a:bodyPr/>
+          <a:lstStyle/>
+          <a:p>
+            <a:endParaRPr lang="en-US"/>
+          </a:p>
+        </p:txBody>
+      </p:sp>
+      <p:graphicFrame>
+        <p:nvGraphicFramePr>
+          <p:cNvPr id="14" name="Content Placeholder 2">
+            <a:extLst>
+              <a:ext uri="{FF2B5EF4-FFF2-40B4-BE49-F238E27FC236}">
+                <a16:creationId xmlns:a16="http://schemas.microsoft.com/office/drawing/2014/main" id="{30C2804B-6529-23BC-BA5D-BFCF053C23F1}"/>
+              </a:ext>
+            </a:extLst>
+          </p:cNvPr>
+          <p:cNvGraphicFramePr>
+            <a:graphicFrameLocks noGrp="1"/>
+          </p:cNvGraphicFramePr>
+          <p:nvPr>
+            <p:ph idx="1"/>
+            <p:extLst>
+              <p:ext uri="{D42A27DB-BD31-4B8C-83A1-F6EECF244321}">
+                <p14:modId xmlns:p14="http://schemas.microsoft.com/office/powerpoint/2010/main" val="1901090433"/>
+              </p:ext>
+            </p:extLst>
+          </p:nvPr>
+        </p:nvGraphicFramePr>
+        <p:xfrm>
+          <a:off x="3556397" y="639763"/>
+          <a:ext cx="5098256" cy="5649912"/>
+        </p:xfrm>
+        <a:graphic>
+          <a:graphicData uri="http://schemas.openxmlformats.org/drawingml/2006/diagram">
+            <dgm:relIds xmlns:dgm="http://schemas.openxmlformats.org/drawingml/2006/diagram" xmlns:r="http://schemas.openxmlformats.org/officeDocument/2006/relationships" r:dm="rId2" r:lo="rId3" r:qs="rId4" r:cs="rId5"/>
+          </a:graphicData>
+        </a:graphic>
+      </p:graphicFrame>
+    </p:spTree>
+    <p:extLst>
+      <p:ext uri="{BB962C8B-B14F-4D97-AF65-F5344CB8AC3E}">
+        <p14:creationId xmlns:p14="http://schemas.microsoft.com/office/powerpoint/2010/main" val="4177226679"/>
+      </p:ext>
+    </p:extLst>
+  </p:cSld>
+  <p:clrMapOvr>
+    <a:masterClrMapping/>
+  </p:clrMapOvr>
+</p:sld>
+</file>
+
+<file path=ppt/slides/slide27.xml><?xml version="1.0" encoding="utf-8"?>
 <p:sld xmlns:a="http://schemas.openxmlformats.org/drawingml/2006/main" xmlns:r="http://schemas.openxmlformats.org/officeDocument/2006/relationships" xmlns:p="http://schemas.openxmlformats.org/presentationml/2006/main">
   <p:cSld>
     <p:bg>
@@ -29376,51 +33823,51 @@
           <a:lstStyle/>
           <a:p>
             <a:r>
-              <a:rPr lang="en-US" sz="1700"/>
+              <a:rPr lang="en-US" sz="1700" dirty="0"/>
               <a:t>• Architecture streamlined: Azure Data Factory component removed (per mentor feedback).  </a:t>
             </a:r>
           </a:p>
           <a:p>
             <a:r>
-              <a:rPr lang="en-US" sz="1700"/>
+              <a:rPr lang="en-US" sz="1700" dirty="0"/>
               <a:t>• Current topology: Azure Databricks + Azure Data Lake Storage.  </a:t>
             </a:r>
           </a:p>
           <a:p>
             <a:r>
-              <a:rPr lang="en-US" sz="1700"/>
+              <a:rPr lang="en-US" sz="1700" dirty="0"/>
               <a:t>• All Step 8 validations confirm deployment-ready state.  </a:t>
             </a:r>
           </a:p>
           <a:p>
             <a:r>
-              <a:rPr lang="en-US" sz="1700"/>
+              <a:rPr lang="en-US" sz="1700" dirty="0"/>
               <a:t>• Next Step (Step 9):  </a:t>
             </a:r>
           </a:p>
           <a:p>
             <a:r>
-              <a:rPr lang="en-US" sz="1700"/>
+              <a:rPr lang="en-US" sz="1700" dirty="0"/>
               <a:t>   – Scale pipeline to process full TMDB + </a:t>
             </a:r>
             <a:r>
-              <a:rPr lang="en-US" sz="1700" err="1"/>
+              <a:rPr lang="en-US" sz="1700" dirty="0" err="1"/>
               <a:t>Discogs</a:t>
             </a:r>
             <a:r>
-              <a:rPr lang="en-US" sz="1700"/>
+              <a:rPr lang="en-US" sz="1700" dirty="0"/>
               <a:t> datasets.  </a:t>
             </a:r>
           </a:p>
           <a:p>
             <a:r>
-              <a:rPr lang="en-US" sz="1700"/>
+              <a:rPr lang="en-US" sz="1700" dirty="0"/>
               <a:t>   – Persist processed outputs to Azure storage.  </a:t>
             </a:r>
           </a:p>
           <a:p>
             <a:r>
-              <a:rPr lang="en-US" sz="1700"/>
+              <a:rPr lang="en-US" sz="1700" dirty="0"/>
               <a:t>   – Capture performance and storage metrics.</a:t>
             </a:r>
           </a:p>
